--- a/Presentation.pptx
+++ b/Presentation.pptx
@@ -130,7 +130,7 @@
 <file path=ppt/revisionInfo.xml><?xml version="1.0" encoding="utf-8"?>
 <p1510:revInfo xmlns:a="http://schemas.openxmlformats.org/drawingml/2006/main" xmlns:r="http://schemas.openxmlformats.org/officeDocument/2006/relationships" xmlns:p1510="http://schemas.microsoft.com/office/powerpoint/2015/10/main">
   <p1510:revLst>
-    <p1510:client id="{A28BEA28-CB8B-4ADC-9CD9-6BA7D5B43B4A}" v="21" dt="2024-05-13T10:05:06.143"/>
+    <p1510:client id="{A28BEA28-CB8B-4ADC-9CD9-6BA7D5B43B4A}" v="22" dt="2024-05-13T10:05:10.862"/>
   </p1510:revLst>
 </p1510:revInfo>
 </file>
@@ -693,18 +693,18 @@
   <pc:docChgLst>
     <pc:chgData name="Eduardo Savian" userId="83fefb37af455394" providerId="Windows Live" clId="Web-{A28BEA28-CB8B-4ADC-9CD9-6BA7D5B43B4A}"/>
     <pc:docChg chg="modSld">
-      <pc:chgData name="Eduardo Savian" userId="83fefb37af455394" providerId="Windows Live" clId="Web-{A28BEA28-CB8B-4ADC-9CD9-6BA7D5B43B4A}" dt="2024-05-13T10:05:06.143" v="18" actId="20577"/>
+      <pc:chgData name="Eduardo Savian" userId="83fefb37af455394" providerId="Windows Live" clId="Web-{A28BEA28-CB8B-4ADC-9CD9-6BA7D5B43B4A}" dt="2024-05-13T10:05:10.862" v="19" actId="20577"/>
       <pc:docMkLst>
         <pc:docMk/>
       </pc:docMkLst>
       <pc:sldChg chg="modSp">
-        <pc:chgData name="Eduardo Savian" userId="83fefb37af455394" providerId="Windows Live" clId="Web-{A28BEA28-CB8B-4ADC-9CD9-6BA7D5B43B4A}" dt="2024-05-13T10:05:06.143" v="18" actId="20577"/>
+        <pc:chgData name="Eduardo Savian" userId="83fefb37af455394" providerId="Windows Live" clId="Web-{A28BEA28-CB8B-4ADC-9CD9-6BA7D5B43B4A}" dt="2024-05-13T10:05:10.862" v="19" actId="20577"/>
         <pc:sldMkLst>
           <pc:docMk/>
           <pc:sldMk cId="109857222" sldId="256"/>
         </pc:sldMkLst>
         <pc:spChg chg="mod">
-          <ac:chgData name="Eduardo Savian" userId="83fefb37af455394" providerId="Windows Live" clId="Web-{A28BEA28-CB8B-4ADC-9CD9-6BA7D5B43B4A}" dt="2024-05-13T10:05:06.143" v="18" actId="20577"/>
+          <ac:chgData name="Eduardo Savian" userId="83fefb37af455394" providerId="Windows Live" clId="Web-{A28BEA28-CB8B-4ADC-9CD9-6BA7D5B43B4A}" dt="2024-05-13T10:05:10.862" v="19" actId="20577"/>
           <ac:spMkLst>
             <pc:docMk/>
             <pc:sldMk cId="109857222" sldId="256"/>
@@ -5389,7 +5389,7 @@
           <a:lstStyle/>
           <a:p>
             <a:r>
-              <a:rPr lang="en-US">
+              <a:rPr lang="en-US" dirty="0">
                 <a:ea typeface="+mj-lt"/>
                 <a:cs typeface="+mj-lt"/>
               </a:rPr>

--- a/Presentation.pptx
+++ b/Presentation.pptx
@@ -8,19 +8,9 @@
     <p:sldId id="256" r:id="rId2"/>
     <p:sldId id="257" r:id="rId3"/>
     <p:sldId id="269" r:id="rId4"/>
-    <p:sldId id="264" r:id="rId5"/>
-    <p:sldId id="267" r:id="rId6"/>
-    <p:sldId id="265" r:id="rId7"/>
-    <p:sldId id="266" r:id="rId8"/>
-    <p:sldId id="262" r:id="rId9"/>
-    <p:sldId id="261" r:id="rId10"/>
-    <p:sldId id="259" r:id="rId11"/>
-    <p:sldId id="263" r:id="rId12"/>
-    <p:sldId id="275" r:id="rId13"/>
-    <p:sldId id="271" r:id="rId14"/>
-    <p:sldId id="274" r:id="rId15"/>
-    <p:sldId id="268" r:id="rId16"/>
-    <p:sldId id="260" r:id="rId17"/>
+    <p:sldId id="270" r:id="rId5"/>
+    <p:sldId id="268" r:id="rId6"/>
+    <p:sldId id="260" r:id="rId7"/>
   </p:sldIdLst>
   <p:sldSz cx="12192000" cy="6858000"/>
   <p:notesSz cx="6858000" cy="9144000"/>
@@ -130,6 +120,7 @@
 <file path=ppt/revisionInfo.xml><?xml version="1.0" encoding="utf-8"?>
 <p1510:revInfo xmlns:a="http://schemas.openxmlformats.org/drawingml/2006/main" xmlns:r="http://schemas.openxmlformats.org/officeDocument/2006/relationships" xmlns:p1510="http://schemas.microsoft.com/office/powerpoint/2015/10/main">
   <p1510:revLst>
+    <p1510:client id="{4E2BA755-9540-4322-A1D6-D9892E45D796}" v="72" dt="2024-05-14T00:08:28.465"/>
     <p1510:client id="{A28BEA28-CB8B-4ADC-9CD9-6BA7D5B43B4A}" v="22" dt="2024-05-13T10:05:10.862"/>
   </p1510:revLst>
 </p1510:revInfo>
@@ -618,6 +609,182 @@
             <ac:spMk id="3" creationId="{00000000-0000-0000-0000-000000000000}"/>
           </ac:spMkLst>
         </pc:spChg>
+      </pc:sldChg>
+    </pc:docChg>
+  </pc:docChgLst>
+  <pc:docChgLst>
+    <pc:chgData name="Eduardo Savian" userId="83fefb37af455394" providerId="Windows Live" clId="Web-{4E2BA755-9540-4322-A1D6-D9892E45D796}"/>
+    <pc:docChg chg="addSld delSld modSld">
+      <pc:chgData name="Eduardo Savian" userId="83fefb37af455394" providerId="Windows Live" clId="Web-{4E2BA755-9540-4322-A1D6-D9892E45D796}" dt="2024-05-14T00:08:28.465" v="70"/>
+      <pc:docMkLst>
+        <pc:docMk/>
+      </pc:docMkLst>
+      <pc:sldChg chg="modSp">
+        <pc:chgData name="Eduardo Savian" userId="83fefb37af455394" providerId="Windows Live" clId="Web-{4E2BA755-9540-4322-A1D6-D9892E45D796}" dt="2024-05-14T00:02:53.821" v="27" actId="20577"/>
+        <pc:sldMkLst>
+          <pc:docMk/>
+          <pc:sldMk cId="109857222" sldId="256"/>
+        </pc:sldMkLst>
+        <pc:spChg chg="mod">
+          <ac:chgData name="Eduardo Savian" userId="83fefb37af455394" providerId="Windows Live" clId="Web-{4E2BA755-9540-4322-A1D6-D9892E45D796}" dt="2024-05-14T00:02:53.821" v="27" actId="20577"/>
+          <ac:spMkLst>
+            <pc:docMk/>
+            <pc:sldMk cId="109857222" sldId="256"/>
+            <ac:spMk id="2" creationId="{00000000-0000-0000-0000-000000000000}"/>
+          </ac:spMkLst>
+        </pc:spChg>
+      </pc:sldChg>
+      <pc:sldChg chg="modSp">
+        <pc:chgData name="Eduardo Savian" userId="83fefb37af455394" providerId="Windows Live" clId="Web-{4E2BA755-9540-4322-A1D6-D9892E45D796}" dt="2024-05-14T00:08:24.090" v="69" actId="20577"/>
+        <pc:sldMkLst>
+          <pc:docMk/>
+          <pc:sldMk cId="3775945265" sldId="257"/>
+        </pc:sldMkLst>
+        <pc:spChg chg="mod">
+          <ac:chgData name="Eduardo Savian" userId="83fefb37af455394" providerId="Windows Live" clId="Web-{4E2BA755-9540-4322-A1D6-D9892E45D796}" dt="2024-05-14T00:08:24.090" v="69" actId="20577"/>
+          <ac:spMkLst>
+            <pc:docMk/>
+            <pc:sldMk cId="3775945265" sldId="257"/>
+            <ac:spMk id="3" creationId="{A3B4ADFF-18FA-819A-E2DD-F32D67BA3A8E}"/>
+          </ac:spMkLst>
+        </pc:spChg>
+      </pc:sldChg>
+      <pc:sldChg chg="del">
+        <pc:chgData name="Eduardo Savian" userId="83fefb37af455394" providerId="Windows Live" clId="Web-{4E2BA755-9540-4322-A1D6-D9892E45D796}" dt="2024-05-14T00:05:43.729" v="45"/>
+        <pc:sldMkLst>
+          <pc:docMk/>
+          <pc:sldMk cId="1967995460" sldId="259"/>
+        </pc:sldMkLst>
+      </pc:sldChg>
+      <pc:sldChg chg="del">
+        <pc:chgData name="Eduardo Savian" userId="83fefb37af455394" providerId="Windows Live" clId="Web-{4E2BA755-9540-4322-A1D6-D9892E45D796}" dt="2024-05-14T00:05:43.073" v="44"/>
+        <pc:sldMkLst>
+          <pc:docMk/>
+          <pc:sldMk cId="2753850936" sldId="261"/>
+        </pc:sldMkLst>
+      </pc:sldChg>
+      <pc:sldChg chg="del">
+        <pc:chgData name="Eduardo Savian" userId="83fefb37af455394" providerId="Windows Live" clId="Web-{4E2BA755-9540-4322-A1D6-D9892E45D796}" dt="2024-05-14T00:05:42.839" v="43"/>
+        <pc:sldMkLst>
+          <pc:docMk/>
+          <pc:sldMk cId="4074611433" sldId="262"/>
+        </pc:sldMkLst>
+      </pc:sldChg>
+      <pc:sldChg chg="del">
+        <pc:chgData name="Eduardo Savian" userId="83fefb37af455394" providerId="Windows Live" clId="Web-{4E2BA755-9540-4322-A1D6-D9892E45D796}" dt="2024-05-14T00:05:44.183" v="46"/>
+        <pc:sldMkLst>
+          <pc:docMk/>
+          <pc:sldMk cId="922261976" sldId="263"/>
+        </pc:sldMkLst>
+      </pc:sldChg>
+      <pc:sldChg chg="addSp delSp modSp del">
+        <pc:chgData name="Eduardo Savian" userId="83fefb37af455394" providerId="Windows Live" clId="Web-{4E2BA755-9540-4322-A1D6-D9892E45D796}" dt="2024-05-14T00:05:40.479" v="39"/>
+        <pc:sldMkLst>
+          <pc:docMk/>
+          <pc:sldMk cId="2804307500" sldId="264"/>
+        </pc:sldMkLst>
+        <pc:spChg chg="add mod">
+          <ac:chgData name="Eduardo Savian" userId="83fefb37af455394" providerId="Windows Live" clId="Web-{4E2BA755-9540-4322-A1D6-D9892E45D796}" dt="2024-05-14T00:05:38.495" v="38"/>
+          <ac:spMkLst>
+            <pc:docMk/>
+            <pc:sldMk cId="2804307500" sldId="264"/>
+            <ac:spMk id="7" creationId="{0F05CDE4-5110-BDB8-0763-068B58FDD9C9}"/>
+          </ac:spMkLst>
+        </pc:spChg>
+        <pc:picChg chg="del">
+          <ac:chgData name="Eduardo Savian" userId="83fefb37af455394" providerId="Windows Live" clId="Web-{4E2BA755-9540-4322-A1D6-D9892E45D796}" dt="2024-05-14T00:05:38.495" v="38"/>
+          <ac:picMkLst>
+            <pc:docMk/>
+            <pc:sldMk cId="2804307500" sldId="264"/>
+            <ac:picMk id="8" creationId="{00F452FC-2464-3821-2B96-E293938164EB}"/>
+          </ac:picMkLst>
+        </pc:picChg>
+      </pc:sldChg>
+      <pc:sldChg chg="del">
+        <pc:chgData name="Eduardo Savian" userId="83fefb37af455394" providerId="Windows Live" clId="Web-{4E2BA755-9540-4322-A1D6-D9892E45D796}" dt="2024-05-14T00:05:42.245" v="41"/>
+        <pc:sldMkLst>
+          <pc:docMk/>
+          <pc:sldMk cId="1498387516" sldId="265"/>
+        </pc:sldMkLst>
+      </pc:sldChg>
+      <pc:sldChg chg="del">
+        <pc:chgData name="Eduardo Savian" userId="83fefb37af455394" providerId="Windows Live" clId="Web-{4E2BA755-9540-4322-A1D6-D9892E45D796}" dt="2024-05-14T00:05:42.276" v="42"/>
+        <pc:sldMkLst>
+          <pc:docMk/>
+          <pc:sldMk cId="1606520421" sldId="266"/>
+        </pc:sldMkLst>
+      </pc:sldChg>
+      <pc:sldChg chg="del">
+        <pc:chgData name="Eduardo Savian" userId="83fefb37af455394" providerId="Windows Live" clId="Web-{4E2BA755-9540-4322-A1D6-D9892E45D796}" dt="2024-05-14T00:05:41.526" v="40"/>
+        <pc:sldMkLst>
+          <pc:docMk/>
+          <pc:sldMk cId="3546819228" sldId="267"/>
+        </pc:sldMkLst>
+      </pc:sldChg>
+      <pc:sldChg chg="modSp">
+        <pc:chgData name="Eduardo Savian" userId="83fefb37af455394" providerId="Windows Live" clId="Web-{4E2BA755-9540-4322-A1D6-D9892E45D796}" dt="2024-05-14T00:07:36.012" v="62" actId="20577"/>
+        <pc:sldMkLst>
+          <pc:docMk/>
+          <pc:sldMk cId="2097304172" sldId="268"/>
+        </pc:sldMkLst>
+        <pc:spChg chg="mod">
+          <ac:chgData name="Eduardo Savian" userId="83fefb37af455394" providerId="Windows Live" clId="Web-{4E2BA755-9540-4322-A1D6-D9892E45D796}" dt="2024-05-14T00:07:36.012" v="62" actId="20577"/>
+          <ac:spMkLst>
+            <pc:docMk/>
+            <pc:sldMk cId="2097304172" sldId="268"/>
+            <ac:spMk id="3" creationId="{DF5ABD57-ADCB-25E7-5CDB-095C18654DD9}"/>
+          </ac:spMkLst>
+        </pc:spChg>
+      </pc:sldChg>
+      <pc:sldChg chg="modSp">
+        <pc:chgData name="Eduardo Savian" userId="83fefb37af455394" providerId="Windows Live" clId="Web-{4E2BA755-9540-4322-A1D6-D9892E45D796}" dt="2024-05-14T00:07:49.199" v="64" actId="20577"/>
+        <pc:sldMkLst>
+          <pc:docMk/>
+          <pc:sldMk cId="1839108021" sldId="269"/>
+        </pc:sldMkLst>
+        <pc:spChg chg="mod">
+          <ac:chgData name="Eduardo Savian" userId="83fefb37af455394" providerId="Windows Live" clId="Web-{4E2BA755-9540-4322-A1D6-D9892E45D796}" dt="2024-05-14T00:07:49.199" v="64" actId="20577"/>
+          <ac:spMkLst>
+            <pc:docMk/>
+            <pc:sldMk cId="1839108021" sldId="269"/>
+            <ac:spMk id="3" creationId="{A0A824DE-1396-458D-85D1-532A91E9C44F}"/>
+          </ac:spMkLst>
+        </pc:spChg>
+      </pc:sldChg>
+      <pc:sldChg chg="new del">
+        <pc:chgData name="Eduardo Savian" userId="83fefb37af455394" providerId="Windows Live" clId="Web-{4E2BA755-9540-4322-A1D6-D9892E45D796}" dt="2024-05-14T00:08:15.403" v="66"/>
+        <pc:sldMkLst>
+          <pc:docMk/>
+          <pc:sldMk cId="3566686745" sldId="270"/>
+        </pc:sldMkLst>
+      </pc:sldChg>
+      <pc:sldChg chg="new">
+        <pc:chgData name="Eduardo Savian" userId="83fefb37af455394" providerId="Windows Live" clId="Web-{4E2BA755-9540-4322-A1D6-D9892E45D796}" dt="2024-05-14T00:08:28.465" v="70"/>
+        <pc:sldMkLst>
+          <pc:docMk/>
+          <pc:sldMk cId="4042955426" sldId="270"/>
+        </pc:sldMkLst>
+      </pc:sldChg>
+      <pc:sldChg chg="del">
+        <pc:chgData name="Eduardo Savian" userId="83fefb37af455394" providerId="Windows Live" clId="Web-{4E2BA755-9540-4322-A1D6-D9892E45D796}" dt="2024-05-14T00:05:44.901" v="48"/>
+        <pc:sldMkLst>
+          <pc:docMk/>
+          <pc:sldMk cId="1206012243" sldId="271"/>
+        </pc:sldMkLst>
+      </pc:sldChg>
+      <pc:sldChg chg="del">
+        <pc:chgData name="Eduardo Savian" userId="83fefb37af455394" providerId="Windows Live" clId="Web-{4E2BA755-9540-4322-A1D6-D9892E45D796}" dt="2024-05-14T00:05:45.526" v="49"/>
+        <pc:sldMkLst>
+          <pc:docMk/>
+          <pc:sldMk cId="1961177669" sldId="274"/>
+        </pc:sldMkLst>
+      </pc:sldChg>
+      <pc:sldChg chg="del">
+        <pc:chgData name="Eduardo Savian" userId="83fefb37af455394" providerId="Windows Live" clId="Web-{4E2BA755-9540-4322-A1D6-D9892E45D796}" dt="2024-05-14T00:05:44.714" v="47"/>
+        <pc:sldMkLst>
+          <pc:docMk/>
+          <pc:sldMk cId="43700074" sldId="275"/>
+        </pc:sldMkLst>
       </pc:sldChg>
     </pc:docChg>
   </pc:docChgLst>
@@ -5400,14 +5567,14 @@
                 <a:ea typeface="+mj-lt"/>
                 <a:cs typeface="+mj-lt"/>
               </a:rPr>
-              <a:t>Problema</a:t>
+              <a:t>passeio</a:t>
             </a:r>
             <a:r>
               <a:rPr lang="en-US" dirty="0">
                 <a:ea typeface="+mj-lt"/>
                 <a:cs typeface="+mj-lt"/>
               </a:rPr>
-              <a:t> do </a:t>
+              <a:t> do </a:t>
             </a:r>
             <a:r>
               <a:rPr lang="en-US" dirty="0" err="1">
@@ -5455,1461 +5622,6 @@
     <p:extLst>
       <p:ext uri="{BB962C8B-B14F-4D97-AF65-F5344CB8AC3E}">
         <p14:creationId xmlns:p14="http://schemas.microsoft.com/office/powerpoint/2010/main" val="109857222"/>
-      </p:ext>
-    </p:extLst>
-  </p:cSld>
-  <p:clrMapOvr>
-    <a:masterClrMapping/>
-  </p:clrMapOvr>
-</p:sld>
-</file>
-
-<file path=ppt/slides/slide10.xml><?xml version="1.0" encoding="utf-8"?>
-<p:sld xmlns:a="http://schemas.openxmlformats.org/drawingml/2006/main" xmlns:r="http://schemas.openxmlformats.org/officeDocument/2006/relationships" xmlns:p="http://schemas.openxmlformats.org/presentationml/2006/main">
-  <p:cSld>
-    <p:spTree>
-      <p:nvGrpSpPr>
-        <p:cNvPr id="1" name=""/>
-        <p:cNvGrpSpPr/>
-        <p:nvPr/>
-      </p:nvGrpSpPr>
-      <p:grpSpPr>
-        <a:xfrm>
-          <a:off x="0" y="0"/>
-          <a:ext cx="0" cy="0"/>
-          <a:chOff x="0" y="0"/>
-          <a:chExt cx="0" cy="0"/>
-        </a:xfrm>
-      </p:grpSpPr>
-      <p:sp>
-        <p:nvSpPr>
-          <p:cNvPr id="2" name="Título 1">
-            <a:extLst>
-              <a:ext uri="{FF2B5EF4-FFF2-40B4-BE49-F238E27FC236}">
-                <a16:creationId xmlns:a16="http://schemas.microsoft.com/office/drawing/2014/main" id="{39887D89-22FC-622C-690A-E2571C8358CE}"/>
-              </a:ext>
-            </a:extLst>
-          </p:cNvPr>
-          <p:cNvSpPr>
-            <a:spLocks noGrp="1"/>
-          </p:cNvSpPr>
-          <p:nvPr>
-            <p:ph type="title"/>
-          </p:nvPr>
-        </p:nvSpPr>
-        <p:spPr/>
-        <p:txBody>
-          <a:bodyPr/>
-          <a:lstStyle/>
-          <a:p>
-            <a:r>
-              <a:rPr lang="en-US" dirty="0" err="1"/>
-              <a:t>Verificar</a:t>
-            </a:r>
-            <a:r>
-              <a:rPr lang="en-US" dirty="0"/>
-              <a:t> se a </a:t>
-            </a:r>
-            <a:r>
-              <a:rPr lang="en-US" dirty="0" err="1"/>
-              <a:t>cor</a:t>
-            </a:r>
-            <a:r>
-              <a:rPr lang="en-US" dirty="0"/>
-              <a:t> </a:t>
-            </a:r>
-            <a:r>
-              <a:rPr lang="en-US" dirty="0" err="1"/>
-              <a:t>pode</a:t>
-            </a:r>
-            <a:r>
-              <a:rPr lang="en-US" dirty="0"/>
-              <a:t> ser </a:t>
-            </a:r>
-            <a:r>
-              <a:rPr lang="en-US" dirty="0" err="1"/>
-              <a:t>usada</a:t>
-            </a:r>
-            <a:endParaRPr lang="pt-BR" dirty="0"/>
-          </a:p>
-        </p:txBody>
-      </p:sp>
-      <p:pic>
-        <p:nvPicPr>
-          <p:cNvPr id="12" name="Espaço Reservado para Conteúdo 11">
-            <a:extLst>
-              <a:ext uri="{FF2B5EF4-FFF2-40B4-BE49-F238E27FC236}">
-                <a16:creationId xmlns:a16="http://schemas.microsoft.com/office/drawing/2014/main" id="{91EFBEF1-DAB5-FE3F-2356-678CD9318547}"/>
-              </a:ext>
-            </a:extLst>
-          </p:cNvPr>
-          <p:cNvPicPr>
-            <a:picLocks noGrp="1" noChangeAspect="1"/>
-          </p:cNvPicPr>
-          <p:nvPr>
-            <p:ph idx="1"/>
-          </p:nvPr>
-        </p:nvPicPr>
-        <p:blipFill>
-          <a:blip r:embed="rId2"/>
-          <a:stretch>
-            <a:fillRect/>
-          </a:stretch>
-        </p:blipFill>
-        <p:spPr>
-          <a:xfrm>
-            <a:off x="1288574" y="1497161"/>
-            <a:ext cx="7933072" cy="4438743"/>
-          </a:xfrm>
-        </p:spPr>
-      </p:pic>
-      <p:sp>
-        <p:nvSpPr>
-          <p:cNvPr id="4" name="Espaço Reservado para Data 3">
-            <a:extLst>
-              <a:ext uri="{FF2B5EF4-FFF2-40B4-BE49-F238E27FC236}">
-                <a16:creationId xmlns:a16="http://schemas.microsoft.com/office/drawing/2014/main" id="{FBBE62BA-F7B8-8240-F43C-643DB196171D}"/>
-              </a:ext>
-            </a:extLst>
-          </p:cNvPr>
-          <p:cNvSpPr>
-            <a:spLocks noGrp="1"/>
-          </p:cNvSpPr>
-          <p:nvPr>
-            <p:ph type="dt" sz="half" idx="10"/>
-          </p:nvPr>
-        </p:nvSpPr>
-        <p:spPr/>
-        <p:txBody>
-          <a:bodyPr/>
-          <a:lstStyle/>
-          <a:p>
-            <a:fld id="{9E427858-1B63-42BF-A081-F881375F2F0E}" type="datetime1">
-              <a:rPr lang="en-US" smtClean="0"/>
-              <a:t>5/13/2024</a:t>
-            </a:fld>
-            <a:endParaRPr lang="en-US" dirty="0"/>
-          </a:p>
-        </p:txBody>
-      </p:sp>
-      <p:sp>
-        <p:nvSpPr>
-          <p:cNvPr id="5" name="Espaço Reservado para Rodapé 4">
-            <a:extLst>
-              <a:ext uri="{FF2B5EF4-FFF2-40B4-BE49-F238E27FC236}">
-                <a16:creationId xmlns:a16="http://schemas.microsoft.com/office/drawing/2014/main" id="{BB056759-BDF5-5450-E526-02C0EF64F525}"/>
-              </a:ext>
-            </a:extLst>
-          </p:cNvPr>
-          <p:cNvSpPr>
-            <a:spLocks noGrp="1"/>
-          </p:cNvSpPr>
-          <p:nvPr>
-            <p:ph type="ftr" sz="quarter" idx="11"/>
-          </p:nvPr>
-        </p:nvSpPr>
-        <p:spPr/>
-        <p:txBody>
-          <a:bodyPr/>
-          <a:lstStyle/>
-          <a:p>
-            <a:r>
-              <a:rPr lang="en-US"/>
-              <a:t>
-              </a:t>
-            </a:r>
-            <a:endParaRPr lang="en-US" dirty="0"/>
-          </a:p>
-        </p:txBody>
-      </p:sp>
-      <p:sp>
-        <p:nvSpPr>
-          <p:cNvPr id="6" name="Espaço Reservado para Número de Slide 5">
-            <a:extLst>
-              <a:ext uri="{FF2B5EF4-FFF2-40B4-BE49-F238E27FC236}">
-                <a16:creationId xmlns:a16="http://schemas.microsoft.com/office/drawing/2014/main" id="{4CA22887-B5A5-3AD7-1BCD-A285BC742658}"/>
-              </a:ext>
-            </a:extLst>
-          </p:cNvPr>
-          <p:cNvSpPr>
-            <a:spLocks noGrp="1"/>
-          </p:cNvSpPr>
-          <p:nvPr>
-            <p:ph type="sldNum" sz="quarter" idx="12"/>
-          </p:nvPr>
-        </p:nvSpPr>
-        <p:spPr/>
-        <p:txBody>
-          <a:bodyPr/>
-          <a:lstStyle/>
-          <a:p>
-            <a:fld id="{196A61CA-0502-4EE4-9724-96EA822543E5}" type="slidenum">
-              <a:rPr lang="en-US" smtClean="0"/>
-              <a:t>10</a:t>
-            </a:fld>
-            <a:endParaRPr lang="en-US" dirty="0"/>
-          </a:p>
-        </p:txBody>
-      </p:sp>
-    </p:spTree>
-    <p:extLst>
-      <p:ext uri="{BB962C8B-B14F-4D97-AF65-F5344CB8AC3E}">
-        <p14:creationId xmlns:p14="http://schemas.microsoft.com/office/powerpoint/2010/main" val="1967995460"/>
-      </p:ext>
-    </p:extLst>
-  </p:cSld>
-  <p:clrMapOvr>
-    <a:masterClrMapping/>
-  </p:clrMapOvr>
-</p:sld>
-</file>
-
-<file path=ppt/slides/slide11.xml><?xml version="1.0" encoding="utf-8"?>
-<p:sld xmlns:a="http://schemas.openxmlformats.org/drawingml/2006/main" xmlns:r="http://schemas.openxmlformats.org/officeDocument/2006/relationships" xmlns:p="http://schemas.openxmlformats.org/presentationml/2006/main">
-  <p:cSld>
-    <p:spTree>
-      <p:nvGrpSpPr>
-        <p:cNvPr id="1" name=""/>
-        <p:cNvGrpSpPr/>
-        <p:nvPr/>
-      </p:nvGrpSpPr>
-      <p:grpSpPr>
-        <a:xfrm>
-          <a:off x="0" y="0"/>
-          <a:ext cx="0" cy="0"/>
-          <a:chOff x="0" y="0"/>
-          <a:chExt cx="0" cy="0"/>
-        </a:xfrm>
-      </p:grpSpPr>
-      <p:sp>
-        <p:nvSpPr>
-          <p:cNvPr id="2" name="Título 1">
-            <a:extLst>
-              <a:ext uri="{FF2B5EF4-FFF2-40B4-BE49-F238E27FC236}">
-                <a16:creationId xmlns:a16="http://schemas.microsoft.com/office/drawing/2014/main" id="{8CA5BA22-DDB8-EA28-662F-932D9B518648}"/>
-              </a:ext>
-            </a:extLst>
-          </p:cNvPr>
-          <p:cNvSpPr>
-            <a:spLocks noGrp="1"/>
-          </p:cNvSpPr>
-          <p:nvPr>
-            <p:ph type="title"/>
-          </p:nvPr>
-        </p:nvSpPr>
-        <p:spPr/>
-        <p:txBody>
-          <a:bodyPr/>
-          <a:lstStyle/>
-          <a:p>
-            <a:r>
-              <a:rPr lang="en-US" dirty="0"/>
-              <a:t>Converter  </a:t>
-            </a:r>
-            <a:r>
-              <a:rPr lang="en-US" dirty="0" err="1"/>
-              <a:t>grafo</a:t>
-            </a:r>
-            <a:r>
-              <a:rPr lang="en-US" dirty="0"/>
-              <a:t> para </a:t>
-            </a:r>
-            <a:r>
-              <a:rPr lang="en-US" dirty="0" err="1"/>
-              <a:t>json</a:t>
-            </a:r>
-            <a:endParaRPr lang="pt-BR" dirty="0"/>
-          </a:p>
-        </p:txBody>
-      </p:sp>
-      <p:sp>
-        <p:nvSpPr>
-          <p:cNvPr id="4" name="Espaço Reservado para Data 3">
-            <a:extLst>
-              <a:ext uri="{FF2B5EF4-FFF2-40B4-BE49-F238E27FC236}">
-                <a16:creationId xmlns:a16="http://schemas.microsoft.com/office/drawing/2014/main" id="{1131B9C5-ECD6-57E5-9FD7-BC1EB3E3D585}"/>
-              </a:ext>
-            </a:extLst>
-          </p:cNvPr>
-          <p:cNvSpPr>
-            <a:spLocks noGrp="1"/>
-          </p:cNvSpPr>
-          <p:nvPr>
-            <p:ph type="dt" sz="half" idx="10"/>
-          </p:nvPr>
-        </p:nvSpPr>
-        <p:spPr/>
-        <p:txBody>
-          <a:bodyPr/>
-          <a:lstStyle/>
-          <a:p>
-            <a:fld id="{B320DF82-DB03-45A0-ACCF-79B6BA019DEA}" type="datetime1">
-              <a:rPr lang="en-US" smtClean="0"/>
-              <a:t>5/13/2024</a:t>
-            </a:fld>
-            <a:endParaRPr lang="en-US" dirty="0"/>
-          </a:p>
-        </p:txBody>
-      </p:sp>
-      <p:sp>
-        <p:nvSpPr>
-          <p:cNvPr id="5" name="Espaço Reservado para Rodapé 4">
-            <a:extLst>
-              <a:ext uri="{FF2B5EF4-FFF2-40B4-BE49-F238E27FC236}">
-                <a16:creationId xmlns:a16="http://schemas.microsoft.com/office/drawing/2014/main" id="{E7747CD2-6424-E60E-9752-F01BEF8C9231}"/>
-              </a:ext>
-            </a:extLst>
-          </p:cNvPr>
-          <p:cNvSpPr>
-            <a:spLocks noGrp="1"/>
-          </p:cNvSpPr>
-          <p:nvPr>
-            <p:ph type="ftr" sz="quarter" idx="11"/>
-          </p:nvPr>
-        </p:nvSpPr>
-        <p:spPr/>
-        <p:txBody>
-          <a:bodyPr/>
-          <a:lstStyle/>
-          <a:p>
-            <a:r>
-              <a:rPr lang="en-US"/>
-              <a:t>
-              </a:t>
-            </a:r>
-            <a:endParaRPr lang="en-US" dirty="0"/>
-          </a:p>
-        </p:txBody>
-      </p:sp>
-      <p:sp>
-        <p:nvSpPr>
-          <p:cNvPr id="6" name="Espaço Reservado para Número de Slide 5">
-            <a:extLst>
-              <a:ext uri="{FF2B5EF4-FFF2-40B4-BE49-F238E27FC236}">
-                <a16:creationId xmlns:a16="http://schemas.microsoft.com/office/drawing/2014/main" id="{730D7149-A62B-8721-8BB7-6B01E29ED4F7}"/>
-              </a:ext>
-            </a:extLst>
-          </p:cNvPr>
-          <p:cNvSpPr>
-            <a:spLocks noGrp="1"/>
-          </p:cNvSpPr>
-          <p:nvPr>
-            <p:ph type="sldNum" sz="quarter" idx="12"/>
-          </p:nvPr>
-        </p:nvSpPr>
-        <p:spPr/>
-        <p:txBody>
-          <a:bodyPr/>
-          <a:lstStyle/>
-          <a:p>
-            <a:fld id="{E30AF5A0-43BB-4336-8627-9123B9144D80}" type="slidenum">
-              <a:rPr lang="en-US" smtClean="0"/>
-              <a:t>11</a:t>
-            </a:fld>
-            <a:endParaRPr lang="en-US" dirty="0"/>
-          </a:p>
-        </p:txBody>
-      </p:sp>
-      <p:pic>
-        <p:nvPicPr>
-          <p:cNvPr id="16" name="Espaço Reservado para Conteúdo 15">
-            <a:extLst>
-              <a:ext uri="{FF2B5EF4-FFF2-40B4-BE49-F238E27FC236}">
-                <a16:creationId xmlns:a16="http://schemas.microsoft.com/office/drawing/2014/main" id="{F3F62092-4A47-DE51-7B8F-649D763BBB50}"/>
-              </a:ext>
-            </a:extLst>
-          </p:cNvPr>
-          <p:cNvPicPr>
-            <a:picLocks noGrp="1" noChangeAspect="1"/>
-          </p:cNvPicPr>
-          <p:nvPr>
-            <p:ph idx="1"/>
-          </p:nvPr>
-        </p:nvPicPr>
-        <p:blipFill>
-          <a:blip r:embed="rId2"/>
-          <a:stretch>
-            <a:fillRect/>
-          </a:stretch>
-        </p:blipFill>
-        <p:spPr>
-          <a:xfrm>
-            <a:off x="2946400" y="1858822"/>
-            <a:ext cx="5602493" cy="4070492"/>
-          </a:xfrm>
-        </p:spPr>
-      </p:pic>
-    </p:spTree>
-    <p:extLst>
-      <p:ext uri="{BB962C8B-B14F-4D97-AF65-F5344CB8AC3E}">
-        <p14:creationId xmlns:p14="http://schemas.microsoft.com/office/powerpoint/2010/main" val="922261976"/>
-      </p:ext>
-    </p:extLst>
-  </p:cSld>
-  <p:clrMapOvr>
-    <a:masterClrMapping/>
-  </p:clrMapOvr>
-</p:sld>
-</file>
-
-<file path=ppt/slides/slide12.xml><?xml version="1.0" encoding="utf-8"?>
-<p:sld xmlns:a="http://schemas.openxmlformats.org/drawingml/2006/main" xmlns:r="http://schemas.openxmlformats.org/officeDocument/2006/relationships" xmlns:p="http://schemas.openxmlformats.org/presentationml/2006/main">
-  <p:cSld>
-    <p:spTree>
-      <p:nvGrpSpPr>
-        <p:cNvPr id="1" name=""/>
-        <p:cNvGrpSpPr/>
-        <p:nvPr/>
-      </p:nvGrpSpPr>
-      <p:grpSpPr>
-        <a:xfrm>
-          <a:off x="0" y="0"/>
-          <a:ext cx="0" cy="0"/>
-          <a:chOff x="0" y="0"/>
-          <a:chExt cx="0" cy="0"/>
-        </a:xfrm>
-      </p:grpSpPr>
-      <p:sp>
-        <p:nvSpPr>
-          <p:cNvPr id="2" name="Título 1">
-            <a:extLst>
-              <a:ext uri="{FF2B5EF4-FFF2-40B4-BE49-F238E27FC236}">
-                <a16:creationId xmlns:a16="http://schemas.microsoft.com/office/drawing/2014/main" id="{914E3F11-14DD-8077-FB41-A3392F54C934}"/>
-              </a:ext>
-            </a:extLst>
-          </p:cNvPr>
-          <p:cNvSpPr>
-            <a:spLocks noGrp="1"/>
-          </p:cNvSpPr>
-          <p:nvPr>
-            <p:ph type="title"/>
-          </p:nvPr>
-        </p:nvSpPr>
-        <p:spPr/>
-        <p:txBody>
-          <a:bodyPr/>
-          <a:lstStyle/>
-          <a:p>
-            <a:r>
-              <a:rPr lang="en-US" dirty="0" err="1"/>
-              <a:t>Exemplo</a:t>
-            </a:r>
-            <a:r>
-              <a:rPr lang="en-US" dirty="0"/>
-              <a:t> 4x4</a:t>
-            </a:r>
-            <a:endParaRPr lang="pt-BR" dirty="0"/>
-          </a:p>
-        </p:txBody>
-      </p:sp>
-      <p:sp>
-        <p:nvSpPr>
-          <p:cNvPr id="4" name="Espaço Reservado para Data 3">
-            <a:extLst>
-              <a:ext uri="{FF2B5EF4-FFF2-40B4-BE49-F238E27FC236}">
-                <a16:creationId xmlns:a16="http://schemas.microsoft.com/office/drawing/2014/main" id="{76CEE75B-5DF8-AD96-3DA5-5DB61E0B1DB9}"/>
-              </a:ext>
-            </a:extLst>
-          </p:cNvPr>
-          <p:cNvSpPr>
-            <a:spLocks noGrp="1"/>
-          </p:cNvSpPr>
-          <p:nvPr>
-            <p:ph type="dt" sz="half" idx="10"/>
-          </p:nvPr>
-        </p:nvSpPr>
-        <p:spPr/>
-        <p:txBody>
-          <a:bodyPr/>
-          <a:lstStyle/>
-          <a:p>
-            <a:fld id="{C5E30C39-5165-4D2B-ACBD-E17B2F524E7D}" type="datetime1">
-              <a:rPr lang="en-US" smtClean="0"/>
-              <a:t>5/13/2024</a:t>
-            </a:fld>
-            <a:endParaRPr lang="en-US" dirty="0"/>
-          </a:p>
-        </p:txBody>
-      </p:sp>
-      <p:sp>
-        <p:nvSpPr>
-          <p:cNvPr id="5" name="Espaço Reservado para Rodapé 4">
-            <a:extLst>
-              <a:ext uri="{FF2B5EF4-FFF2-40B4-BE49-F238E27FC236}">
-                <a16:creationId xmlns:a16="http://schemas.microsoft.com/office/drawing/2014/main" id="{FE122278-3F9C-F2F8-DCEA-3A53F620BAF0}"/>
-              </a:ext>
-            </a:extLst>
-          </p:cNvPr>
-          <p:cNvSpPr>
-            <a:spLocks noGrp="1"/>
-          </p:cNvSpPr>
-          <p:nvPr>
-            <p:ph type="ftr" sz="quarter" idx="11"/>
-          </p:nvPr>
-        </p:nvSpPr>
-        <p:spPr/>
-        <p:txBody>
-          <a:bodyPr/>
-          <a:lstStyle/>
-          <a:p>
-            <a:r>
-              <a:rPr lang="en-US"/>
-              <a:t>
-              </a:t>
-            </a:r>
-            <a:endParaRPr lang="en-US" dirty="0"/>
-          </a:p>
-        </p:txBody>
-      </p:sp>
-      <p:sp>
-        <p:nvSpPr>
-          <p:cNvPr id="6" name="Espaço Reservado para Número de Slide 5">
-            <a:extLst>
-              <a:ext uri="{FF2B5EF4-FFF2-40B4-BE49-F238E27FC236}">
-                <a16:creationId xmlns:a16="http://schemas.microsoft.com/office/drawing/2014/main" id="{9F02F008-0472-28F0-6C44-774E60D672A0}"/>
-              </a:ext>
-            </a:extLst>
-          </p:cNvPr>
-          <p:cNvSpPr>
-            <a:spLocks noGrp="1"/>
-          </p:cNvSpPr>
-          <p:nvPr>
-            <p:ph type="sldNum" sz="quarter" idx="12"/>
-          </p:nvPr>
-        </p:nvSpPr>
-        <p:spPr/>
-        <p:txBody>
-          <a:bodyPr/>
-          <a:lstStyle/>
-          <a:p>
-            <a:fld id="{E30AF5A0-43BB-4336-8627-9123B9144D80}" type="slidenum">
-              <a:rPr lang="en-US" smtClean="0"/>
-              <a:t>12</a:t>
-            </a:fld>
-            <a:endParaRPr lang="en-US" dirty="0"/>
-          </a:p>
-        </p:txBody>
-      </p:sp>
-      <p:pic>
-        <p:nvPicPr>
-          <p:cNvPr id="12" name="Imagem 11">
-            <a:extLst>
-              <a:ext uri="{FF2B5EF4-FFF2-40B4-BE49-F238E27FC236}">
-                <a16:creationId xmlns:a16="http://schemas.microsoft.com/office/drawing/2014/main" id="{E99D66E1-B7D0-5B01-9676-188171541776}"/>
-              </a:ext>
-            </a:extLst>
-          </p:cNvPr>
-          <p:cNvPicPr>
-            <a:picLocks noChangeAspect="1"/>
-          </p:cNvPicPr>
-          <p:nvPr/>
-        </p:nvPicPr>
-        <p:blipFill>
-          <a:blip r:embed="rId2"/>
-          <a:stretch>
-            <a:fillRect/>
-          </a:stretch>
-        </p:blipFill>
-        <p:spPr>
-          <a:xfrm>
-            <a:off x="715383" y="2293126"/>
-            <a:ext cx="2562583" cy="1752845"/>
-          </a:xfrm>
-          <a:prstGeom prst="rect">
-            <a:avLst/>
-          </a:prstGeom>
-        </p:spPr>
-      </p:pic>
-      <p:pic>
-        <p:nvPicPr>
-          <p:cNvPr id="17" name="Espaço Reservado para Conteúdo 16">
-            <a:extLst>
-              <a:ext uri="{FF2B5EF4-FFF2-40B4-BE49-F238E27FC236}">
-                <a16:creationId xmlns:a16="http://schemas.microsoft.com/office/drawing/2014/main" id="{82257A56-F537-8637-2D1A-5FD85F9F23FA}"/>
-              </a:ext>
-            </a:extLst>
-          </p:cNvPr>
-          <p:cNvPicPr>
-            <a:picLocks noGrp="1" noChangeAspect="1"/>
-          </p:cNvPicPr>
-          <p:nvPr>
-            <p:ph idx="1"/>
-          </p:nvPr>
-        </p:nvPicPr>
-        <p:blipFill>
-          <a:blip r:embed="rId3"/>
-          <a:stretch>
-            <a:fillRect/>
-          </a:stretch>
-        </p:blipFill>
-        <p:spPr>
-          <a:xfrm>
-            <a:off x="3394714" y="2293126"/>
-            <a:ext cx="7374672" cy="3636963"/>
-          </a:xfrm>
-        </p:spPr>
-      </p:pic>
-    </p:spTree>
-    <p:extLst>
-      <p:ext uri="{BB962C8B-B14F-4D97-AF65-F5344CB8AC3E}">
-        <p14:creationId xmlns:p14="http://schemas.microsoft.com/office/powerpoint/2010/main" val="43700074"/>
-      </p:ext>
-    </p:extLst>
-  </p:cSld>
-  <p:clrMapOvr>
-    <a:masterClrMapping/>
-  </p:clrMapOvr>
-</p:sld>
-</file>
-
-<file path=ppt/slides/slide13.xml><?xml version="1.0" encoding="utf-8"?>
-<p:sld xmlns:a="http://schemas.openxmlformats.org/drawingml/2006/main" xmlns:r="http://schemas.openxmlformats.org/officeDocument/2006/relationships" xmlns:p="http://schemas.openxmlformats.org/presentationml/2006/main">
-  <p:cSld>
-    <p:spTree>
-      <p:nvGrpSpPr>
-        <p:cNvPr id="1" name=""/>
-        <p:cNvGrpSpPr/>
-        <p:nvPr/>
-      </p:nvGrpSpPr>
-      <p:grpSpPr>
-        <a:xfrm>
-          <a:off x="0" y="0"/>
-          <a:ext cx="0" cy="0"/>
-          <a:chOff x="0" y="0"/>
-          <a:chExt cx="0" cy="0"/>
-        </a:xfrm>
-      </p:grpSpPr>
-      <p:sp>
-        <p:nvSpPr>
-          <p:cNvPr id="2" name="Título 1">
-            <a:extLst>
-              <a:ext uri="{FF2B5EF4-FFF2-40B4-BE49-F238E27FC236}">
-                <a16:creationId xmlns:a16="http://schemas.microsoft.com/office/drawing/2014/main" id="{A1FFD85E-227F-A119-5DAB-F0AEE197D36E}"/>
-              </a:ext>
-            </a:extLst>
-          </p:cNvPr>
-          <p:cNvSpPr>
-            <a:spLocks noGrp="1"/>
-          </p:cNvSpPr>
-          <p:nvPr>
-            <p:ph type="title"/>
-          </p:nvPr>
-        </p:nvSpPr>
-        <p:spPr/>
-        <p:txBody>
-          <a:bodyPr/>
-          <a:lstStyle/>
-          <a:p>
-            <a:r>
-              <a:rPr lang="en-US" dirty="0"/>
-              <a:t>EXEMPLO 9X9</a:t>
-            </a:r>
-            <a:endParaRPr lang="pt-BR" dirty="0"/>
-          </a:p>
-        </p:txBody>
-      </p:sp>
-      <p:sp>
-        <p:nvSpPr>
-          <p:cNvPr id="4" name="Espaço Reservado para Data 3">
-            <a:extLst>
-              <a:ext uri="{FF2B5EF4-FFF2-40B4-BE49-F238E27FC236}">
-                <a16:creationId xmlns:a16="http://schemas.microsoft.com/office/drawing/2014/main" id="{9CDA858B-B4DC-6780-8F0D-A59CC23C697E}"/>
-              </a:ext>
-            </a:extLst>
-          </p:cNvPr>
-          <p:cNvSpPr>
-            <a:spLocks noGrp="1"/>
-          </p:cNvSpPr>
-          <p:nvPr>
-            <p:ph type="dt" sz="half" idx="10"/>
-          </p:nvPr>
-        </p:nvSpPr>
-        <p:spPr/>
-        <p:txBody>
-          <a:bodyPr/>
-          <a:lstStyle/>
-          <a:p>
-            <a:fld id="{E533C912-0E07-4761-AF31-F15308DB0B4D}" type="datetime1">
-              <a:rPr lang="en-US" smtClean="0"/>
-              <a:t>5/13/2024</a:t>
-            </a:fld>
-            <a:endParaRPr lang="en-US" dirty="0"/>
-          </a:p>
-        </p:txBody>
-      </p:sp>
-      <p:sp>
-        <p:nvSpPr>
-          <p:cNvPr id="5" name="Espaço Reservado para Rodapé 4">
-            <a:extLst>
-              <a:ext uri="{FF2B5EF4-FFF2-40B4-BE49-F238E27FC236}">
-                <a16:creationId xmlns:a16="http://schemas.microsoft.com/office/drawing/2014/main" id="{F9105FAB-89D3-1DBD-F78A-8ABA4162AF9E}"/>
-              </a:ext>
-            </a:extLst>
-          </p:cNvPr>
-          <p:cNvSpPr>
-            <a:spLocks noGrp="1"/>
-          </p:cNvSpPr>
-          <p:nvPr>
-            <p:ph type="ftr" sz="quarter" idx="11"/>
-          </p:nvPr>
-        </p:nvSpPr>
-        <p:spPr/>
-        <p:txBody>
-          <a:bodyPr/>
-          <a:lstStyle/>
-          <a:p>
-            <a:r>
-              <a:rPr lang="en-US"/>
-              <a:t>
-              </a:t>
-            </a:r>
-            <a:endParaRPr lang="en-US" dirty="0"/>
-          </a:p>
-        </p:txBody>
-      </p:sp>
-      <p:sp>
-        <p:nvSpPr>
-          <p:cNvPr id="6" name="Espaço Reservado para Número de Slide 5">
-            <a:extLst>
-              <a:ext uri="{FF2B5EF4-FFF2-40B4-BE49-F238E27FC236}">
-                <a16:creationId xmlns:a16="http://schemas.microsoft.com/office/drawing/2014/main" id="{FA1B5402-E59B-4737-C46D-723F0FA9C9C9}"/>
-              </a:ext>
-            </a:extLst>
-          </p:cNvPr>
-          <p:cNvSpPr>
-            <a:spLocks noGrp="1"/>
-          </p:cNvSpPr>
-          <p:nvPr>
-            <p:ph type="sldNum" sz="quarter" idx="12"/>
-          </p:nvPr>
-        </p:nvSpPr>
-        <p:spPr/>
-        <p:txBody>
-          <a:bodyPr/>
-          <a:lstStyle/>
-          <a:p>
-            <a:fld id="{E30AF5A0-43BB-4336-8627-9123B9144D80}" type="slidenum">
-              <a:rPr lang="en-US" smtClean="0"/>
-              <a:t>13</a:t>
-            </a:fld>
-            <a:endParaRPr lang="en-US" dirty="0"/>
-          </a:p>
-        </p:txBody>
-      </p:sp>
-      <p:pic>
-        <p:nvPicPr>
-          <p:cNvPr id="12" name="Imagem 11">
-            <a:extLst>
-              <a:ext uri="{FF2B5EF4-FFF2-40B4-BE49-F238E27FC236}">
-                <a16:creationId xmlns:a16="http://schemas.microsoft.com/office/drawing/2014/main" id="{1DFCAF14-CBEA-6458-A895-9A5CB9178174}"/>
-              </a:ext>
-            </a:extLst>
-          </p:cNvPr>
-          <p:cNvPicPr>
-            <a:picLocks noChangeAspect="1"/>
-          </p:cNvPicPr>
-          <p:nvPr/>
-        </p:nvPicPr>
-        <p:blipFill>
-          <a:blip r:embed="rId2"/>
-          <a:stretch>
-            <a:fillRect/>
-          </a:stretch>
-        </p:blipFill>
-        <p:spPr>
-          <a:xfrm>
-            <a:off x="700635" y="2393343"/>
-            <a:ext cx="2648320" cy="1686160"/>
-          </a:xfrm>
-          <a:prstGeom prst="rect">
-            <a:avLst/>
-          </a:prstGeom>
-        </p:spPr>
-      </p:pic>
-      <p:pic>
-        <p:nvPicPr>
-          <p:cNvPr id="13" name="Espaço Reservado para Conteúdo 12">
-            <a:extLst>
-              <a:ext uri="{FF2B5EF4-FFF2-40B4-BE49-F238E27FC236}">
-                <a16:creationId xmlns:a16="http://schemas.microsoft.com/office/drawing/2014/main" id="{3C812D51-3395-7F75-3A24-0973BDF2A881}"/>
-              </a:ext>
-            </a:extLst>
-          </p:cNvPr>
-          <p:cNvPicPr>
-            <a:picLocks noGrp="1" noChangeAspect="1"/>
-          </p:cNvPicPr>
-          <p:nvPr>
-            <p:ph idx="1"/>
-          </p:nvPr>
-        </p:nvPicPr>
-        <p:blipFill>
-          <a:blip r:embed="rId3"/>
-          <a:stretch>
-            <a:fillRect/>
-          </a:stretch>
-        </p:blipFill>
-        <p:spPr>
-          <a:xfrm>
-            <a:off x="3489459" y="2358535"/>
-            <a:ext cx="7472583" cy="3636963"/>
-          </a:xfrm>
-        </p:spPr>
-      </p:pic>
-    </p:spTree>
-    <p:extLst>
-      <p:ext uri="{BB962C8B-B14F-4D97-AF65-F5344CB8AC3E}">
-        <p14:creationId xmlns:p14="http://schemas.microsoft.com/office/powerpoint/2010/main" val="1206012243"/>
-      </p:ext>
-    </p:extLst>
-  </p:cSld>
-  <p:clrMapOvr>
-    <a:masterClrMapping/>
-  </p:clrMapOvr>
-</p:sld>
-</file>
-
-<file path=ppt/slides/slide14.xml><?xml version="1.0" encoding="utf-8"?>
-<p:sld xmlns:a="http://schemas.openxmlformats.org/drawingml/2006/main" xmlns:r="http://schemas.openxmlformats.org/officeDocument/2006/relationships" xmlns:p="http://schemas.openxmlformats.org/presentationml/2006/main">
-  <p:cSld>
-    <p:spTree>
-      <p:nvGrpSpPr>
-        <p:cNvPr id="1" name=""/>
-        <p:cNvGrpSpPr/>
-        <p:nvPr/>
-      </p:nvGrpSpPr>
-      <p:grpSpPr>
-        <a:xfrm>
-          <a:off x="0" y="0"/>
-          <a:ext cx="0" cy="0"/>
-          <a:chOff x="0" y="0"/>
-          <a:chExt cx="0" cy="0"/>
-        </a:xfrm>
-      </p:grpSpPr>
-      <p:sp>
-        <p:nvSpPr>
-          <p:cNvPr id="2" name="Título 1">
-            <a:extLst>
-              <a:ext uri="{FF2B5EF4-FFF2-40B4-BE49-F238E27FC236}">
-                <a16:creationId xmlns:a16="http://schemas.microsoft.com/office/drawing/2014/main" id="{06D4FCB5-D603-7C18-263A-DC43F62E06AB}"/>
-              </a:ext>
-            </a:extLst>
-          </p:cNvPr>
-          <p:cNvSpPr>
-            <a:spLocks noGrp="1"/>
-          </p:cNvSpPr>
-          <p:nvPr>
-            <p:ph type="title"/>
-          </p:nvPr>
-        </p:nvSpPr>
-        <p:spPr/>
-        <p:txBody>
-          <a:bodyPr/>
-          <a:lstStyle/>
-          <a:p>
-            <a:r>
-              <a:rPr lang="en-US" dirty="0"/>
-              <a:t>EXEMPLO 16X16</a:t>
-            </a:r>
-            <a:endParaRPr lang="pt-BR" dirty="0"/>
-          </a:p>
-        </p:txBody>
-      </p:sp>
-      <p:pic>
-        <p:nvPicPr>
-          <p:cNvPr id="11" name="Espaço Reservado para Conteúdo 10">
-            <a:extLst>
-              <a:ext uri="{FF2B5EF4-FFF2-40B4-BE49-F238E27FC236}">
-                <a16:creationId xmlns:a16="http://schemas.microsoft.com/office/drawing/2014/main" id="{02E0E287-0931-F414-F9A2-4EFE97E37BB3}"/>
-              </a:ext>
-            </a:extLst>
-          </p:cNvPr>
-          <p:cNvPicPr>
-            <a:picLocks noGrp="1" noChangeAspect="1"/>
-          </p:cNvPicPr>
-          <p:nvPr>
-            <p:ph idx="1"/>
-          </p:nvPr>
-        </p:nvPicPr>
-        <p:blipFill>
-          <a:blip r:embed="rId2"/>
-          <a:stretch>
-            <a:fillRect/>
-          </a:stretch>
-        </p:blipFill>
-        <p:spPr>
-          <a:xfrm>
-            <a:off x="3467054" y="2372072"/>
-            <a:ext cx="7451958" cy="3636963"/>
-          </a:xfrm>
-        </p:spPr>
-      </p:pic>
-      <p:sp>
-        <p:nvSpPr>
-          <p:cNvPr id="4" name="Espaço Reservado para Data 3">
-            <a:extLst>
-              <a:ext uri="{FF2B5EF4-FFF2-40B4-BE49-F238E27FC236}">
-                <a16:creationId xmlns:a16="http://schemas.microsoft.com/office/drawing/2014/main" id="{7BE7C2CA-F9A8-131C-A984-7D5CEB154DD1}"/>
-              </a:ext>
-            </a:extLst>
-          </p:cNvPr>
-          <p:cNvSpPr>
-            <a:spLocks noGrp="1"/>
-          </p:cNvSpPr>
-          <p:nvPr>
-            <p:ph type="dt" sz="half" idx="10"/>
-          </p:nvPr>
-        </p:nvSpPr>
-        <p:spPr/>
-        <p:txBody>
-          <a:bodyPr/>
-          <a:lstStyle/>
-          <a:p>
-            <a:fld id="{9EBC9115-3CF0-462F-BCAE-E56F346017DF}" type="datetime1">
-              <a:rPr lang="en-US" smtClean="0"/>
-              <a:t>5/13/2024</a:t>
-            </a:fld>
-            <a:endParaRPr lang="en-US" dirty="0"/>
-          </a:p>
-        </p:txBody>
-      </p:sp>
-      <p:sp>
-        <p:nvSpPr>
-          <p:cNvPr id="5" name="Espaço Reservado para Rodapé 4">
-            <a:extLst>
-              <a:ext uri="{FF2B5EF4-FFF2-40B4-BE49-F238E27FC236}">
-                <a16:creationId xmlns:a16="http://schemas.microsoft.com/office/drawing/2014/main" id="{5983C01C-65C7-3A10-662C-6CB124288166}"/>
-              </a:ext>
-            </a:extLst>
-          </p:cNvPr>
-          <p:cNvSpPr>
-            <a:spLocks noGrp="1"/>
-          </p:cNvSpPr>
-          <p:nvPr>
-            <p:ph type="ftr" sz="quarter" idx="11"/>
-          </p:nvPr>
-        </p:nvSpPr>
-        <p:spPr/>
-        <p:txBody>
-          <a:bodyPr/>
-          <a:lstStyle/>
-          <a:p>
-            <a:r>
-              <a:rPr lang="en-US"/>
-              <a:t>
-              </a:t>
-            </a:r>
-            <a:endParaRPr lang="en-US" dirty="0"/>
-          </a:p>
-        </p:txBody>
-      </p:sp>
-      <p:sp>
-        <p:nvSpPr>
-          <p:cNvPr id="6" name="Espaço Reservado para Número de Slide 5">
-            <a:extLst>
-              <a:ext uri="{FF2B5EF4-FFF2-40B4-BE49-F238E27FC236}">
-                <a16:creationId xmlns:a16="http://schemas.microsoft.com/office/drawing/2014/main" id="{55CF30A9-9077-E1C3-B115-2A419DA9973E}"/>
-              </a:ext>
-            </a:extLst>
-          </p:cNvPr>
-          <p:cNvSpPr>
-            <a:spLocks noGrp="1"/>
-          </p:cNvSpPr>
-          <p:nvPr>
-            <p:ph type="sldNum" sz="quarter" idx="12"/>
-          </p:nvPr>
-        </p:nvSpPr>
-        <p:spPr/>
-        <p:txBody>
-          <a:bodyPr/>
-          <a:lstStyle/>
-          <a:p>
-            <a:fld id="{E30AF5A0-43BB-4336-8627-9123B9144D80}" type="slidenum">
-              <a:rPr lang="en-US" smtClean="0"/>
-              <a:t>14</a:t>
-            </a:fld>
-            <a:endParaRPr lang="en-US" dirty="0"/>
-          </a:p>
-        </p:txBody>
-      </p:sp>
-      <p:pic>
-        <p:nvPicPr>
-          <p:cNvPr id="15" name="Imagem 14">
-            <a:extLst>
-              <a:ext uri="{FF2B5EF4-FFF2-40B4-BE49-F238E27FC236}">
-                <a16:creationId xmlns:a16="http://schemas.microsoft.com/office/drawing/2014/main" id="{6A412369-67DD-9B1E-2547-D4C59F3129B6}"/>
-              </a:ext>
-            </a:extLst>
-          </p:cNvPr>
-          <p:cNvPicPr>
-            <a:picLocks noChangeAspect="1"/>
-          </p:cNvPicPr>
-          <p:nvPr/>
-        </p:nvPicPr>
-        <p:blipFill>
-          <a:blip r:embed="rId3"/>
-          <a:stretch>
-            <a:fillRect/>
-          </a:stretch>
-        </p:blipFill>
-        <p:spPr>
-          <a:xfrm>
-            <a:off x="700635" y="2393343"/>
-            <a:ext cx="2619741" cy="1743318"/>
-          </a:xfrm>
-          <a:prstGeom prst="rect">
-            <a:avLst/>
-          </a:prstGeom>
-        </p:spPr>
-      </p:pic>
-    </p:spTree>
-    <p:extLst>
-      <p:ext uri="{BB962C8B-B14F-4D97-AF65-F5344CB8AC3E}">
-        <p14:creationId xmlns:p14="http://schemas.microsoft.com/office/powerpoint/2010/main" val="1961177669"/>
-      </p:ext>
-    </p:extLst>
-  </p:cSld>
-  <p:clrMapOvr>
-    <a:masterClrMapping/>
-  </p:clrMapOvr>
-</p:sld>
-</file>
-
-<file path=ppt/slides/slide15.xml><?xml version="1.0" encoding="utf-8"?>
-<p:sld xmlns:a="http://schemas.openxmlformats.org/drawingml/2006/main" xmlns:r="http://schemas.openxmlformats.org/officeDocument/2006/relationships" xmlns:p="http://schemas.openxmlformats.org/presentationml/2006/main">
-  <p:cSld>
-    <p:spTree>
-      <p:nvGrpSpPr>
-        <p:cNvPr id="1" name=""/>
-        <p:cNvGrpSpPr/>
-        <p:nvPr/>
-      </p:nvGrpSpPr>
-      <p:grpSpPr>
-        <a:xfrm>
-          <a:off x="0" y="0"/>
-          <a:ext cx="0" cy="0"/>
-          <a:chOff x="0" y="0"/>
-          <a:chExt cx="0" cy="0"/>
-        </a:xfrm>
-      </p:grpSpPr>
-      <p:sp>
-        <p:nvSpPr>
-          <p:cNvPr id="2" name="Título 1">
-            <a:extLst>
-              <a:ext uri="{FF2B5EF4-FFF2-40B4-BE49-F238E27FC236}">
-                <a16:creationId xmlns:a16="http://schemas.microsoft.com/office/drawing/2014/main" id="{4E319447-D02E-7C4B-241A-4A96C7ABC44D}"/>
-              </a:ext>
-            </a:extLst>
-          </p:cNvPr>
-          <p:cNvSpPr>
-            <a:spLocks noGrp="1"/>
-          </p:cNvSpPr>
-          <p:nvPr>
-            <p:ph type="title"/>
-          </p:nvPr>
-        </p:nvSpPr>
-        <p:spPr/>
-        <p:txBody>
-          <a:bodyPr/>
-          <a:lstStyle/>
-          <a:p>
-            <a:r>
-              <a:rPr lang="en-US" dirty="0" err="1"/>
-              <a:t>Referências</a:t>
-            </a:r>
-            <a:r>
-              <a:rPr lang="en-US" dirty="0"/>
-              <a:t> </a:t>
-            </a:r>
-            <a:r>
-              <a:rPr lang="en-US" dirty="0" err="1"/>
-              <a:t>bibliográficas</a:t>
-            </a:r>
-            <a:endParaRPr lang="pt-BR" dirty="0"/>
-          </a:p>
-        </p:txBody>
-      </p:sp>
-      <p:sp>
-        <p:nvSpPr>
-          <p:cNvPr id="3" name="Espaço Reservado para Conteúdo 2">
-            <a:extLst>
-              <a:ext uri="{FF2B5EF4-FFF2-40B4-BE49-F238E27FC236}">
-                <a16:creationId xmlns:a16="http://schemas.microsoft.com/office/drawing/2014/main" id="{DF5ABD57-ADCB-25E7-5CDB-095C18654DD9}"/>
-              </a:ext>
-            </a:extLst>
-          </p:cNvPr>
-          <p:cNvSpPr>
-            <a:spLocks noGrp="1"/>
-          </p:cNvSpPr>
-          <p:nvPr>
-            <p:ph idx="1"/>
-          </p:nvPr>
-        </p:nvSpPr>
-        <p:spPr/>
-        <p:txBody>
-          <a:bodyPr>
-            <a:normAutofit/>
-          </a:bodyPr>
-          <a:lstStyle/>
-          <a:p>
-            <a:r>
-              <a:rPr lang="pt-BR" dirty="0"/>
-              <a:t>AULA, B. –. </a:t>
-            </a:r>
-            <a:r>
-              <a:rPr lang="pt-BR" b="1" dirty="0"/>
-              <a:t>Túlio </a:t>
-            </a:r>
-            <a:r>
-              <a:rPr lang="pt-BR" b="1" dirty="0" err="1"/>
-              <a:t>Toffolo</a:t>
-            </a:r>
-            <a:r>
-              <a:rPr lang="pt-BR" b="1" dirty="0"/>
-              <a:t> – www.toffolo.com.br Marco Antônio Carvalho – marco.opt@gmail.com</a:t>
-            </a:r>
-            <a:r>
-              <a:rPr lang="pt-BR" dirty="0"/>
-              <a:t>. Disponível em: &lt;http://www3.decom.ufop.br/</a:t>
-            </a:r>
-            <a:r>
-              <a:rPr lang="pt-BR" dirty="0" err="1"/>
-              <a:t>toffolo</a:t>
-            </a:r>
-            <a:r>
-              <a:rPr lang="pt-BR" dirty="0"/>
-              <a:t>/</a:t>
-            </a:r>
-            <a:r>
-              <a:rPr lang="pt-BR" dirty="0" err="1"/>
-              <a:t>site_media</a:t>
-            </a:r>
-            <a:r>
-              <a:rPr lang="pt-BR" dirty="0"/>
-              <a:t>/uploads/2011-1/bcc402/slides/10._backtracking.pdf&gt;. Acesso em: 8 maio. 2024.</a:t>
-            </a:r>
-          </a:p>
-          <a:p>
-            <a:r>
-              <a:rPr lang="pt-BR" b="1" dirty="0"/>
-              <a:t>O que é um algoritmo </a:t>
-            </a:r>
-            <a:r>
-              <a:rPr lang="pt-BR" b="1" dirty="0" err="1"/>
-              <a:t>Backtracking</a:t>
-            </a:r>
-            <a:r>
-              <a:rPr lang="pt-BR" b="1" dirty="0"/>
-              <a:t>? </a:t>
-            </a:r>
-            <a:r>
-              <a:rPr lang="pt-BR" dirty="0"/>
-              <a:t>Disponível em: &lt;https://pt.stackoverflow.com/</a:t>
-            </a:r>
-            <a:r>
-              <a:rPr lang="pt-BR" dirty="0" err="1"/>
-              <a:t>questions</a:t>
-            </a:r>
-            <a:r>
-              <a:rPr lang="pt-BR" dirty="0"/>
-              <a:t>/103184/</a:t>
-            </a:r>
-            <a:r>
-              <a:rPr lang="pt-BR" dirty="0" err="1"/>
-              <a:t>o-que</a:t>
-            </a:r>
-            <a:r>
-              <a:rPr lang="pt-BR" dirty="0"/>
-              <a:t>-%C3%A9-um-algoritmo-backtracking&gt;. Acesso em: 8 maio. </a:t>
-            </a:r>
-            <a:r>
-              <a:rPr lang="pt-BR"/>
-              <a:t>2024.</a:t>
-            </a:r>
-            <a:endParaRPr lang="pt-BR" dirty="0"/>
-          </a:p>
-          <a:p>
-            <a:r>
-              <a:rPr lang="pt-BR" dirty="0"/>
-              <a:t>WIKIPEDIA CONTRIBUTORS. </a:t>
-            </a:r>
-            <a:r>
-              <a:rPr lang="pt-BR" b="1" dirty="0"/>
-              <a:t>Sudoku</a:t>
-            </a:r>
-            <a:r>
-              <a:rPr lang="pt-BR" dirty="0"/>
-              <a:t>. Disponível em: &lt;https://en.wikipedia.org/w/</a:t>
-            </a:r>
-            <a:r>
-              <a:rPr lang="pt-BR" dirty="0" err="1"/>
-              <a:t>index.php?title</a:t>
-            </a:r>
-            <a:r>
-              <a:rPr lang="pt-BR" dirty="0"/>
-              <a:t>=</a:t>
-            </a:r>
-            <a:r>
-              <a:rPr lang="pt-BR" dirty="0" err="1"/>
-              <a:t>Sudoku&amp;oldid</a:t>
-            </a:r>
-            <a:r>
-              <a:rPr lang="pt-BR" dirty="0"/>
-              <a:t>=1222342494&gt;.</a:t>
-            </a:r>
-          </a:p>
-          <a:p>
-            <a:endParaRPr lang="pt-BR" dirty="0"/>
-          </a:p>
-          <a:p>
-            <a:endParaRPr lang="pt-BR" dirty="0"/>
-          </a:p>
-        </p:txBody>
-      </p:sp>
-      <p:sp>
-        <p:nvSpPr>
-          <p:cNvPr id="4" name="Espaço Reservado para Data 3">
-            <a:extLst>
-              <a:ext uri="{FF2B5EF4-FFF2-40B4-BE49-F238E27FC236}">
-                <a16:creationId xmlns:a16="http://schemas.microsoft.com/office/drawing/2014/main" id="{E575A558-438B-6388-C74A-CB3D2C97D3F8}"/>
-              </a:ext>
-            </a:extLst>
-          </p:cNvPr>
-          <p:cNvSpPr>
-            <a:spLocks noGrp="1"/>
-          </p:cNvSpPr>
-          <p:nvPr>
-            <p:ph type="dt" sz="half" idx="10"/>
-          </p:nvPr>
-        </p:nvSpPr>
-        <p:spPr/>
-        <p:txBody>
-          <a:bodyPr/>
-          <a:lstStyle/>
-          <a:p>
-            <a:fld id="{5C0E8BC3-A60E-4E31-8AE4-2BE08893AD21}" type="datetime1">
-              <a:rPr lang="en-US" smtClean="0"/>
-              <a:t>5/13/2024</a:t>
-            </a:fld>
-            <a:endParaRPr lang="en-US" dirty="0"/>
-          </a:p>
-        </p:txBody>
-      </p:sp>
-      <p:sp>
-        <p:nvSpPr>
-          <p:cNvPr id="5" name="Espaço Reservado para Rodapé 4">
-            <a:extLst>
-              <a:ext uri="{FF2B5EF4-FFF2-40B4-BE49-F238E27FC236}">
-                <a16:creationId xmlns:a16="http://schemas.microsoft.com/office/drawing/2014/main" id="{5792529F-47F6-73F8-4E0C-FA5B71473D22}"/>
-              </a:ext>
-            </a:extLst>
-          </p:cNvPr>
-          <p:cNvSpPr>
-            <a:spLocks noGrp="1"/>
-          </p:cNvSpPr>
-          <p:nvPr>
-            <p:ph type="ftr" sz="quarter" idx="11"/>
-          </p:nvPr>
-        </p:nvSpPr>
-        <p:spPr/>
-        <p:txBody>
-          <a:bodyPr/>
-          <a:lstStyle/>
-          <a:p>
-            <a:r>
-              <a:rPr lang="en-US"/>
-              <a:t>
-              </a:t>
-            </a:r>
-            <a:endParaRPr lang="en-US" dirty="0"/>
-          </a:p>
-        </p:txBody>
-      </p:sp>
-      <p:sp>
-        <p:nvSpPr>
-          <p:cNvPr id="6" name="Espaço Reservado para Número de Slide 5">
-            <a:extLst>
-              <a:ext uri="{FF2B5EF4-FFF2-40B4-BE49-F238E27FC236}">
-                <a16:creationId xmlns:a16="http://schemas.microsoft.com/office/drawing/2014/main" id="{6590052F-4EE3-8698-0A10-CB8C4E35A1E4}"/>
-              </a:ext>
-            </a:extLst>
-          </p:cNvPr>
-          <p:cNvSpPr>
-            <a:spLocks noGrp="1"/>
-          </p:cNvSpPr>
-          <p:nvPr>
-            <p:ph type="sldNum" sz="quarter" idx="12"/>
-          </p:nvPr>
-        </p:nvSpPr>
-        <p:spPr/>
-        <p:txBody>
-          <a:bodyPr/>
-          <a:lstStyle/>
-          <a:p>
-            <a:fld id="{E30AF5A0-43BB-4336-8627-9123B9144D80}" type="slidenum">
-              <a:rPr lang="en-US" smtClean="0"/>
-              <a:t>15</a:t>
-            </a:fld>
-            <a:endParaRPr lang="en-US" dirty="0"/>
-          </a:p>
-        </p:txBody>
-      </p:sp>
-    </p:spTree>
-    <p:extLst>
-      <p:ext uri="{BB962C8B-B14F-4D97-AF65-F5344CB8AC3E}">
-        <p14:creationId xmlns:p14="http://schemas.microsoft.com/office/powerpoint/2010/main" val="2097304172"/>
-      </p:ext>
-    </p:extLst>
-  </p:cSld>
-  <p:clrMapOvr>
-    <a:masterClrMapping/>
-  </p:clrMapOvr>
-</p:sld>
-</file>
-
-<file path=ppt/slides/slide16.xml><?xml version="1.0" encoding="utf-8"?>
-<p:sld xmlns:a="http://schemas.openxmlformats.org/drawingml/2006/main" xmlns:r="http://schemas.openxmlformats.org/officeDocument/2006/relationships" xmlns:p="http://schemas.openxmlformats.org/presentationml/2006/main">
-  <p:cSld>
-    <p:spTree>
-      <p:nvGrpSpPr>
-        <p:cNvPr id="1" name=""/>
-        <p:cNvGrpSpPr/>
-        <p:nvPr/>
-      </p:nvGrpSpPr>
-      <p:grpSpPr>
-        <a:xfrm>
-          <a:off x="0" y="0"/>
-          <a:ext cx="0" cy="0"/>
-          <a:chOff x="0" y="0"/>
-          <a:chExt cx="0" cy="0"/>
-        </a:xfrm>
-      </p:grpSpPr>
-      <p:sp>
-        <p:nvSpPr>
-          <p:cNvPr id="2" name="Título 1">
-            <a:extLst>
-              <a:ext uri="{FF2B5EF4-FFF2-40B4-BE49-F238E27FC236}">
-                <a16:creationId xmlns:a16="http://schemas.microsoft.com/office/drawing/2014/main" id="{B1F35A36-4B8A-CC21-A7B3-D24FC5357485}"/>
-              </a:ext>
-            </a:extLst>
-          </p:cNvPr>
-          <p:cNvSpPr>
-            <a:spLocks noGrp="1"/>
-          </p:cNvSpPr>
-          <p:nvPr>
-            <p:ph type="title"/>
-          </p:nvPr>
-        </p:nvSpPr>
-        <p:spPr>
-          <a:xfrm>
-            <a:off x="1371828" y="2217082"/>
-            <a:ext cx="9448343" cy="1820173"/>
-          </a:xfrm>
-        </p:spPr>
-        <p:txBody>
-          <a:bodyPr/>
-          <a:lstStyle/>
-          <a:p>
-            <a:pPr algn="ctr"/>
-            <a:r>
-              <a:rPr lang="en-US" sz="5400" dirty="0" err="1"/>
-              <a:t>Obrigado</a:t>
-            </a:r>
-            <a:endParaRPr lang="pt-BR" sz="5400" dirty="0"/>
-          </a:p>
-        </p:txBody>
-      </p:sp>
-      <p:sp>
-        <p:nvSpPr>
-          <p:cNvPr id="4" name="Espaço Reservado para Data 3">
-            <a:extLst>
-              <a:ext uri="{FF2B5EF4-FFF2-40B4-BE49-F238E27FC236}">
-                <a16:creationId xmlns:a16="http://schemas.microsoft.com/office/drawing/2014/main" id="{50137EE9-4887-8E0A-6349-CC3BFA083A91}"/>
-              </a:ext>
-            </a:extLst>
-          </p:cNvPr>
-          <p:cNvSpPr>
-            <a:spLocks noGrp="1"/>
-          </p:cNvSpPr>
-          <p:nvPr>
-            <p:ph type="dt" sz="half" idx="10"/>
-          </p:nvPr>
-        </p:nvSpPr>
-        <p:spPr/>
-        <p:txBody>
-          <a:bodyPr/>
-          <a:lstStyle/>
-          <a:p>
-            <a:fld id="{8ADC9E49-246E-484A-926C-3041536DB8F7}" type="datetime1">
-              <a:rPr lang="en-US" smtClean="0"/>
-              <a:t>5/13/2024</a:t>
-            </a:fld>
-            <a:endParaRPr lang="en-US" dirty="0"/>
-          </a:p>
-        </p:txBody>
-      </p:sp>
-      <p:sp>
-        <p:nvSpPr>
-          <p:cNvPr id="5" name="Espaço Reservado para Rodapé 4">
-            <a:extLst>
-              <a:ext uri="{FF2B5EF4-FFF2-40B4-BE49-F238E27FC236}">
-                <a16:creationId xmlns:a16="http://schemas.microsoft.com/office/drawing/2014/main" id="{F359168D-AE6A-4BA1-7FED-DC37B5B538AC}"/>
-              </a:ext>
-            </a:extLst>
-          </p:cNvPr>
-          <p:cNvSpPr>
-            <a:spLocks noGrp="1"/>
-          </p:cNvSpPr>
-          <p:nvPr>
-            <p:ph type="ftr" sz="quarter" idx="11"/>
-          </p:nvPr>
-        </p:nvSpPr>
-        <p:spPr/>
-        <p:txBody>
-          <a:bodyPr/>
-          <a:lstStyle/>
-          <a:p>
-            <a:r>
-              <a:rPr lang="en-US"/>
-              <a:t>
-              </a:t>
-            </a:r>
-            <a:endParaRPr lang="en-US" dirty="0"/>
-          </a:p>
-        </p:txBody>
-      </p:sp>
-      <p:sp>
-        <p:nvSpPr>
-          <p:cNvPr id="6" name="Espaço Reservado para Número de Slide 5">
-            <a:extLst>
-              <a:ext uri="{FF2B5EF4-FFF2-40B4-BE49-F238E27FC236}">
-                <a16:creationId xmlns:a16="http://schemas.microsoft.com/office/drawing/2014/main" id="{4880F13E-F76E-22C7-A8C6-39DB72471046}"/>
-              </a:ext>
-            </a:extLst>
-          </p:cNvPr>
-          <p:cNvSpPr>
-            <a:spLocks noGrp="1"/>
-          </p:cNvSpPr>
-          <p:nvPr>
-            <p:ph type="sldNum" sz="quarter" idx="12"/>
-          </p:nvPr>
-        </p:nvSpPr>
-        <p:spPr/>
-        <p:txBody>
-          <a:bodyPr/>
-          <a:lstStyle/>
-          <a:p>
-            <a:fld id="{196A61CA-0502-4EE4-9724-96EA822543E5}" type="slidenum">
-              <a:rPr lang="en-US" smtClean="0"/>
-              <a:t>16</a:t>
-            </a:fld>
-            <a:endParaRPr lang="en-US" dirty="0"/>
-          </a:p>
-        </p:txBody>
-      </p:sp>
-    </p:spTree>
-    <p:extLst>
-      <p:ext uri="{BB962C8B-B14F-4D97-AF65-F5344CB8AC3E}">
-        <p14:creationId xmlns:p14="http://schemas.microsoft.com/office/powerpoint/2010/main" val="2210678312"/>
       </p:ext>
     </p:extLst>
   </p:cSld>
@@ -6983,49 +5695,38 @@
         </p:nvSpPr>
         <p:spPr/>
         <p:txBody>
-          <a:bodyPr/>
-          <a:lstStyle/>
-          <a:p>
-            <a:r>
-              <a:rPr lang="pt-BR" dirty="0"/>
-              <a:t>O Sudoku é um quebra-cabeça lógico com tabuleiro N por N, sendo a raiz quadrada de N um número inteiro, de modo que cada linha, coluna e </a:t>
-            </a:r>
-            <a:r>
-              <a:rPr lang="pt-BR" dirty="0" err="1"/>
-              <a:t>sub-grade</a:t>
-            </a:r>
-            <a:r>
-              <a:rPr lang="pt-BR" dirty="0"/>
-              <a:t> de tamanho da raiz quadrada de N que contenha todos os números de 1 a N sem repetição;</a:t>
-            </a:r>
-          </a:p>
-          <a:p>
-            <a:r>
-              <a:rPr lang="pt-BR" dirty="0"/>
-              <a:t>A técnica usa é o </a:t>
-            </a:r>
-            <a:r>
-              <a:rPr lang="pt-BR" i="1" dirty="0" err="1"/>
-              <a:t>Backtracking</a:t>
-            </a:r>
-            <a:r>
-              <a:rPr lang="pt-BR" dirty="0"/>
-              <a:t> (Busca Recursiva), que a partir do input do usuário, pinta uma célula vazia com o número 1 e verifica se ele não viola as regras. Se não violar, continua preenchendo as células subsequentes.;</a:t>
-            </a:r>
-          </a:p>
-          <a:p>
-            <a:r>
-              <a:rPr lang="pt-BR" dirty="0"/>
-              <a:t>Se chegar a uma célula onde não podemos preencher nenhum número válido, se é voltado atrás (</a:t>
-            </a:r>
-            <a:r>
-              <a:rPr lang="pt-BR" i="1" dirty="0" err="1"/>
-              <a:t>backtrack</a:t>
-            </a:r>
-            <a:r>
-              <a:rPr lang="pt-BR" dirty="0"/>
-              <a:t>) e tenta outro número na célula anterior. Esse processo continua até que todas as células estejam preenchidas corretamente.</a:t>
-            </a:r>
+          <a:bodyPr vert="horz" lIns="91440" tIns="45720" rIns="91440" bIns="45720" rtlCol="0" anchor="t">
+            <a:normAutofit/>
+          </a:bodyPr>
+          <a:lstStyle/>
+          <a:p>
+            <a:r>
+              <a:rPr lang="pt-BR" dirty="0">
+                <a:ea typeface="+mn-lt"/>
+                <a:cs typeface="+mn-lt"/>
+              </a:rPr>
+              <a:t>O passeio do cavalo é uma sequência de movimentos de um cavalo em um tabuleiro de xadrez, de modo que o cavalo visite cada casa exatamente uma vez;</a:t>
+            </a:r>
+            <a:endParaRPr lang="pt-BR" dirty="0"/>
+          </a:p>
+          <a:p>
+            <a:r>
+              <a:rPr lang="pt-BR" dirty="0" err="1">
+                <a:ea typeface="+mn-lt"/>
+                <a:cs typeface="+mn-lt"/>
+              </a:rPr>
+              <a:t>é</a:t>
+            </a:r>
+            <a:r>
+              <a:rPr lang="pt-BR" dirty="0">
+                <a:ea typeface="+mn-lt"/>
+                <a:cs typeface="+mn-lt"/>
+              </a:rPr>
+              <a:t> uma instância do problema mais geral do caminho hamiltoniano na teoria dos gráficos. O problema de encontrar uma volta de cavaleiro fechada é, da mesma forma, uma instância do problema do ciclo hamiltoniano;</a:t>
+            </a:r>
+          </a:p>
+          <a:p>
+            <a:endParaRPr lang="pt-BR" dirty="0"/>
           </a:p>
           <a:p>
             <a:endParaRPr lang="pt-BR" dirty="0"/>
@@ -7216,61 +5917,16 @@
         </p:nvSpPr>
         <p:spPr/>
         <p:txBody>
-          <a:bodyPr/>
+          <a:bodyPr vert="horz" lIns="91440" tIns="45720" rIns="91440" bIns="45720" rtlCol="0" anchor="t">
+            <a:normAutofit/>
+          </a:bodyPr>
           <a:lstStyle/>
           <a:p>
             <a:pPr algn="l" fontAlgn="base">
               <a:buFont typeface="Arial" panose="020B0604020202020204" pitchFamily="34" charset="0"/>
               <a:buChar char="•"/>
             </a:pPr>
-            <a:r>
-              <a:rPr lang="pt-BR" dirty="0"/>
-              <a:t>Forma bastante fácil de implementar um problema que de outra forma seria muito mais complexo de se resolver;</a:t>
-            </a:r>
-          </a:p>
-          <a:p>
-            <a:pPr algn="l" fontAlgn="base">
-              <a:buFont typeface="Arial" panose="020B0604020202020204" pitchFamily="34" charset="0"/>
-              <a:buChar char="•"/>
-            </a:pPr>
-            <a:r>
-              <a:rPr lang="pt-BR" dirty="0"/>
-              <a:t>É examinado todas as opções, garantindo que a solução final seja encontrada;</a:t>
-            </a:r>
-          </a:p>
-          <a:p>
-            <a:r>
-              <a:rPr lang="pt-BR" dirty="0"/>
-              <a:t>Se não por restrições (</a:t>
-            </a:r>
-            <a:r>
-              <a:rPr lang="pt-BR" dirty="0" err="1"/>
-              <a:t>constraints</a:t>
-            </a:r>
-            <a:r>
-              <a:rPr lang="pt-BR" dirty="0"/>
-              <a:t>) </a:t>
-            </a:r>
-            <a:r>
-              <a:rPr lang="pt-BR" dirty="0" err="1"/>
-              <a:t>executão</a:t>
-            </a:r>
-            <a:r>
-              <a:rPr lang="pt-BR" dirty="0"/>
-              <a:t> acontecerá uma busca exaustiva e tenderão à explosão combinatória; </a:t>
-            </a:r>
-          </a:p>
-          <a:p>
-            <a:r>
-              <a:rPr lang="pt-BR" dirty="0"/>
-              <a:t>Necessitam de muita memória no Stack;</a:t>
-            </a:r>
-          </a:p>
-          <a:p>
-            <a:r>
-              <a:rPr lang="pt-BR" dirty="0"/>
-              <a:t>A ordem em que os candidatos são explorados afeta o desempenho. Uma escolha inadequada de ordem pode levar a um tempo de execução mais longo.</a:t>
-            </a:r>
+            <a:endParaRPr lang="pt-BR" dirty="0"/>
           </a:p>
         </p:txBody>
       </p:sp>
@@ -7394,10 +6050,10 @@
       </p:grpSpPr>
       <p:sp>
         <p:nvSpPr>
-          <p:cNvPr id="2" name="Título 1">
-            <a:extLst>
-              <a:ext uri="{FF2B5EF4-FFF2-40B4-BE49-F238E27FC236}">
-                <a16:creationId xmlns:a16="http://schemas.microsoft.com/office/drawing/2014/main" id="{714336CA-46CB-E909-FCA2-DB7B50170DF0}"/>
+          <p:cNvPr id="2" name="Title 1">
+            <a:extLst>
+              <a:ext uri="{FF2B5EF4-FFF2-40B4-BE49-F238E27FC236}">
+                <a16:creationId xmlns:a16="http://schemas.microsoft.com/office/drawing/2014/main" id="{C97A6806-306D-5DE8-D246-239AA4809B3A}"/>
               </a:ext>
             </a:extLst>
           </p:cNvPr>
@@ -7413,49 +6069,41 @@
           <a:bodyPr/>
           <a:lstStyle/>
           <a:p>
-            <a:r>
-              <a:rPr lang="en-US" dirty="0"/>
-              <a:t>PRINCIPAL</a:t>
-            </a:r>
-            <a:endParaRPr lang="pt-BR" dirty="0"/>
-          </a:p>
-        </p:txBody>
-      </p:sp>
-      <p:pic>
-        <p:nvPicPr>
-          <p:cNvPr id="8" name="Espaço Reservado para Conteúdo 7">
-            <a:extLst>
-              <a:ext uri="{FF2B5EF4-FFF2-40B4-BE49-F238E27FC236}">
-                <a16:creationId xmlns:a16="http://schemas.microsoft.com/office/drawing/2014/main" id="{00F452FC-2464-3821-2B96-E293938164EB}"/>
-              </a:ext>
-            </a:extLst>
-          </p:cNvPr>
-          <p:cNvPicPr>
-            <a:picLocks noGrp="1" noChangeAspect="1"/>
-          </p:cNvPicPr>
+            <a:endParaRPr lang="en-US"/>
+          </a:p>
+        </p:txBody>
+      </p:sp>
+      <p:sp>
+        <p:nvSpPr>
+          <p:cNvPr id="3" name="Content Placeholder 2">
+            <a:extLst>
+              <a:ext uri="{FF2B5EF4-FFF2-40B4-BE49-F238E27FC236}">
+                <a16:creationId xmlns:a16="http://schemas.microsoft.com/office/drawing/2014/main" id="{662D8E06-1103-5E8B-88E0-2CC1191423C4}"/>
+              </a:ext>
+            </a:extLst>
+          </p:cNvPr>
+          <p:cNvSpPr>
+            <a:spLocks noGrp="1"/>
+          </p:cNvSpPr>
           <p:nvPr>
             <p:ph idx="1"/>
           </p:nvPr>
-        </p:nvPicPr>
-        <p:blipFill>
-          <a:blip r:embed="rId2"/>
-          <a:stretch>
-            <a:fillRect/>
-          </a:stretch>
-        </p:blipFill>
-        <p:spPr>
-          <a:xfrm>
-            <a:off x="3133979" y="1126230"/>
-            <a:ext cx="5924042" cy="4893085"/>
-          </a:xfrm>
-        </p:spPr>
-      </p:pic>
-      <p:sp>
-        <p:nvSpPr>
-          <p:cNvPr id="4" name="Espaço Reservado para Data 3">
-            <a:extLst>
-              <a:ext uri="{FF2B5EF4-FFF2-40B4-BE49-F238E27FC236}">
-                <a16:creationId xmlns:a16="http://schemas.microsoft.com/office/drawing/2014/main" id="{BDC38012-20EA-F590-0716-D92A4F1E52D1}"/>
+        </p:nvSpPr>
+        <p:spPr/>
+        <p:txBody>
+          <a:bodyPr/>
+          <a:lstStyle/>
+          <a:p>
+            <a:endParaRPr lang="en-US"/>
+          </a:p>
+        </p:txBody>
+      </p:sp>
+      <p:sp>
+        <p:nvSpPr>
+          <p:cNvPr id="4" name="Date Placeholder 3">
+            <a:extLst>
+              <a:ext uri="{FF2B5EF4-FFF2-40B4-BE49-F238E27FC236}">
+                <a16:creationId xmlns:a16="http://schemas.microsoft.com/office/drawing/2014/main" id="{EC249B81-C847-2969-D44C-7D08B169C2F4}"/>
               </a:ext>
             </a:extLst>
           </p:cNvPr>
@@ -7471,8 +6119,7 @@
           <a:bodyPr/>
           <a:lstStyle/>
           <a:p>
-            <a:fld id="{33E77BEC-1D54-41B7-9FA4-F1B382CF0549}" type="datetime1">
-              <a:rPr lang="en-US" smtClean="0"/>
+            <a:fld id="{1FC7AE70-B4B8-4F95-A819-01E7A97C1F3C}" type="datetime1">
               <a:t>5/13/2024</a:t>
             </a:fld>
             <a:endParaRPr lang="en-US" dirty="0"/>
@@ -7481,10 +6128,10 @@
       </p:sp>
       <p:sp>
         <p:nvSpPr>
-          <p:cNvPr id="5" name="Espaço Reservado para Rodapé 4">
-            <a:extLst>
-              <a:ext uri="{FF2B5EF4-FFF2-40B4-BE49-F238E27FC236}">
-                <a16:creationId xmlns:a16="http://schemas.microsoft.com/office/drawing/2014/main" id="{259A0D6A-365A-87AD-B545-6B2165F56DB3}"/>
+          <p:cNvPr id="5" name="Footer Placeholder 4">
+            <a:extLst>
+              <a:ext uri="{FF2B5EF4-FFF2-40B4-BE49-F238E27FC236}">
+                <a16:creationId xmlns:a16="http://schemas.microsoft.com/office/drawing/2014/main" id="{B04CFF83-CA02-9F22-4CBF-D20905127DC9}"/>
               </a:ext>
             </a:extLst>
           </p:cNvPr>
@@ -7501,20 +6148,19 @@
           <a:lstStyle/>
           <a:p>
             <a:r>
-              <a:rPr lang="en-US"/>
+              <a:rPr lang="en-US" dirty="0"/>
               <a:t>
               </a:t>
             </a:r>
-            <a:endParaRPr lang="en-US" dirty="0"/>
-          </a:p>
-        </p:txBody>
-      </p:sp>
-      <p:sp>
-        <p:nvSpPr>
-          <p:cNvPr id="6" name="Espaço Reservado para Número de Slide 5">
-            <a:extLst>
-              <a:ext uri="{FF2B5EF4-FFF2-40B4-BE49-F238E27FC236}">
-                <a16:creationId xmlns:a16="http://schemas.microsoft.com/office/drawing/2014/main" id="{3F283DCA-B281-F185-2AF0-1153408B2159}"/>
+          </a:p>
+        </p:txBody>
+      </p:sp>
+      <p:sp>
+        <p:nvSpPr>
+          <p:cNvPr id="6" name="Slide Number Placeholder 5">
+            <a:extLst>
+              <a:ext uri="{FF2B5EF4-FFF2-40B4-BE49-F238E27FC236}">
+                <a16:creationId xmlns:a16="http://schemas.microsoft.com/office/drawing/2014/main" id="{9831A95B-48A2-16FC-98E0-779D34F17AF7}"/>
               </a:ext>
             </a:extLst>
           </p:cNvPr>
@@ -7531,7 +6177,7 @@
           <a:lstStyle/>
           <a:p>
             <a:fld id="{E30AF5A0-43BB-4336-8627-9123B9144D80}" type="slidenum">
-              <a:rPr lang="en-US" smtClean="0"/>
+              <a:rPr lang="en-US" dirty="0"/>
               <a:t>4</a:t>
             </a:fld>
             <a:endParaRPr lang="en-US" dirty="0"/>
@@ -7541,7 +6187,7 @@
     </p:spTree>
     <p:extLst>
       <p:ext uri="{BB962C8B-B14F-4D97-AF65-F5344CB8AC3E}">
-        <p14:creationId xmlns:p14="http://schemas.microsoft.com/office/powerpoint/2010/main" val="2804307500"/>
+        <p14:creationId xmlns:p14="http://schemas.microsoft.com/office/powerpoint/2010/main" val="4042955426"/>
       </p:ext>
     </p:extLst>
   </p:cSld>
@@ -7573,7 +6219,7 @@
           <p:cNvPr id="2" name="Título 1">
             <a:extLst>
               <a:ext uri="{FF2B5EF4-FFF2-40B4-BE49-F238E27FC236}">
-                <a16:creationId xmlns:a16="http://schemas.microsoft.com/office/drawing/2014/main" id="{30C56C44-CE58-41CD-29E4-49176BAA2E4E}"/>
+                <a16:creationId xmlns:a16="http://schemas.microsoft.com/office/drawing/2014/main" id="{4E319447-D02E-7C4B-241A-4A96C7ABC44D}"/>
               </a:ext>
             </a:extLst>
           </p:cNvPr>
@@ -7591,47 +6237,217 @@
           <a:p>
             <a:r>
               <a:rPr lang="en-US" dirty="0" err="1"/>
-              <a:t>pRINCIPAL</a:t>
+              <a:t>Referências</a:t>
+            </a:r>
+            <a:r>
+              <a:rPr lang="en-US" dirty="0"/>
+              <a:t> </a:t>
+            </a:r>
+            <a:r>
+              <a:rPr lang="en-US" dirty="0" err="1"/>
+              <a:t>bibliográficas</a:t>
             </a:r>
             <a:endParaRPr lang="pt-BR" dirty="0"/>
           </a:p>
         </p:txBody>
       </p:sp>
-      <p:pic>
-        <p:nvPicPr>
-          <p:cNvPr id="8" name="Espaço Reservado para Conteúdo 7">
-            <a:extLst>
-              <a:ext uri="{FF2B5EF4-FFF2-40B4-BE49-F238E27FC236}">
-                <a16:creationId xmlns:a16="http://schemas.microsoft.com/office/drawing/2014/main" id="{9144A76C-7831-775B-9992-B2783F29472A}"/>
-              </a:ext>
-            </a:extLst>
-          </p:cNvPr>
-          <p:cNvPicPr>
-            <a:picLocks noGrp="1" noChangeAspect="1"/>
-          </p:cNvPicPr>
+      <p:sp>
+        <p:nvSpPr>
+          <p:cNvPr id="3" name="Espaço Reservado para Conteúdo 2">
+            <a:extLst>
+              <a:ext uri="{FF2B5EF4-FFF2-40B4-BE49-F238E27FC236}">
+                <a16:creationId xmlns:a16="http://schemas.microsoft.com/office/drawing/2014/main" id="{DF5ABD57-ADCB-25E7-5CDB-095C18654DD9}"/>
+              </a:ext>
+            </a:extLst>
+          </p:cNvPr>
+          <p:cNvSpPr>
+            <a:spLocks noGrp="1"/>
+          </p:cNvSpPr>
           <p:nvPr>
             <p:ph idx="1"/>
           </p:nvPr>
-        </p:nvPicPr>
-        <p:blipFill>
-          <a:blip r:embed="rId2"/>
-          <a:stretch>
-            <a:fillRect/>
-          </a:stretch>
-        </p:blipFill>
-        <p:spPr>
-          <a:xfrm>
-            <a:off x="1852004" y="1589768"/>
-            <a:ext cx="6806212" cy="4346136"/>
-          </a:xfrm>
-        </p:spPr>
-      </p:pic>
+        </p:nvSpPr>
+        <p:spPr/>
+        <p:txBody>
+          <a:bodyPr vert="horz" lIns="91440" tIns="45720" rIns="91440" bIns="45720" rtlCol="0" anchor="t">
+            <a:normAutofit/>
+          </a:bodyPr>
+          <a:lstStyle/>
+          <a:p>
+            <a:r>
+              <a:rPr lang="pt-BR" dirty="0">
+                <a:ea typeface="+mn-lt"/>
+                <a:cs typeface="+mn-lt"/>
+              </a:rPr>
+              <a:t>WIKIPEDIA CONTRIBUTORS. </a:t>
+            </a:r>
+            <a:r>
+              <a:rPr lang="pt-BR" b="1" err="1">
+                <a:ea typeface="+mn-lt"/>
+                <a:cs typeface="+mn-lt"/>
+              </a:rPr>
+              <a:t>Knight’s</a:t>
+            </a:r>
+            <a:r>
+              <a:rPr lang="pt-BR" b="1" dirty="0">
+                <a:ea typeface="+mn-lt"/>
+                <a:cs typeface="+mn-lt"/>
+              </a:rPr>
+              <a:t> tour</a:t>
+            </a:r>
+            <a:r>
+              <a:rPr lang="pt-BR" dirty="0">
+                <a:ea typeface="+mn-lt"/>
+                <a:cs typeface="+mn-lt"/>
+              </a:rPr>
+              <a:t>. Disponível em: &lt;https://en.wikipedia.org/w/</a:t>
+            </a:r>
+            <a:r>
+              <a:rPr lang="pt-BR" err="1">
+                <a:ea typeface="+mn-lt"/>
+                <a:cs typeface="+mn-lt"/>
+              </a:rPr>
+              <a:t>index.php?title</a:t>
+            </a:r>
+            <a:r>
+              <a:rPr lang="pt-BR" dirty="0">
+                <a:ea typeface="+mn-lt"/>
+                <a:cs typeface="+mn-lt"/>
+              </a:rPr>
+              <a:t>=Knight%27s_tour&amp;oldid=1220995933&gt;.</a:t>
+            </a:r>
+            <a:endParaRPr lang="en-US" dirty="0">
+              <a:ea typeface="+mn-lt"/>
+              <a:cs typeface="+mn-lt"/>
+            </a:endParaRPr>
+          </a:p>
+          <a:p>
+            <a:r>
+              <a:rPr lang="pt-BR" dirty="0">
+                <a:ea typeface="+mn-lt"/>
+                <a:cs typeface="+mn-lt"/>
+              </a:rPr>
+              <a:t>PARBERRY, I. </a:t>
+            </a:r>
+            <a:r>
+              <a:rPr lang="pt-BR" b="1" dirty="0" err="1">
+                <a:ea typeface="+mn-lt"/>
+                <a:cs typeface="+mn-lt"/>
+              </a:rPr>
+              <a:t>An</a:t>
+            </a:r>
+            <a:r>
+              <a:rPr lang="pt-BR" b="1" dirty="0">
+                <a:ea typeface="+mn-lt"/>
+                <a:cs typeface="+mn-lt"/>
+              </a:rPr>
+              <a:t> </a:t>
+            </a:r>
+            <a:r>
+              <a:rPr lang="pt-BR" b="1" dirty="0" err="1">
+                <a:ea typeface="+mn-lt"/>
+                <a:cs typeface="+mn-lt"/>
+              </a:rPr>
+              <a:t>efficient</a:t>
+            </a:r>
+            <a:r>
+              <a:rPr lang="pt-BR" b="1" dirty="0">
+                <a:ea typeface="+mn-lt"/>
+                <a:cs typeface="+mn-lt"/>
+              </a:rPr>
+              <a:t> </a:t>
+            </a:r>
+            <a:r>
+              <a:rPr lang="pt-BR" b="1" dirty="0" err="1">
+                <a:ea typeface="+mn-lt"/>
+                <a:cs typeface="+mn-lt"/>
+              </a:rPr>
+              <a:t>algorithm</a:t>
+            </a:r>
+            <a:r>
+              <a:rPr lang="pt-BR" b="1" dirty="0">
+                <a:ea typeface="+mn-lt"/>
+                <a:cs typeface="+mn-lt"/>
+              </a:rPr>
+              <a:t> for </a:t>
+            </a:r>
+            <a:r>
+              <a:rPr lang="pt-BR" b="1" dirty="0" err="1">
+                <a:ea typeface="+mn-lt"/>
+                <a:cs typeface="+mn-lt"/>
+              </a:rPr>
+              <a:t>the</a:t>
+            </a:r>
+            <a:r>
+              <a:rPr lang="pt-BR" b="1" dirty="0">
+                <a:ea typeface="+mn-lt"/>
+                <a:cs typeface="+mn-lt"/>
+              </a:rPr>
+              <a:t> </a:t>
+            </a:r>
+            <a:r>
+              <a:rPr lang="pt-BR" b="1" dirty="0" err="1">
+                <a:ea typeface="+mn-lt"/>
+                <a:cs typeface="+mn-lt"/>
+              </a:rPr>
+              <a:t>Knight’s</a:t>
+            </a:r>
+            <a:r>
+              <a:rPr lang="pt-BR" b="1" dirty="0">
+                <a:ea typeface="+mn-lt"/>
+                <a:cs typeface="+mn-lt"/>
+              </a:rPr>
+              <a:t> tour problem</a:t>
+            </a:r>
+            <a:r>
+              <a:rPr lang="pt-BR" dirty="0">
+                <a:ea typeface="+mn-lt"/>
+                <a:cs typeface="+mn-lt"/>
+              </a:rPr>
+              <a:t>. Disponível em: &lt;https://core.ac.uk/download/</a:t>
+            </a:r>
+            <a:r>
+              <a:rPr lang="pt-BR" dirty="0" err="1">
+                <a:ea typeface="+mn-lt"/>
+                <a:cs typeface="+mn-lt"/>
+              </a:rPr>
+              <a:t>pdf</a:t>
+            </a:r>
+            <a:r>
+              <a:rPr lang="pt-BR" dirty="0">
+                <a:ea typeface="+mn-lt"/>
+                <a:cs typeface="+mn-lt"/>
+              </a:rPr>
+              <a:t>/81964499.pdf&gt;. Acesso em: 14 maio. 2024.</a:t>
+            </a:r>
+            <a:endParaRPr lang="pt-BR" dirty="0"/>
+          </a:p>
+          <a:p>
+            <a:endParaRPr lang="pt-BR"/>
+          </a:p>
+          <a:p>
+            <a:endParaRPr lang="pt-BR" dirty="0"/>
+          </a:p>
+          <a:p>
+            <a:endParaRPr lang="pt-BR" dirty="0"/>
+          </a:p>
+          <a:p>
+            <a:endParaRPr lang="pt-BR" dirty="0"/>
+          </a:p>
+          <a:p>
+            <a:endParaRPr lang="pt-BR" dirty="0"/>
+          </a:p>
+          <a:p>
+            <a:endParaRPr lang="pt-BR" dirty="0"/>
+          </a:p>
+        </p:txBody>
+      </p:sp>
       <p:sp>
         <p:nvSpPr>
           <p:cNvPr id="4" name="Espaço Reservado para Data 3">
             <a:extLst>
               <a:ext uri="{FF2B5EF4-FFF2-40B4-BE49-F238E27FC236}">
-                <a16:creationId xmlns:a16="http://schemas.microsoft.com/office/drawing/2014/main" id="{6B9D5B44-50BA-7A8E-FE92-46CD6A257CDE}"/>
+                <a16:creationId xmlns:a16="http://schemas.microsoft.com/office/drawing/2014/main" id="{E575A558-438B-6388-C74A-CB3D2C97D3F8}"/>
               </a:ext>
             </a:extLst>
           </p:cNvPr>
@@ -7647,7 +6463,7 @@
           <a:bodyPr/>
           <a:lstStyle/>
           <a:p>
-            <a:fld id="{667C705A-C0FD-4DBB-A08B-0ABAC21AD1B9}" type="datetime1">
+            <a:fld id="{5C0E8BC3-A60E-4E31-8AE4-2BE08893AD21}" type="datetime1">
               <a:rPr lang="en-US" smtClean="0"/>
               <a:t>5/13/2024</a:t>
             </a:fld>
@@ -7660,7 +6476,7 @@
           <p:cNvPr id="5" name="Espaço Reservado para Rodapé 4">
             <a:extLst>
               <a:ext uri="{FF2B5EF4-FFF2-40B4-BE49-F238E27FC236}">
-                <a16:creationId xmlns:a16="http://schemas.microsoft.com/office/drawing/2014/main" id="{E32AE09A-BB25-9967-61E8-F68F2D68FC4E}"/>
+                <a16:creationId xmlns:a16="http://schemas.microsoft.com/office/drawing/2014/main" id="{5792529F-47F6-73F8-4E0C-FA5B71473D22}"/>
               </a:ext>
             </a:extLst>
           </p:cNvPr>
@@ -7690,7 +6506,7 @@
           <p:cNvPr id="6" name="Espaço Reservado para Número de Slide 5">
             <a:extLst>
               <a:ext uri="{FF2B5EF4-FFF2-40B4-BE49-F238E27FC236}">
-                <a16:creationId xmlns:a16="http://schemas.microsoft.com/office/drawing/2014/main" id="{7FEB571C-08E1-C3F7-6CDE-52EFB0BA151B}"/>
+                <a16:creationId xmlns:a16="http://schemas.microsoft.com/office/drawing/2014/main" id="{6590052F-4EE3-8698-0A10-CB8C4E35A1E4}"/>
               </a:ext>
             </a:extLst>
           </p:cNvPr>
@@ -7717,7 +6533,7 @@
     </p:spTree>
     <p:extLst>
       <p:ext uri="{BB962C8B-B14F-4D97-AF65-F5344CB8AC3E}">
-        <p14:creationId xmlns:p14="http://schemas.microsoft.com/office/powerpoint/2010/main" val="3546819228"/>
+        <p14:creationId xmlns:p14="http://schemas.microsoft.com/office/powerpoint/2010/main" val="2097304172"/>
       </p:ext>
     </p:extLst>
   </p:cSld>
@@ -7749,7 +6565,7 @@
           <p:cNvPr id="2" name="Título 1">
             <a:extLst>
               <a:ext uri="{FF2B5EF4-FFF2-40B4-BE49-F238E27FC236}">
-                <a16:creationId xmlns:a16="http://schemas.microsoft.com/office/drawing/2014/main" id="{017149C2-F1C9-B662-3A74-0B3F0A9B813C}"/>
+                <a16:creationId xmlns:a16="http://schemas.microsoft.com/office/drawing/2014/main" id="{B1F35A36-4B8A-CC21-A7B3-D24FC5357485}"/>
               </a:ext>
             </a:extLst>
           </p:cNvPr>
@@ -7760,78 +6576,31 @@
             <p:ph type="title"/>
           </p:nvPr>
         </p:nvSpPr>
-        <p:spPr/>
-        <p:txBody>
-          <a:bodyPr/>
-          <a:lstStyle/>
-          <a:p>
-            <a:r>
-              <a:rPr lang="en-US" dirty="0" err="1"/>
-              <a:t>Gerar</a:t>
-            </a:r>
-            <a:r>
-              <a:rPr lang="en-US" dirty="0"/>
-              <a:t> </a:t>
-            </a:r>
-            <a:r>
-              <a:rPr lang="en-US" dirty="0" err="1"/>
-              <a:t>jogo</a:t>
-            </a:r>
-            <a:r>
-              <a:rPr lang="en-US" dirty="0"/>
-              <a:t> sudoku </a:t>
-            </a:r>
-            <a:r>
-              <a:rPr lang="en-US" dirty="0" err="1"/>
-              <a:t>parcialmente</a:t>
-            </a:r>
-            <a:r>
-              <a:rPr lang="en-US" dirty="0"/>
-              <a:t> </a:t>
-            </a:r>
-            <a:r>
-              <a:rPr lang="en-US" dirty="0" err="1"/>
-              <a:t>completo</a:t>
-            </a:r>
-            <a:endParaRPr lang="pt-BR" dirty="0"/>
-          </a:p>
-        </p:txBody>
-      </p:sp>
-      <p:pic>
-        <p:nvPicPr>
-          <p:cNvPr id="8" name="Espaço Reservado para Conteúdo 7">
-            <a:extLst>
-              <a:ext uri="{FF2B5EF4-FFF2-40B4-BE49-F238E27FC236}">
-                <a16:creationId xmlns:a16="http://schemas.microsoft.com/office/drawing/2014/main" id="{7C901518-C422-89C1-6369-69ED99F70AF8}"/>
-              </a:ext>
-            </a:extLst>
-          </p:cNvPr>
-          <p:cNvPicPr>
-            <a:picLocks noGrp="1" noChangeAspect="1"/>
-          </p:cNvPicPr>
-          <p:nvPr>
-            <p:ph idx="1"/>
-          </p:nvPr>
-        </p:nvPicPr>
-        <p:blipFill>
-          <a:blip r:embed="rId2"/>
-          <a:stretch>
-            <a:fillRect/>
-          </a:stretch>
-        </p:blipFill>
         <p:spPr>
           <a:xfrm>
-            <a:off x="3029339" y="2292350"/>
-            <a:ext cx="6033310" cy="3636963"/>
+            <a:off x="1371828" y="2217082"/>
+            <a:ext cx="9448343" cy="1820173"/>
           </a:xfrm>
         </p:spPr>
-      </p:pic>
+        <p:txBody>
+          <a:bodyPr/>
+          <a:lstStyle/>
+          <a:p>
+            <a:pPr algn="ctr"/>
+            <a:r>
+              <a:rPr lang="en-US" sz="5400" dirty="0" err="1"/>
+              <a:t>Obrigado</a:t>
+            </a:r>
+            <a:endParaRPr lang="pt-BR" sz="5400" dirty="0"/>
+          </a:p>
+        </p:txBody>
+      </p:sp>
       <p:sp>
         <p:nvSpPr>
           <p:cNvPr id="4" name="Espaço Reservado para Data 3">
             <a:extLst>
               <a:ext uri="{FF2B5EF4-FFF2-40B4-BE49-F238E27FC236}">
-                <a16:creationId xmlns:a16="http://schemas.microsoft.com/office/drawing/2014/main" id="{2970FD21-8104-B811-194F-022F35A2EEFD}"/>
+                <a16:creationId xmlns:a16="http://schemas.microsoft.com/office/drawing/2014/main" id="{50137EE9-4887-8E0A-6349-CC3BFA083A91}"/>
               </a:ext>
             </a:extLst>
           </p:cNvPr>
@@ -7847,7 +6616,7 @@
           <a:bodyPr/>
           <a:lstStyle/>
           <a:p>
-            <a:fld id="{16EA947A-AFE5-4751-8EB6-6ADAB3367E02}" type="datetime1">
+            <a:fld id="{8ADC9E49-246E-484A-926C-3041536DB8F7}" type="datetime1">
               <a:rPr lang="en-US" smtClean="0"/>
               <a:t>5/13/2024</a:t>
             </a:fld>
@@ -7860,7 +6629,7 @@
           <p:cNvPr id="5" name="Espaço Reservado para Rodapé 4">
             <a:extLst>
               <a:ext uri="{FF2B5EF4-FFF2-40B4-BE49-F238E27FC236}">
-                <a16:creationId xmlns:a16="http://schemas.microsoft.com/office/drawing/2014/main" id="{F23A7914-9088-768E-6AF3-02191E0067F0}"/>
+                <a16:creationId xmlns:a16="http://schemas.microsoft.com/office/drawing/2014/main" id="{F359168D-AE6A-4BA1-7FED-DC37B5B538AC}"/>
               </a:ext>
             </a:extLst>
           </p:cNvPr>
@@ -7890,7 +6659,7 @@
           <p:cNvPr id="6" name="Espaço Reservado para Número de Slide 5">
             <a:extLst>
               <a:ext uri="{FF2B5EF4-FFF2-40B4-BE49-F238E27FC236}">
-                <a16:creationId xmlns:a16="http://schemas.microsoft.com/office/drawing/2014/main" id="{5127E54B-5185-90E8-3CCF-C9956A04787C}"/>
+                <a16:creationId xmlns:a16="http://schemas.microsoft.com/office/drawing/2014/main" id="{4880F13E-F76E-22C7-A8C6-39DB72471046}"/>
               </a:ext>
             </a:extLst>
           </p:cNvPr>
@@ -7906,7 +6675,7 @@
           <a:bodyPr/>
           <a:lstStyle/>
           <a:p>
-            <a:fld id="{E30AF5A0-43BB-4336-8627-9123B9144D80}" type="slidenum">
+            <a:fld id="{196A61CA-0502-4EE4-9724-96EA822543E5}" type="slidenum">
               <a:rPr lang="en-US" smtClean="0"/>
               <a:t>6</a:t>
             </a:fld>
@@ -7917,611 +6686,7 @@
     </p:spTree>
     <p:extLst>
       <p:ext uri="{BB962C8B-B14F-4D97-AF65-F5344CB8AC3E}">
-        <p14:creationId xmlns:p14="http://schemas.microsoft.com/office/powerpoint/2010/main" val="1498387516"/>
-      </p:ext>
-    </p:extLst>
-  </p:cSld>
-  <p:clrMapOvr>
-    <a:masterClrMapping/>
-  </p:clrMapOvr>
-</p:sld>
-</file>
-
-<file path=ppt/slides/slide7.xml><?xml version="1.0" encoding="utf-8"?>
-<p:sld xmlns:a="http://schemas.openxmlformats.org/drawingml/2006/main" xmlns:r="http://schemas.openxmlformats.org/officeDocument/2006/relationships" xmlns:p="http://schemas.openxmlformats.org/presentationml/2006/main">
-  <p:cSld>
-    <p:spTree>
-      <p:nvGrpSpPr>
-        <p:cNvPr id="1" name=""/>
-        <p:cNvGrpSpPr/>
-        <p:nvPr/>
-      </p:nvGrpSpPr>
-      <p:grpSpPr>
-        <a:xfrm>
-          <a:off x="0" y="0"/>
-          <a:ext cx="0" cy="0"/>
-          <a:chOff x="0" y="0"/>
-          <a:chExt cx="0" cy="0"/>
-        </a:xfrm>
-      </p:grpSpPr>
-      <p:sp>
-        <p:nvSpPr>
-          <p:cNvPr id="2" name="Título 1">
-            <a:extLst>
-              <a:ext uri="{FF2B5EF4-FFF2-40B4-BE49-F238E27FC236}">
-                <a16:creationId xmlns:a16="http://schemas.microsoft.com/office/drawing/2014/main" id="{06A686DF-65D1-C31B-9C66-BF7F4C7748DA}"/>
-              </a:ext>
-            </a:extLst>
-          </p:cNvPr>
-          <p:cNvSpPr>
-            <a:spLocks noGrp="1"/>
-          </p:cNvSpPr>
-          <p:nvPr>
-            <p:ph type="title"/>
-          </p:nvPr>
-        </p:nvSpPr>
-        <p:spPr/>
-        <p:txBody>
-          <a:bodyPr/>
-          <a:lstStyle/>
-          <a:p>
-            <a:r>
-              <a:rPr lang="en-US" dirty="0" err="1"/>
-              <a:t>Gerar</a:t>
-            </a:r>
-            <a:r>
-              <a:rPr lang="en-US" dirty="0"/>
-              <a:t> </a:t>
-            </a:r>
-            <a:r>
-              <a:rPr lang="en-US" dirty="0" err="1"/>
-              <a:t>jogo</a:t>
-            </a:r>
-            <a:r>
-              <a:rPr lang="en-US" dirty="0"/>
-              <a:t> sudoku </a:t>
-            </a:r>
-            <a:r>
-              <a:rPr lang="en-US" dirty="0" err="1"/>
-              <a:t>parcialmente</a:t>
-            </a:r>
-            <a:r>
-              <a:rPr lang="en-US" dirty="0"/>
-              <a:t> </a:t>
-            </a:r>
-            <a:r>
-              <a:rPr lang="en-US" dirty="0" err="1"/>
-              <a:t>feito</a:t>
-            </a:r>
-            <a:endParaRPr lang="pt-BR" dirty="0"/>
-          </a:p>
-        </p:txBody>
-      </p:sp>
-      <p:pic>
-        <p:nvPicPr>
-          <p:cNvPr id="10" name="Espaço Reservado para Conteúdo 9">
-            <a:extLst>
-              <a:ext uri="{FF2B5EF4-FFF2-40B4-BE49-F238E27FC236}">
-                <a16:creationId xmlns:a16="http://schemas.microsoft.com/office/drawing/2014/main" id="{1977DA46-0F53-57B2-6472-D211005044D0}"/>
-              </a:ext>
-            </a:extLst>
-          </p:cNvPr>
-          <p:cNvPicPr>
-            <a:picLocks noGrp="1" noChangeAspect="1"/>
-          </p:cNvPicPr>
-          <p:nvPr>
-            <p:ph idx="1"/>
-          </p:nvPr>
-        </p:nvPicPr>
-        <p:blipFill>
-          <a:blip r:embed="rId2"/>
-          <a:stretch>
-            <a:fillRect/>
-          </a:stretch>
-        </p:blipFill>
-        <p:spPr>
-          <a:xfrm>
-            <a:off x="3587735" y="2292350"/>
-            <a:ext cx="4916518" cy="3636963"/>
-          </a:xfrm>
-        </p:spPr>
-      </p:pic>
-      <p:sp>
-        <p:nvSpPr>
-          <p:cNvPr id="4" name="Espaço Reservado para Data 3">
-            <a:extLst>
-              <a:ext uri="{FF2B5EF4-FFF2-40B4-BE49-F238E27FC236}">
-                <a16:creationId xmlns:a16="http://schemas.microsoft.com/office/drawing/2014/main" id="{BB0FFB5D-9645-F3FA-1FD5-784C585DFE37}"/>
-              </a:ext>
-            </a:extLst>
-          </p:cNvPr>
-          <p:cNvSpPr>
-            <a:spLocks noGrp="1"/>
-          </p:cNvSpPr>
-          <p:nvPr>
-            <p:ph type="dt" sz="half" idx="10"/>
-          </p:nvPr>
-        </p:nvSpPr>
-        <p:spPr/>
-        <p:txBody>
-          <a:bodyPr/>
-          <a:lstStyle/>
-          <a:p>
-            <a:fld id="{893FFDDA-7EEF-4A19-81FF-08E9A71601AB}" type="datetime1">
-              <a:rPr lang="en-US" smtClean="0"/>
-              <a:t>5/13/2024</a:t>
-            </a:fld>
-            <a:endParaRPr lang="en-US" dirty="0"/>
-          </a:p>
-        </p:txBody>
-      </p:sp>
-      <p:sp>
-        <p:nvSpPr>
-          <p:cNvPr id="5" name="Espaço Reservado para Rodapé 4">
-            <a:extLst>
-              <a:ext uri="{FF2B5EF4-FFF2-40B4-BE49-F238E27FC236}">
-                <a16:creationId xmlns:a16="http://schemas.microsoft.com/office/drawing/2014/main" id="{B99D05ED-3483-79A1-7FC4-F4CBF5A9F743}"/>
-              </a:ext>
-            </a:extLst>
-          </p:cNvPr>
-          <p:cNvSpPr>
-            <a:spLocks noGrp="1"/>
-          </p:cNvSpPr>
-          <p:nvPr>
-            <p:ph type="ftr" sz="quarter" idx="11"/>
-          </p:nvPr>
-        </p:nvSpPr>
-        <p:spPr/>
-        <p:txBody>
-          <a:bodyPr/>
-          <a:lstStyle/>
-          <a:p>
-            <a:r>
-              <a:rPr lang="en-US"/>
-              <a:t>
-              </a:t>
-            </a:r>
-            <a:endParaRPr lang="en-US" dirty="0"/>
-          </a:p>
-        </p:txBody>
-      </p:sp>
-      <p:sp>
-        <p:nvSpPr>
-          <p:cNvPr id="6" name="Espaço Reservado para Número de Slide 5">
-            <a:extLst>
-              <a:ext uri="{FF2B5EF4-FFF2-40B4-BE49-F238E27FC236}">
-                <a16:creationId xmlns:a16="http://schemas.microsoft.com/office/drawing/2014/main" id="{B1517D38-5E50-C8F6-3F3E-E8948FB1A944}"/>
-              </a:ext>
-            </a:extLst>
-          </p:cNvPr>
-          <p:cNvSpPr>
-            <a:spLocks noGrp="1"/>
-          </p:cNvSpPr>
-          <p:nvPr>
-            <p:ph type="sldNum" sz="quarter" idx="12"/>
-          </p:nvPr>
-        </p:nvSpPr>
-        <p:spPr/>
-        <p:txBody>
-          <a:bodyPr/>
-          <a:lstStyle/>
-          <a:p>
-            <a:fld id="{E30AF5A0-43BB-4336-8627-9123B9144D80}" type="slidenum">
-              <a:rPr lang="en-US" smtClean="0"/>
-              <a:t>7</a:t>
-            </a:fld>
-            <a:endParaRPr lang="en-US" dirty="0"/>
-          </a:p>
-        </p:txBody>
-      </p:sp>
-    </p:spTree>
-    <p:extLst>
-      <p:ext uri="{BB962C8B-B14F-4D97-AF65-F5344CB8AC3E}">
-        <p14:creationId xmlns:p14="http://schemas.microsoft.com/office/powerpoint/2010/main" val="1606520421"/>
-      </p:ext>
-    </p:extLst>
-  </p:cSld>
-  <p:clrMapOvr>
-    <a:masterClrMapping/>
-  </p:clrMapOvr>
-</p:sld>
-</file>
-
-<file path=ppt/slides/slide8.xml><?xml version="1.0" encoding="utf-8"?>
-<p:sld xmlns:a="http://schemas.openxmlformats.org/drawingml/2006/main" xmlns:r="http://schemas.openxmlformats.org/officeDocument/2006/relationships" xmlns:p="http://schemas.openxmlformats.org/presentationml/2006/main">
-  <p:cSld>
-    <p:spTree>
-      <p:nvGrpSpPr>
-        <p:cNvPr id="1" name=""/>
-        <p:cNvGrpSpPr/>
-        <p:nvPr/>
-      </p:nvGrpSpPr>
-      <p:grpSpPr>
-        <a:xfrm>
-          <a:off x="0" y="0"/>
-          <a:ext cx="0" cy="0"/>
-          <a:chOff x="0" y="0"/>
-          <a:chExt cx="0" cy="0"/>
-        </a:xfrm>
-      </p:grpSpPr>
-      <p:sp>
-        <p:nvSpPr>
-          <p:cNvPr id="2" name="Título 1">
-            <a:extLst>
-              <a:ext uri="{FF2B5EF4-FFF2-40B4-BE49-F238E27FC236}">
-                <a16:creationId xmlns:a16="http://schemas.microsoft.com/office/drawing/2014/main" id="{E2040403-79F0-823D-2409-D5E0B58B5402}"/>
-              </a:ext>
-            </a:extLst>
-          </p:cNvPr>
-          <p:cNvSpPr>
-            <a:spLocks noGrp="1"/>
-          </p:cNvSpPr>
-          <p:nvPr>
-            <p:ph type="title"/>
-          </p:nvPr>
-        </p:nvSpPr>
-        <p:spPr/>
-        <p:txBody>
-          <a:bodyPr/>
-          <a:lstStyle/>
-          <a:p>
-            <a:r>
-              <a:rPr lang="en-US" dirty="0"/>
-              <a:t>COLORINDO O GRAFO</a:t>
-            </a:r>
-            <a:endParaRPr lang="pt-BR" dirty="0"/>
-          </a:p>
-        </p:txBody>
-      </p:sp>
-      <p:pic>
-        <p:nvPicPr>
-          <p:cNvPr id="8" name="Espaço Reservado para Conteúdo 7">
-            <a:extLst>
-              <a:ext uri="{FF2B5EF4-FFF2-40B4-BE49-F238E27FC236}">
-                <a16:creationId xmlns:a16="http://schemas.microsoft.com/office/drawing/2014/main" id="{5EE782DC-34E0-2145-3B71-7A7901F7FC0E}"/>
-              </a:ext>
-            </a:extLst>
-          </p:cNvPr>
-          <p:cNvPicPr>
-            <a:picLocks noGrp="1" noChangeAspect="1"/>
-          </p:cNvPicPr>
-          <p:nvPr>
-            <p:ph idx="1"/>
-          </p:nvPr>
-        </p:nvPicPr>
-        <p:blipFill>
-          <a:blip r:embed="rId2"/>
-          <a:stretch>
-            <a:fillRect/>
-          </a:stretch>
-        </p:blipFill>
-        <p:spPr>
-          <a:xfrm>
-            <a:off x="2359162" y="1401822"/>
-            <a:ext cx="6010286" cy="4954528"/>
-          </a:xfrm>
-        </p:spPr>
-      </p:pic>
-      <p:sp>
-        <p:nvSpPr>
-          <p:cNvPr id="4" name="Espaço Reservado para Data 3">
-            <a:extLst>
-              <a:ext uri="{FF2B5EF4-FFF2-40B4-BE49-F238E27FC236}">
-                <a16:creationId xmlns:a16="http://schemas.microsoft.com/office/drawing/2014/main" id="{19FD61E1-2EC2-706B-DD07-923C49B262C0}"/>
-              </a:ext>
-            </a:extLst>
-          </p:cNvPr>
-          <p:cNvSpPr>
-            <a:spLocks noGrp="1"/>
-          </p:cNvSpPr>
-          <p:nvPr>
-            <p:ph type="dt" sz="half" idx="10"/>
-          </p:nvPr>
-        </p:nvSpPr>
-        <p:spPr/>
-        <p:txBody>
-          <a:bodyPr/>
-          <a:lstStyle/>
-          <a:p>
-            <a:fld id="{03FAB47E-E857-47C8-9885-0C648C707DBF}" type="datetime1">
-              <a:rPr lang="en-US" smtClean="0"/>
-              <a:t>5/13/2024</a:t>
-            </a:fld>
-            <a:endParaRPr lang="en-US" dirty="0"/>
-          </a:p>
-        </p:txBody>
-      </p:sp>
-      <p:sp>
-        <p:nvSpPr>
-          <p:cNvPr id="5" name="Espaço Reservado para Rodapé 4">
-            <a:extLst>
-              <a:ext uri="{FF2B5EF4-FFF2-40B4-BE49-F238E27FC236}">
-                <a16:creationId xmlns:a16="http://schemas.microsoft.com/office/drawing/2014/main" id="{176982DA-FC37-1F4B-29A6-82121031D3A1}"/>
-              </a:ext>
-            </a:extLst>
-          </p:cNvPr>
-          <p:cNvSpPr>
-            <a:spLocks noGrp="1"/>
-          </p:cNvSpPr>
-          <p:nvPr>
-            <p:ph type="ftr" sz="quarter" idx="11"/>
-          </p:nvPr>
-        </p:nvSpPr>
-        <p:spPr/>
-        <p:txBody>
-          <a:bodyPr/>
-          <a:lstStyle/>
-          <a:p>
-            <a:r>
-              <a:rPr lang="en-US"/>
-              <a:t>
-              </a:t>
-            </a:r>
-            <a:endParaRPr lang="en-US" dirty="0"/>
-          </a:p>
-        </p:txBody>
-      </p:sp>
-      <p:sp>
-        <p:nvSpPr>
-          <p:cNvPr id="6" name="Espaço Reservado para Número de Slide 5">
-            <a:extLst>
-              <a:ext uri="{FF2B5EF4-FFF2-40B4-BE49-F238E27FC236}">
-                <a16:creationId xmlns:a16="http://schemas.microsoft.com/office/drawing/2014/main" id="{7CABA8B8-DE71-8921-FCEE-49A28EA0C1BF}"/>
-              </a:ext>
-            </a:extLst>
-          </p:cNvPr>
-          <p:cNvSpPr>
-            <a:spLocks noGrp="1"/>
-          </p:cNvSpPr>
-          <p:nvPr>
-            <p:ph type="sldNum" sz="quarter" idx="12"/>
-          </p:nvPr>
-        </p:nvSpPr>
-        <p:spPr/>
-        <p:txBody>
-          <a:bodyPr/>
-          <a:lstStyle/>
-          <a:p>
-            <a:fld id="{E30AF5A0-43BB-4336-8627-9123B9144D80}" type="slidenum">
-              <a:rPr lang="en-US" smtClean="0"/>
-              <a:t>8</a:t>
-            </a:fld>
-            <a:endParaRPr lang="en-US" dirty="0"/>
-          </a:p>
-        </p:txBody>
-      </p:sp>
-    </p:spTree>
-    <p:extLst>
-      <p:ext uri="{BB962C8B-B14F-4D97-AF65-F5344CB8AC3E}">
-        <p14:creationId xmlns:p14="http://schemas.microsoft.com/office/powerpoint/2010/main" val="4074611433"/>
-      </p:ext>
-    </p:extLst>
-  </p:cSld>
-  <p:clrMapOvr>
-    <a:masterClrMapping/>
-  </p:clrMapOvr>
-</p:sld>
-</file>
-
-<file path=ppt/slides/slide9.xml><?xml version="1.0" encoding="utf-8"?>
-<p:sld xmlns:a="http://schemas.openxmlformats.org/drawingml/2006/main" xmlns:r="http://schemas.openxmlformats.org/officeDocument/2006/relationships" xmlns:p="http://schemas.openxmlformats.org/presentationml/2006/main">
-  <p:cSld>
-    <p:spTree>
-      <p:nvGrpSpPr>
-        <p:cNvPr id="1" name=""/>
-        <p:cNvGrpSpPr/>
-        <p:nvPr/>
-      </p:nvGrpSpPr>
-      <p:grpSpPr>
-        <a:xfrm>
-          <a:off x="0" y="0"/>
-          <a:ext cx="0" cy="0"/>
-          <a:chOff x="0" y="0"/>
-          <a:chExt cx="0" cy="0"/>
-        </a:xfrm>
-      </p:grpSpPr>
-      <p:sp>
-        <p:nvSpPr>
-          <p:cNvPr id="2" name="Título 1">
-            <a:extLst>
-              <a:ext uri="{FF2B5EF4-FFF2-40B4-BE49-F238E27FC236}">
-                <a16:creationId xmlns:a16="http://schemas.microsoft.com/office/drawing/2014/main" id="{B4FB27EB-9630-9CCA-54BD-82695DF6A1E3}"/>
-              </a:ext>
-            </a:extLst>
-          </p:cNvPr>
-          <p:cNvSpPr>
-            <a:spLocks noGrp="1"/>
-          </p:cNvSpPr>
-          <p:nvPr>
-            <p:ph type="title"/>
-          </p:nvPr>
-        </p:nvSpPr>
-        <p:spPr/>
-        <p:txBody>
-          <a:bodyPr/>
-          <a:lstStyle/>
-          <a:p>
-            <a:r>
-              <a:rPr lang="en-US" dirty="0" err="1"/>
-              <a:t>Encontrar</a:t>
-            </a:r>
-            <a:r>
-              <a:rPr lang="en-US" dirty="0"/>
-              <a:t> local </a:t>
-            </a:r>
-            <a:r>
-              <a:rPr lang="en-US" dirty="0" err="1"/>
-              <a:t>não</a:t>
-            </a:r>
-            <a:r>
-              <a:rPr lang="en-US" dirty="0"/>
-              <a:t> </a:t>
-            </a:r>
-            <a:r>
-              <a:rPr lang="en-US" dirty="0" err="1"/>
-              <a:t>colorido</a:t>
-            </a:r>
-            <a:endParaRPr lang="pt-BR" dirty="0"/>
-          </a:p>
-        </p:txBody>
-      </p:sp>
-      <p:sp>
-        <p:nvSpPr>
-          <p:cNvPr id="4" name="Espaço Reservado para Data 3">
-            <a:extLst>
-              <a:ext uri="{FF2B5EF4-FFF2-40B4-BE49-F238E27FC236}">
-                <a16:creationId xmlns:a16="http://schemas.microsoft.com/office/drawing/2014/main" id="{C96863F3-9666-B920-ED06-064D2D35DAC6}"/>
-              </a:ext>
-            </a:extLst>
-          </p:cNvPr>
-          <p:cNvSpPr>
-            <a:spLocks noGrp="1"/>
-          </p:cNvSpPr>
-          <p:nvPr>
-            <p:ph type="dt" sz="half" idx="10"/>
-          </p:nvPr>
-        </p:nvSpPr>
-        <p:spPr/>
-        <p:txBody>
-          <a:bodyPr/>
-          <a:lstStyle/>
-          <a:p>
-            <a:fld id="{F90133E3-916B-4903-A3F2-E565CDEFFD2A}" type="datetime1">
-              <a:rPr lang="en-US" smtClean="0"/>
-              <a:t>5/13/2024</a:t>
-            </a:fld>
-            <a:endParaRPr lang="en-US" dirty="0"/>
-          </a:p>
-        </p:txBody>
-      </p:sp>
-      <p:sp>
-        <p:nvSpPr>
-          <p:cNvPr id="5" name="Espaço Reservado para Rodapé 4">
-            <a:extLst>
-              <a:ext uri="{FF2B5EF4-FFF2-40B4-BE49-F238E27FC236}">
-                <a16:creationId xmlns:a16="http://schemas.microsoft.com/office/drawing/2014/main" id="{E283AC53-5D94-BD4E-DF5E-03CBB2392431}"/>
-              </a:ext>
-            </a:extLst>
-          </p:cNvPr>
-          <p:cNvSpPr>
-            <a:spLocks noGrp="1"/>
-          </p:cNvSpPr>
-          <p:nvPr>
-            <p:ph type="ftr" sz="quarter" idx="11"/>
-          </p:nvPr>
-        </p:nvSpPr>
-        <p:spPr/>
-        <p:txBody>
-          <a:bodyPr/>
-          <a:lstStyle/>
-          <a:p>
-            <a:r>
-              <a:rPr lang="en-US"/>
-              <a:t>
-              </a:t>
-            </a:r>
-            <a:endParaRPr lang="en-US" dirty="0"/>
-          </a:p>
-        </p:txBody>
-      </p:sp>
-      <p:sp>
-        <p:nvSpPr>
-          <p:cNvPr id="6" name="Espaço Reservado para Número de Slide 5">
-            <a:extLst>
-              <a:ext uri="{FF2B5EF4-FFF2-40B4-BE49-F238E27FC236}">
-                <a16:creationId xmlns:a16="http://schemas.microsoft.com/office/drawing/2014/main" id="{FB1C2BC9-964D-D15F-BB65-FFD25A78FBD7}"/>
-              </a:ext>
-            </a:extLst>
-          </p:cNvPr>
-          <p:cNvSpPr>
-            <a:spLocks noGrp="1"/>
-          </p:cNvSpPr>
-          <p:nvPr>
-            <p:ph type="sldNum" sz="quarter" idx="12"/>
-          </p:nvPr>
-        </p:nvSpPr>
-        <p:spPr/>
-        <p:txBody>
-          <a:bodyPr/>
-          <a:lstStyle/>
-          <a:p>
-            <a:fld id="{E30AF5A0-43BB-4336-8627-9123B9144D80}" type="slidenum">
-              <a:rPr lang="en-US" smtClean="0"/>
-              <a:t>9</a:t>
-            </a:fld>
-            <a:endParaRPr lang="en-US" dirty="0"/>
-          </a:p>
-        </p:txBody>
-      </p:sp>
-      <p:pic>
-        <p:nvPicPr>
-          <p:cNvPr id="14" name="Espaço Reservado para Conteúdo 13">
-            <a:extLst>
-              <a:ext uri="{FF2B5EF4-FFF2-40B4-BE49-F238E27FC236}">
-                <a16:creationId xmlns:a16="http://schemas.microsoft.com/office/drawing/2014/main" id="{CB3B0777-5292-ECBA-8C1A-6098EEFCD096}"/>
-              </a:ext>
-            </a:extLst>
-          </p:cNvPr>
-          <p:cNvPicPr>
-            <a:picLocks noGrp="1" noChangeAspect="1"/>
-          </p:cNvPicPr>
-          <p:nvPr>
-            <p:ph idx="1"/>
-          </p:nvPr>
-        </p:nvPicPr>
-        <p:blipFill>
-          <a:blip r:embed="rId2"/>
-          <a:stretch>
-            <a:fillRect/>
-          </a:stretch>
-        </p:blipFill>
-        <p:spPr>
-          <a:xfrm>
-            <a:off x="28542" y="2032126"/>
-            <a:ext cx="8340906" cy="3108217"/>
-          </a:xfrm>
-        </p:spPr>
-      </p:pic>
-      <p:pic>
-        <p:nvPicPr>
-          <p:cNvPr id="7" name="Imagem 6" descr="A screen shot of a computer program&#10;&#10;Descrição gerada automaticamente">
-            <a:extLst>
-              <a:ext uri="{FF2B5EF4-FFF2-40B4-BE49-F238E27FC236}">
-                <a16:creationId xmlns:a16="http://schemas.microsoft.com/office/drawing/2014/main" id="{24B49B10-7660-3EA2-3964-3F937A078934}"/>
-              </a:ext>
-            </a:extLst>
-          </p:cNvPr>
-          <p:cNvPicPr>
-            <a:picLocks noChangeAspect="1"/>
-          </p:cNvPicPr>
-          <p:nvPr/>
-        </p:nvPicPr>
-        <p:blipFill>
-          <a:blip r:embed="rId3">
-            <a:extLst>
-              <a:ext uri="{28A0092B-C50C-407E-A947-70E740481C1C}">
-                <a14:useLocalDpi xmlns:a14="http://schemas.microsoft.com/office/drawing/2010/main" val="0"/>
-              </a:ext>
-            </a:extLst>
-          </a:blip>
-          <a:stretch>
-            <a:fillRect/>
-          </a:stretch>
-        </p:blipFill>
-        <p:spPr>
-          <a:xfrm>
-            <a:off x="8524844" y="1315950"/>
-            <a:ext cx="3256303" cy="4706591"/>
-          </a:xfrm>
-          <a:prstGeom prst="rect">
-            <a:avLst/>
-          </a:prstGeom>
-        </p:spPr>
-      </p:pic>
-    </p:spTree>
-    <p:extLst>
-      <p:ext uri="{BB962C8B-B14F-4D97-AF65-F5344CB8AC3E}">
-        <p14:creationId xmlns:p14="http://schemas.microsoft.com/office/powerpoint/2010/main" val="2753850936"/>
+        <p14:creationId xmlns:p14="http://schemas.microsoft.com/office/powerpoint/2010/main" val="2210678312"/>
       </p:ext>
     </p:extLst>
   </p:cSld>

--- a/Presentation.pptx
+++ b/Presentation.pptx
@@ -8,9 +8,12 @@
     <p:sldId id="256" r:id="rId2"/>
     <p:sldId id="257" r:id="rId3"/>
     <p:sldId id="269" r:id="rId4"/>
-    <p:sldId id="270" r:id="rId5"/>
-    <p:sldId id="268" r:id="rId6"/>
-    <p:sldId id="260" r:id="rId7"/>
+    <p:sldId id="275" r:id="rId5"/>
+    <p:sldId id="272" r:id="rId6"/>
+    <p:sldId id="273" r:id="rId7"/>
+    <p:sldId id="274" r:id="rId8"/>
+    <p:sldId id="268" r:id="rId9"/>
+    <p:sldId id="260" r:id="rId10"/>
   </p:sldIdLst>
   <p:sldSz cx="12192000" cy="6858000"/>
   <p:notesSz cx="6858000" cy="9144000"/>
@@ -120,14 +123,286 @@
 <file path=ppt/revisionInfo.xml><?xml version="1.0" encoding="utf-8"?>
 <p1510:revInfo xmlns:a="http://schemas.openxmlformats.org/drawingml/2006/main" xmlns:r="http://schemas.openxmlformats.org/officeDocument/2006/relationships" xmlns:p1510="http://schemas.microsoft.com/office/powerpoint/2015/10/main">
   <p1510:revLst>
-    <p1510:client id="{4E2BA755-9540-4322-A1D6-D9892E45D796}" v="72" dt="2024-05-14T00:08:28.465"/>
-    <p1510:client id="{A28BEA28-CB8B-4ADC-9CD9-6BA7D5B43B4A}" v="22" dt="2024-05-13T10:05:10.862"/>
+    <p1510:client id="{B10124E6-5CE1-46B9-81E2-9DF613E845DA}" v="55" dt="2024-05-18T19:37:28.938"/>
   </p1510:revLst>
 </p1510:revInfo>
 </file>
 
 <file path=ppt/changesInfos/changesInfo1.xml><?xml version="1.0" encoding="utf-8"?>
 <pc:chgInfo xmlns:a="http://schemas.openxmlformats.org/drawingml/2006/main" xmlns:r="http://schemas.openxmlformats.org/officeDocument/2006/relationships" xmlns:ac="http://schemas.microsoft.com/office/drawing/2013/main/command" xmlns:pc="http://schemas.microsoft.com/office/powerpoint/2013/main/command">
+  <pc:docChgLst>
+    <pc:chgData name="Eduardo Savian" userId="83fefb37af455394" providerId="Windows Live" clId="Web-{B10124E6-5CE1-46B9-81E2-9DF613E845DA}"/>
+    <pc:docChg chg="addSld delSld modSld">
+      <pc:chgData name="Eduardo Savian" userId="83fefb37af455394" providerId="Windows Live" clId="Web-{B10124E6-5CE1-46B9-81E2-9DF613E845DA}" dt="2024-05-18T19:37:28.234" v="48"/>
+      <pc:docMkLst>
+        <pc:docMk/>
+      </pc:docMkLst>
+      <pc:sldChg chg="addSp delSp modSp del mod modClrScheme chgLayout">
+        <pc:chgData name="Eduardo Savian" userId="83fefb37af455394" providerId="Windows Live" clId="Web-{B10124E6-5CE1-46B9-81E2-9DF613E845DA}" dt="2024-05-18T19:35:57.404" v="32"/>
+        <pc:sldMkLst>
+          <pc:docMk/>
+          <pc:sldMk cId="4042955426" sldId="270"/>
+        </pc:sldMkLst>
+        <pc:spChg chg="add del">
+          <ac:chgData name="Eduardo Savian" userId="83fefb37af455394" providerId="Windows Live" clId="Web-{B10124E6-5CE1-46B9-81E2-9DF613E845DA}" dt="2024-05-18T19:33:13.696" v="10"/>
+          <ac:spMkLst>
+            <pc:docMk/>
+            <pc:sldMk cId="4042955426" sldId="270"/>
+            <ac:spMk id="2" creationId="{C97A6806-306D-5DE8-D246-239AA4809B3A}"/>
+          </ac:spMkLst>
+        </pc:spChg>
+        <pc:spChg chg="del mod">
+          <ac:chgData name="Eduardo Savian" userId="83fefb37af455394" providerId="Windows Live" clId="Web-{B10124E6-5CE1-46B9-81E2-9DF613E845DA}" dt="2024-05-18T19:32:42.023" v="2"/>
+          <ac:spMkLst>
+            <pc:docMk/>
+            <pc:sldMk cId="4042955426" sldId="270"/>
+            <ac:spMk id="3" creationId="{662D8E06-1103-5E8B-88E0-2CC1191423C4}"/>
+          </ac:spMkLst>
+        </pc:spChg>
+        <pc:spChg chg="mod">
+          <ac:chgData name="Eduardo Savian" userId="83fefb37af455394" providerId="Windows Live" clId="Web-{B10124E6-5CE1-46B9-81E2-9DF613E845DA}" dt="2024-05-18T19:33:13.696" v="10"/>
+          <ac:spMkLst>
+            <pc:docMk/>
+            <pc:sldMk cId="4042955426" sldId="270"/>
+            <ac:spMk id="4" creationId="{EC249B81-C847-2969-D44C-7D08B169C2F4}"/>
+          </ac:spMkLst>
+        </pc:spChg>
+        <pc:spChg chg="mod">
+          <ac:chgData name="Eduardo Savian" userId="83fefb37af455394" providerId="Windows Live" clId="Web-{B10124E6-5CE1-46B9-81E2-9DF613E845DA}" dt="2024-05-18T19:33:13.696" v="10"/>
+          <ac:spMkLst>
+            <pc:docMk/>
+            <pc:sldMk cId="4042955426" sldId="270"/>
+            <ac:spMk id="5" creationId="{B04CFF83-CA02-9F22-4CBF-D20905127DC9}"/>
+          </ac:spMkLst>
+        </pc:spChg>
+        <pc:spChg chg="mod">
+          <ac:chgData name="Eduardo Savian" userId="83fefb37af455394" providerId="Windows Live" clId="Web-{B10124E6-5CE1-46B9-81E2-9DF613E845DA}" dt="2024-05-18T19:33:13.696" v="10"/>
+          <ac:spMkLst>
+            <pc:docMk/>
+            <pc:sldMk cId="4042955426" sldId="270"/>
+            <ac:spMk id="6" creationId="{9831A95B-48A2-16FC-98E0-779D34F17AF7}"/>
+          </ac:spMkLst>
+        </pc:spChg>
+        <pc:spChg chg="add del mod">
+          <ac:chgData name="Eduardo Savian" userId="83fefb37af455394" providerId="Windows Live" clId="Web-{B10124E6-5CE1-46B9-81E2-9DF613E845DA}" dt="2024-05-18T19:33:13.696" v="10"/>
+          <ac:spMkLst>
+            <pc:docMk/>
+            <pc:sldMk cId="4042955426" sldId="270"/>
+            <ac:spMk id="12" creationId="{30774746-80CE-838A-AE40-BBFAF719DFE4}"/>
+          </ac:spMkLst>
+        </pc:spChg>
+        <pc:spChg chg="add del mod">
+          <ac:chgData name="Eduardo Savian" userId="83fefb37af455394" providerId="Windows Live" clId="Web-{B10124E6-5CE1-46B9-81E2-9DF613E845DA}" dt="2024-05-18T19:33:13.696" v="10"/>
+          <ac:spMkLst>
+            <pc:docMk/>
+            <pc:sldMk cId="4042955426" sldId="270"/>
+            <ac:spMk id="14" creationId="{B66501AF-2C6C-2C99-F5CD-368990638F10}"/>
+          </ac:spMkLst>
+        </pc:spChg>
+        <pc:spChg chg="add del mod">
+          <ac:chgData name="Eduardo Savian" userId="83fefb37af455394" providerId="Windows Live" clId="Web-{B10124E6-5CE1-46B9-81E2-9DF613E845DA}" dt="2024-05-18T19:33:10.649" v="8"/>
+          <ac:spMkLst>
+            <pc:docMk/>
+            <pc:sldMk cId="4042955426" sldId="270"/>
+            <ac:spMk id="19" creationId="{F069AC9D-E807-B817-5D21-B9CA00B35108}"/>
+          </ac:spMkLst>
+        </pc:spChg>
+        <pc:picChg chg="add mod ord">
+          <ac:chgData name="Eduardo Savian" userId="83fefb37af455394" providerId="Windows Live" clId="Web-{B10124E6-5CE1-46B9-81E2-9DF613E845DA}" dt="2024-05-18T19:33:13.696" v="10"/>
+          <ac:picMkLst>
+            <pc:docMk/>
+            <pc:sldMk cId="4042955426" sldId="270"/>
+            <ac:picMk id="7" creationId="{90295225-2ED7-CBBC-645A-FE5DC8994668}"/>
+          </ac:picMkLst>
+        </pc:picChg>
+      </pc:sldChg>
+      <pc:sldChg chg="addSp delSp modSp new del">
+        <pc:chgData name="Eduardo Savian" userId="83fefb37af455394" providerId="Windows Live" clId="Web-{B10124E6-5CE1-46B9-81E2-9DF613E845DA}" dt="2024-05-18T19:35:56.466" v="31"/>
+        <pc:sldMkLst>
+          <pc:docMk/>
+          <pc:sldMk cId="1562725996" sldId="271"/>
+        </pc:sldMkLst>
+        <pc:spChg chg="del mod">
+          <ac:chgData name="Eduardo Savian" userId="83fefb37af455394" providerId="Windows Live" clId="Web-{B10124E6-5CE1-46B9-81E2-9DF613E845DA}" dt="2024-05-18T19:33:55.494" v="14"/>
+          <ac:spMkLst>
+            <pc:docMk/>
+            <pc:sldMk cId="1562725996" sldId="271"/>
+            <ac:spMk id="3" creationId="{2D074F8F-942C-74E3-9363-49E237AB4A25}"/>
+          </ac:spMkLst>
+        </pc:spChg>
+        <pc:spChg chg="add del mod">
+          <ac:chgData name="Eduardo Savian" userId="83fefb37af455394" providerId="Windows Live" clId="Web-{B10124E6-5CE1-46B9-81E2-9DF613E845DA}" dt="2024-05-18T19:35:04.418" v="21"/>
+          <ac:spMkLst>
+            <pc:docMk/>
+            <pc:sldMk cId="1562725996" sldId="271"/>
+            <ac:spMk id="9" creationId="{2352341E-6D98-E594-3855-F54F1BD8E299}"/>
+          </ac:spMkLst>
+        </pc:spChg>
+        <pc:picChg chg="add del mod ord">
+          <ac:chgData name="Eduardo Savian" userId="83fefb37af455394" providerId="Windows Live" clId="Web-{B10124E6-5CE1-46B9-81E2-9DF613E845DA}" dt="2024-05-18T19:35:04.418" v="21"/>
+          <ac:picMkLst>
+            <pc:docMk/>
+            <pc:sldMk cId="1562725996" sldId="271"/>
+            <ac:picMk id="7" creationId="{4E7F57FD-AD53-1A6A-52D2-F1C464969006}"/>
+          </ac:picMkLst>
+        </pc:picChg>
+      </pc:sldChg>
+      <pc:sldChg chg="addSp delSp modSp new">
+        <pc:chgData name="Eduardo Savian" userId="83fefb37af455394" providerId="Windows Live" clId="Web-{B10124E6-5CE1-46B9-81E2-9DF613E845DA}" dt="2024-05-18T19:35:34.606" v="28"/>
+        <pc:sldMkLst>
+          <pc:docMk/>
+          <pc:sldMk cId="1909084433" sldId="272"/>
+        </pc:sldMkLst>
+        <pc:spChg chg="del mod">
+          <ac:chgData name="Eduardo Savian" userId="83fefb37af455394" providerId="Windows Live" clId="Web-{B10124E6-5CE1-46B9-81E2-9DF613E845DA}" dt="2024-05-18T19:35:34.606" v="28"/>
+          <ac:spMkLst>
+            <pc:docMk/>
+            <pc:sldMk cId="1909084433" sldId="272"/>
+            <ac:spMk id="3" creationId="{8E002528-1E90-B4D8-B7CA-234AF12D83C6}"/>
+          </ac:spMkLst>
+        </pc:spChg>
+        <pc:picChg chg="add mod ord">
+          <ac:chgData name="Eduardo Savian" userId="83fefb37af455394" providerId="Windows Live" clId="Web-{B10124E6-5CE1-46B9-81E2-9DF613E845DA}" dt="2024-05-18T19:35:34.606" v="28"/>
+          <ac:picMkLst>
+            <pc:docMk/>
+            <pc:sldMk cId="1909084433" sldId="272"/>
+            <ac:picMk id="7" creationId="{BBD67D61-1BC2-13AF-E8C5-D2DE5DC1AE75}"/>
+          </ac:picMkLst>
+        </pc:picChg>
+      </pc:sldChg>
+      <pc:sldChg chg="addSp delSp modSp new del">
+        <pc:chgData name="Eduardo Savian" userId="83fefb37af455394" providerId="Windows Live" clId="Web-{B10124E6-5CE1-46B9-81E2-9DF613E845DA}" dt="2024-05-18T19:35:07.074" v="22"/>
+        <pc:sldMkLst>
+          <pc:docMk/>
+          <pc:sldMk cId="2235354735" sldId="272"/>
+        </pc:sldMkLst>
+        <pc:spChg chg="add del">
+          <ac:chgData name="Eduardo Savian" userId="83fefb37af455394" providerId="Windows Live" clId="Web-{B10124E6-5CE1-46B9-81E2-9DF613E845DA}" dt="2024-05-18T19:34:55.949" v="19"/>
+          <ac:spMkLst>
+            <pc:docMk/>
+            <pc:sldMk cId="2235354735" sldId="272"/>
+            <ac:spMk id="3" creationId="{FA61A4B7-7010-D5E7-9783-98BB4C9472ED}"/>
+          </ac:spMkLst>
+        </pc:spChg>
+        <pc:picChg chg="add del mod ord">
+          <ac:chgData name="Eduardo Savian" userId="83fefb37af455394" providerId="Windows Live" clId="Web-{B10124E6-5CE1-46B9-81E2-9DF613E845DA}" dt="2024-05-18T19:34:21.307" v="17"/>
+          <ac:picMkLst>
+            <pc:docMk/>
+            <pc:sldMk cId="2235354735" sldId="272"/>
+            <ac:picMk id="7" creationId="{A134B4C2-DF8F-C87A-9C32-6B990484D1E5}"/>
+          </ac:picMkLst>
+        </pc:picChg>
+        <pc:picChg chg="add del mod ord">
+          <ac:chgData name="Eduardo Savian" userId="83fefb37af455394" providerId="Windows Live" clId="Web-{B10124E6-5CE1-46B9-81E2-9DF613E845DA}" dt="2024-05-18T19:34:55.949" v="19"/>
+          <ac:picMkLst>
+            <pc:docMk/>
+            <pc:sldMk cId="2235354735" sldId="272"/>
+            <ac:picMk id="8" creationId="{BD0FC381-616D-7F80-516C-4B2B9FDD1C1A}"/>
+          </ac:picMkLst>
+        </pc:picChg>
+      </pc:sldChg>
+      <pc:sldChg chg="addSp delSp modSp new">
+        <pc:chgData name="Eduardo Savian" userId="83fefb37af455394" providerId="Windows Live" clId="Web-{B10124E6-5CE1-46B9-81E2-9DF613E845DA}" dt="2024-05-18T19:35:52.794" v="30"/>
+        <pc:sldMkLst>
+          <pc:docMk/>
+          <pc:sldMk cId="4112802808" sldId="273"/>
+        </pc:sldMkLst>
+        <pc:spChg chg="del">
+          <ac:chgData name="Eduardo Savian" userId="83fefb37af455394" providerId="Windows Live" clId="Web-{B10124E6-5CE1-46B9-81E2-9DF613E845DA}" dt="2024-05-18T19:35:52.794" v="30"/>
+          <ac:spMkLst>
+            <pc:docMk/>
+            <pc:sldMk cId="4112802808" sldId="273"/>
+            <ac:spMk id="3" creationId="{48B76A36-821B-00B4-EDA6-B58B8DB664A9}"/>
+          </ac:spMkLst>
+        </pc:spChg>
+        <pc:picChg chg="add mod ord">
+          <ac:chgData name="Eduardo Savian" userId="83fefb37af455394" providerId="Windows Live" clId="Web-{B10124E6-5CE1-46B9-81E2-9DF613E845DA}" dt="2024-05-18T19:35:52.794" v="30"/>
+          <ac:picMkLst>
+            <pc:docMk/>
+            <pc:sldMk cId="4112802808" sldId="273"/>
+            <ac:picMk id="7" creationId="{BF68005B-EE7C-3D5E-4B58-4E5E71FC63D9}"/>
+          </ac:picMkLst>
+        </pc:picChg>
+      </pc:sldChg>
+      <pc:sldChg chg="addSp delSp modSp new">
+        <pc:chgData name="Eduardo Savian" userId="83fefb37af455394" providerId="Windows Live" clId="Web-{B10124E6-5CE1-46B9-81E2-9DF613E845DA}" dt="2024-05-18T19:36:48.343" v="46"/>
+        <pc:sldMkLst>
+          <pc:docMk/>
+          <pc:sldMk cId="2620471646" sldId="274"/>
+        </pc:sldMkLst>
+        <pc:spChg chg="add del mod">
+          <ac:chgData name="Eduardo Savian" userId="83fefb37af455394" providerId="Windows Live" clId="Web-{B10124E6-5CE1-46B9-81E2-9DF613E845DA}" dt="2024-05-18T19:36:48.343" v="46"/>
+          <ac:spMkLst>
+            <pc:docMk/>
+            <pc:sldMk cId="2620471646" sldId="274"/>
+            <ac:spMk id="3" creationId="{89455F0D-AD8E-DCE2-78D1-6E0FEF8648C0}"/>
+          </ac:spMkLst>
+        </pc:spChg>
+        <pc:spChg chg="add del mod">
+          <ac:chgData name="Eduardo Savian" userId="83fefb37af455394" providerId="Windows Live" clId="Web-{B10124E6-5CE1-46B9-81E2-9DF613E845DA}" dt="2024-05-18T19:36:20.592" v="41"/>
+          <ac:spMkLst>
+            <pc:docMk/>
+            <pc:sldMk cId="2620471646" sldId="274"/>
+            <ac:spMk id="7" creationId="{FA194680-CE60-F939-9D2E-969888CDA40F}"/>
+          </ac:spMkLst>
+        </pc:spChg>
+        <pc:picChg chg="add del mod ord">
+          <ac:chgData name="Eduardo Savian" userId="83fefb37af455394" providerId="Windows Live" clId="Web-{B10124E6-5CE1-46B9-81E2-9DF613E845DA}" dt="2024-05-18T19:36:37.342" v="45"/>
+          <ac:picMkLst>
+            <pc:docMk/>
+            <pc:sldMk cId="2620471646" sldId="274"/>
+            <ac:picMk id="8" creationId="{CF5A0A99-597A-F596-5219-39B7331894AE}"/>
+          </ac:picMkLst>
+        </pc:picChg>
+        <pc:picChg chg="add mod ord">
+          <ac:chgData name="Eduardo Savian" userId="83fefb37af455394" providerId="Windows Live" clId="Web-{B10124E6-5CE1-46B9-81E2-9DF613E845DA}" dt="2024-05-18T19:36:48.343" v="46"/>
+          <ac:picMkLst>
+            <pc:docMk/>
+            <pc:sldMk cId="2620471646" sldId="274"/>
+            <ac:picMk id="9" creationId="{6B3D4CF9-E4D9-CE70-77E7-5B5CC17A207F}"/>
+          </ac:picMkLst>
+        </pc:picChg>
+      </pc:sldChg>
+      <pc:sldChg chg="modSp new del">
+        <pc:chgData name="Eduardo Savian" userId="83fefb37af455394" providerId="Windows Live" clId="Web-{B10124E6-5CE1-46B9-81E2-9DF613E845DA}" dt="2024-05-18T19:36:16.686" v="37"/>
+        <pc:sldMkLst>
+          <pc:docMk/>
+          <pc:sldMk cId="22181432" sldId="275"/>
+        </pc:sldMkLst>
+        <pc:spChg chg="mod">
+          <ac:chgData name="Eduardo Savian" userId="83fefb37af455394" providerId="Windows Live" clId="Web-{B10124E6-5CE1-46B9-81E2-9DF613E845DA}" dt="2024-05-18T19:36:15.623" v="36"/>
+          <ac:spMkLst>
+            <pc:docMk/>
+            <pc:sldMk cId="22181432" sldId="275"/>
+            <ac:spMk id="3" creationId="{E48659BD-2243-9220-1B20-084CA9C015C0}"/>
+          </ac:spMkLst>
+        </pc:spChg>
+      </pc:sldChg>
+      <pc:sldChg chg="addSp delSp modSp new">
+        <pc:chgData name="Eduardo Savian" userId="83fefb37af455394" providerId="Windows Live" clId="Web-{B10124E6-5CE1-46B9-81E2-9DF613E845DA}" dt="2024-05-18T19:37:28.234" v="48"/>
+        <pc:sldMkLst>
+          <pc:docMk/>
+          <pc:sldMk cId="346760889" sldId="275"/>
+        </pc:sldMkLst>
+        <pc:spChg chg="del">
+          <ac:chgData name="Eduardo Savian" userId="83fefb37af455394" providerId="Windows Live" clId="Web-{B10124E6-5CE1-46B9-81E2-9DF613E845DA}" dt="2024-05-18T19:37:28.234" v="48"/>
+          <ac:spMkLst>
+            <pc:docMk/>
+            <pc:sldMk cId="346760889" sldId="275"/>
+            <ac:spMk id="3" creationId="{109E92D5-FAD7-5BC1-1534-06038A2AA196}"/>
+          </ac:spMkLst>
+        </pc:spChg>
+        <pc:picChg chg="add mod ord">
+          <ac:chgData name="Eduardo Savian" userId="83fefb37af455394" providerId="Windows Live" clId="Web-{B10124E6-5CE1-46B9-81E2-9DF613E845DA}" dt="2024-05-18T19:37:28.234" v="48"/>
+          <ac:picMkLst>
+            <pc:docMk/>
+            <pc:sldMk cId="346760889" sldId="275"/>
+            <ac:picMk id="7" creationId="{C8BADD49-1D18-6B75-7A7D-8B2089EF92EB}"/>
+          </ac:picMkLst>
+        </pc:picChg>
+      </pc:sldChg>
+    </pc:docChg>
+  </pc:docChgLst>
   <pc:docChgLst>
     <pc:chgData name="Eduardo Savian" userId="83fefb37af455394" providerId="Windows Live" clId="Web-{6808E06D-317C-48B5-80AB-C63B5B44D7D8}"/>
     <pc:docChg chg="modSld addMainMaster delMainMaster">
@@ -2243,7 +2518,7 @@
           <a:p>
             <a:fld id="{12575099-B3AD-44D7-919B-BCB6DC3E7F21}" type="datetimeFigureOut">
               <a:rPr lang="en-US" dirty="0"/>
-              <a:t>5/13/2024</a:t>
+              <a:t>5/18/2024</a:t>
             </a:fld>
             <a:endParaRPr lang="en-US" dirty="0"/>
           </a:p>
@@ -2450,7 +2725,7 @@
           <a:p>
             <a:fld id="{F18115DA-6CBC-4AEF-A85F-371C66916CF8}" type="datetimeFigureOut">
               <a:rPr lang="en-US" dirty="0"/>
-              <a:t>5/13/2024</a:t>
+              <a:t>5/18/2024</a:t>
             </a:fld>
             <a:endParaRPr lang="en-US" dirty="0"/>
           </a:p>
@@ -2667,7 +2942,7 @@
           <a:p>
             <a:fld id="{2A6007E4-95E8-4ABC-B20B-51235318A487}" type="datetimeFigureOut">
               <a:rPr lang="en-US" dirty="0"/>
-              <a:t>5/13/2024</a:t>
+              <a:t>5/18/2024</a:t>
             </a:fld>
             <a:endParaRPr lang="en-US" dirty="0"/>
           </a:p>
@@ -2874,7 +3149,7 @@
           <a:p>
             <a:fld id="{2A4BF121-2723-4D35-ADA9-215CD054C4BC}" type="datetimeFigureOut">
               <a:rPr lang="en-US" dirty="0"/>
-              <a:t>5/13/2024</a:t>
+              <a:t>5/18/2024</a:t>
             </a:fld>
             <a:endParaRPr lang="en-US" dirty="0"/>
           </a:p>
@@ -3158,7 +3433,7 @@
           <a:p>
             <a:fld id="{C54F54BA-4BC6-480F-839C-951A49B248A9}" type="datetimeFigureOut">
               <a:rPr lang="en-US" dirty="0"/>
-              <a:t>5/13/2024</a:t>
+              <a:t>5/18/2024</a:t>
             </a:fld>
             <a:endParaRPr lang="en-US" dirty="0"/>
           </a:p>
@@ -3437,7 +3712,7 @@
           <a:p>
             <a:fld id="{0F9DD0EA-4726-4440-BF9D-E88296FC3068}" type="datetimeFigureOut">
               <a:rPr lang="en-US" dirty="0"/>
-              <a:t>5/13/2024</a:t>
+              <a:t>5/18/2024</a:t>
             </a:fld>
             <a:endParaRPr lang="en-US" dirty="0"/>
           </a:p>
@@ -3866,7 +4141,7 @@
           <a:p>
             <a:fld id="{19CAD10D-99D1-46B2-A85A-C16850FCF8CF}" type="datetimeFigureOut">
               <a:rPr lang="en-US" dirty="0"/>
-              <a:t>5/13/2024</a:t>
+              <a:t>5/18/2024</a:t>
             </a:fld>
             <a:endParaRPr lang="en-US" dirty="0"/>
           </a:p>
@@ -4011,7 +4286,7 @@
           <a:p>
             <a:fld id="{48C67E51-34D6-4E3D-8F41-CC63EA446EDD}" type="datetimeFigureOut">
               <a:rPr lang="en-US" dirty="0"/>
-              <a:t>5/13/2024</a:t>
+              <a:t>5/18/2024</a:t>
             </a:fld>
             <a:endParaRPr lang="en-US" dirty="0"/>
           </a:p>
@@ -4128,7 +4403,7 @@
           <a:p>
             <a:fld id="{8D49E550-CE3F-497F-B953-7DE0932F91C0}" type="datetimeFigureOut">
               <a:rPr lang="en-US" dirty="0"/>
-              <a:t>5/13/2024</a:t>
+              <a:t>5/18/2024</a:t>
             </a:fld>
             <a:endParaRPr lang="en-US" dirty="0"/>
           </a:p>
@@ -4443,7 +4718,7 @@
           <a:p>
             <a:fld id="{217A0BF4-BAA0-4539-95F2-9C4277F97478}" type="datetimeFigureOut">
               <a:rPr lang="en-US" dirty="0"/>
-              <a:t>5/13/2024</a:t>
+              <a:t>5/18/2024</a:t>
             </a:fld>
             <a:endParaRPr lang="en-US" dirty="0"/>
           </a:p>
@@ -4740,7 +5015,7 @@
           <a:p>
             <a:fld id="{52E9884E-D945-496C-84BE-49C61F78F9EC}" type="datetimeFigureOut">
               <a:rPr lang="en-US" dirty="0"/>
-              <a:t>5/13/2024</a:t>
+              <a:t>5/18/2024</a:t>
             </a:fld>
             <a:endParaRPr lang="en-US" dirty="0"/>
           </a:p>
@@ -4989,7 +5264,7 @@
           <a:p>
             <a:fld id="{CD438618-DEE5-47CF-A8B2-A9E090D503CD}" type="datetimeFigureOut">
               <a:rPr lang="en-US" dirty="0"/>
-              <a:t>5/13/2024</a:t>
+              <a:t>5/18/2024</a:t>
             </a:fld>
             <a:endParaRPr lang="en-US" dirty="0"/>
           </a:p>
@@ -5759,7 +6034,7 @@
           <a:p>
             <a:fld id="{9FBE1B50-9130-47DA-B4F9-EEE798F3A0B6}" type="datetime1">
               <a:rPr lang="en-US" smtClean="0"/>
-              <a:t>5/13/2024</a:t>
+              <a:t>5/18/2024</a:t>
             </a:fld>
             <a:endParaRPr lang="en-US" dirty="0"/>
           </a:p>
@@ -5953,7 +6228,7 @@
           <a:p>
             <a:fld id="{B4EA89E8-3B98-4FD1-88D7-71179ABDB4AC}" type="datetime1">
               <a:rPr lang="en-US" smtClean="0"/>
-              <a:t>5/13/2024</a:t>
+              <a:t>5/18/2024</a:t>
             </a:fld>
             <a:endParaRPr lang="en-US" dirty="0"/>
           </a:p>
@@ -6053,7 +6328,7 @@
           <p:cNvPr id="2" name="Title 1">
             <a:extLst>
               <a:ext uri="{FF2B5EF4-FFF2-40B4-BE49-F238E27FC236}">
-                <a16:creationId xmlns:a16="http://schemas.microsoft.com/office/drawing/2014/main" id="{C97A6806-306D-5DE8-D246-239AA4809B3A}"/>
+                <a16:creationId xmlns:a16="http://schemas.microsoft.com/office/drawing/2014/main" id="{310915FC-BBB3-0797-FA5A-A24EBBD1AFF4}"/>
               </a:ext>
             </a:extLst>
           </p:cNvPr>
@@ -6073,54 +6348,58 @@
           </a:p>
         </p:txBody>
       </p:sp>
-      <p:sp>
-        <p:nvSpPr>
-          <p:cNvPr id="3" name="Content Placeholder 2">
-            <a:extLst>
-              <a:ext uri="{FF2B5EF4-FFF2-40B4-BE49-F238E27FC236}">
-                <a16:creationId xmlns:a16="http://schemas.microsoft.com/office/drawing/2014/main" id="{662D8E06-1103-5E8B-88E0-2CC1191423C4}"/>
-              </a:ext>
-            </a:extLst>
-          </p:cNvPr>
-          <p:cNvSpPr>
-            <a:spLocks noGrp="1"/>
-          </p:cNvSpPr>
+      <p:pic>
+        <p:nvPicPr>
+          <p:cNvPr id="7" name="Content Placeholder 6" descr="A screenshot of a computer code&#10;&#10;Description automatically generated">
+            <a:extLst>
+              <a:ext uri="{FF2B5EF4-FFF2-40B4-BE49-F238E27FC236}">
+                <a16:creationId xmlns:a16="http://schemas.microsoft.com/office/drawing/2014/main" id="{C8BADD49-1D18-6B75-7A7D-8B2089EF92EB}"/>
+              </a:ext>
+            </a:extLst>
+          </p:cNvPr>
+          <p:cNvPicPr>
+            <a:picLocks noGrp="1" noChangeAspect="1"/>
+          </p:cNvPicPr>
           <p:nvPr>
             <p:ph idx="1"/>
           </p:nvPr>
+        </p:nvPicPr>
+        <p:blipFill>
+          <a:blip r:embed="rId2"/>
+          <a:stretch>
+            <a:fillRect/>
+          </a:stretch>
+        </p:blipFill>
+        <p:spPr>
+          <a:xfrm>
+            <a:off x="3102121" y="2293126"/>
+            <a:ext cx="5888292" cy="3636088"/>
+          </a:xfrm>
+        </p:spPr>
+      </p:pic>
+      <p:sp>
+        <p:nvSpPr>
+          <p:cNvPr id="4" name="Date Placeholder 3">
+            <a:extLst>
+              <a:ext uri="{FF2B5EF4-FFF2-40B4-BE49-F238E27FC236}">
+                <a16:creationId xmlns:a16="http://schemas.microsoft.com/office/drawing/2014/main" id="{A87FE256-8515-38F7-6AD5-6DE7D2C57A5B}"/>
+              </a:ext>
+            </a:extLst>
+          </p:cNvPr>
+          <p:cNvSpPr>
+            <a:spLocks noGrp="1"/>
+          </p:cNvSpPr>
+          <p:nvPr>
+            <p:ph type="dt" sz="half" idx="10"/>
+          </p:nvPr>
         </p:nvSpPr>
         <p:spPr/>
         <p:txBody>
           <a:bodyPr/>
           <a:lstStyle/>
           <a:p>
-            <a:endParaRPr lang="en-US"/>
-          </a:p>
-        </p:txBody>
-      </p:sp>
-      <p:sp>
-        <p:nvSpPr>
-          <p:cNvPr id="4" name="Date Placeholder 3">
-            <a:extLst>
-              <a:ext uri="{FF2B5EF4-FFF2-40B4-BE49-F238E27FC236}">
-                <a16:creationId xmlns:a16="http://schemas.microsoft.com/office/drawing/2014/main" id="{EC249B81-C847-2969-D44C-7D08B169C2F4}"/>
-              </a:ext>
-            </a:extLst>
-          </p:cNvPr>
-          <p:cNvSpPr>
-            <a:spLocks noGrp="1"/>
-          </p:cNvSpPr>
-          <p:nvPr>
-            <p:ph type="dt" sz="half" idx="10"/>
-          </p:nvPr>
-        </p:nvSpPr>
-        <p:spPr/>
-        <p:txBody>
-          <a:bodyPr/>
-          <a:lstStyle/>
-          <a:p>
-            <a:fld id="{1FC7AE70-B4B8-4F95-A819-01E7A97C1F3C}" type="datetime1">
-              <a:t>5/13/2024</a:t>
+            <a:fld id="{951E46B2-5DF3-4232-801B-3B414A5F0B0D}" type="datetime1">
+              <a:t>5/18/2024</a:t>
             </a:fld>
             <a:endParaRPr lang="en-US" dirty="0"/>
           </a:p>
@@ -6131,7 +6410,7 @@
           <p:cNvPr id="5" name="Footer Placeholder 4">
             <a:extLst>
               <a:ext uri="{FF2B5EF4-FFF2-40B4-BE49-F238E27FC236}">
-                <a16:creationId xmlns:a16="http://schemas.microsoft.com/office/drawing/2014/main" id="{B04CFF83-CA02-9F22-4CBF-D20905127DC9}"/>
+                <a16:creationId xmlns:a16="http://schemas.microsoft.com/office/drawing/2014/main" id="{6E49A7F5-381F-4FF0-8C16-51E305D450AE}"/>
               </a:ext>
             </a:extLst>
           </p:cNvPr>
@@ -6160,7 +6439,7 @@
           <p:cNvPr id="6" name="Slide Number Placeholder 5">
             <a:extLst>
               <a:ext uri="{FF2B5EF4-FFF2-40B4-BE49-F238E27FC236}">
-                <a16:creationId xmlns:a16="http://schemas.microsoft.com/office/drawing/2014/main" id="{9831A95B-48A2-16FC-98E0-779D34F17AF7}"/>
+                <a16:creationId xmlns:a16="http://schemas.microsoft.com/office/drawing/2014/main" id="{6B4613CA-4082-E7C4-AA61-E00F5946A130}"/>
               </a:ext>
             </a:extLst>
           </p:cNvPr>
@@ -6187,7 +6466,7 @@
     </p:spTree>
     <p:extLst>
       <p:ext uri="{BB962C8B-B14F-4D97-AF65-F5344CB8AC3E}">
-        <p14:creationId xmlns:p14="http://schemas.microsoft.com/office/powerpoint/2010/main" val="4042955426"/>
+        <p14:creationId xmlns:p14="http://schemas.microsoft.com/office/powerpoint/2010/main" val="346760889"/>
       </p:ext>
     </p:extLst>
   </p:cSld>
@@ -6216,10 +6495,10 @@
       </p:grpSpPr>
       <p:sp>
         <p:nvSpPr>
-          <p:cNvPr id="2" name="Título 1">
-            <a:extLst>
-              <a:ext uri="{FF2B5EF4-FFF2-40B4-BE49-F238E27FC236}">
-                <a16:creationId xmlns:a16="http://schemas.microsoft.com/office/drawing/2014/main" id="{4E319447-D02E-7C4B-241A-4A96C7ABC44D}"/>
+          <p:cNvPr id="2" name="Title 1">
+            <a:extLst>
+              <a:ext uri="{FF2B5EF4-FFF2-40B4-BE49-F238E27FC236}">
+                <a16:creationId xmlns:a16="http://schemas.microsoft.com/office/drawing/2014/main" id="{01B269EB-F116-2B78-BB0C-3ABD8898929F}"/>
               </a:ext>
             </a:extLst>
           </p:cNvPr>
@@ -6235,237 +6514,62 @@
           <a:bodyPr/>
           <a:lstStyle/>
           <a:p>
-            <a:r>
-              <a:rPr lang="en-US" dirty="0" err="1"/>
-              <a:t>Referências</a:t>
-            </a:r>
-            <a:r>
-              <a:rPr lang="en-US" dirty="0"/>
-              <a:t> </a:t>
-            </a:r>
-            <a:r>
-              <a:rPr lang="en-US" dirty="0" err="1"/>
-              <a:t>bibliográficas</a:t>
-            </a:r>
-            <a:endParaRPr lang="pt-BR" dirty="0"/>
-          </a:p>
-        </p:txBody>
-      </p:sp>
-      <p:sp>
-        <p:nvSpPr>
-          <p:cNvPr id="3" name="Espaço Reservado para Conteúdo 2">
-            <a:extLst>
-              <a:ext uri="{FF2B5EF4-FFF2-40B4-BE49-F238E27FC236}">
-                <a16:creationId xmlns:a16="http://schemas.microsoft.com/office/drawing/2014/main" id="{DF5ABD57-ADCB-25E7-5CDB-095C18654DD9}"/>
-              </a:ext>
-            </a:extLst>
-          </p:cNvPr>
-          <p:cNvSpPr>
-            <a:spLocks noGrp="1"/>
-          </p:cNvSpPr>
+            <a:endParaRPr lang="en-US"/>
+          </a:p>
+        </p:txBody>
+      </p:sp>
+      <p:pic>
+        <p:nvPicPr>
+          <p:cNvPr id="7" name="Content Placeholder 6" descr="A screenshot of a computer code&#10;&#10;Description automatically generated">
+            <a:extLst>
+              <a:ext uri="{FF2B5EF4-FFF2-40B4-BE49-F238E27FC236}">
+                <a16:creationId xmlns:a16="http://schemas.microsoft.com/office/drawing/2014/main" id="{BBD67D61-1BC2-13AF-E8C5-D2DE5DC1AE75}"/>
+              </a:ext>
+            </a:extLst>
+          </p:cNvPr>
+          <p:cNvPicPr>
+            <a:picLocks noGrp="1" noChangeAspect="1"/>
+          </p:cNvPicPr>
           <p:nvPr>
             <p:ph idx="1"/>
           </p:nvPr>
+        </p:nvPicPr>
+        <p:blipFill>
+          <a:blip r:embed="rId2"/>
+          <a:stretch>
+            <a:fillRect/>
+          </a:stretch>
+        </p:blipFill>
+        <p:spPr>
+          <a:xfrm>
+            <a:off x="3125104" y="2293126"/>
+            <a:ext cx="5842326" cy="3636088"/>
+          </a:xfrm>
+        </p:spPr>
+      </p:pic>
+      <p:sp>
+        <p:nvSpPr>
+          <p:cNvPr id="4" name="Date Placeholder 3">
+            <a:extLst>
+              <a:ext uri="{FF2B5EF4-FFF2-40B4-BE49-F238E27FC236}">
+                <a16:creationId xmlns:a16="http://schemas.microsoft.com/office/drawing/2014/main" id="{989D54E2-F506-3BFE-2093-C78CB029C5C6}"/>
+              </a:ext>
+            </a:extLst>
+          </p:cNvPr>
+          <p:cNvSpPr>
+            <a:spLocks noGrp="1"/>
+          </p:cNvSpPr>
+          <p:nvPr>
+            <p:ph type="dt" sz="half" idx="10"/>
+          </p:nvPr>
         </p:nvSpPr>
         <p:spPr/>
         <p:txBody>
-          <a:bodyPr vert="horz" lIns="91440" tIns="45720" rIns="91440" bIns="45720" rtlCol="0" anchor="t">
-            <a:normAutofit/>
-          </a:bodyPr>
-          <a:lstStyle/>
-          <a:p>
-            <a:r>
-              <a:rPr lang="pt-BR" dirty="0">
-                <a:ea typeface="+mn-lt"/>
-                <a:cs typeface="+mn-lt"/>
-              </a:rPr>
-              <a:t>WIKIPEDIA CONTRIBUTORS. </a:t>
-            </a:r>
-            <a:r>
-              <a:rPr lang="pt-BR" b="1" err="1">
-                <a:ea typeface="+mn-lt"/>
-                <a:cs typeface="+mn-lt"/>
-              </a:rPr>
-              <a:t>Knight’s</a:t>
-            </a:r>
-            <a:r>
-              <a:rPr lang="pt-BR" b="1" dirty="0">
-                <a:ea typeface="+mn-lt"/>
-                <a:cs typeface="+mn-lt"/>
-              </a:rPr>
-              <a:t> tour</a:t>
-            </a:r>
-            <a:r>
-              <a:rPr lang="pt-BR" dirty="0">
-                <a:ea typeface="+mn-lt"/>
-                <a:cs typeface="+mn-lt"/>
-              </a:rPr>
-              <a:t>. Disponível em: &lt;https://en.wikipedia.org/w/</a:t>
-            </a:r>
-            <a:r>
-              <a:rPr lang="pt-BR" err="1">
-                <a:ea typeface="+mn-lt"/>
-                <a:cs typeface="+mn-lt"/>
-              </a:rPr>
-              <a:t>index.php?title</a:t>
-            </a:r>
-            <a:r>
-              <a:rPr lang="pt-BR" dirty="0">
-                <a:ea typeface="+mn-lt"/>
-                <a:cs typeface="+mn-lt"/>
-              </a:rPr>
-              <a:t>=Knight%27s_tour&amp;oldid=1220995933&gt;.</a:t>
-            </a:r>
-            <a:endParaRPr lang="en-US" dirty="0">
-              <a:ea typeface="+mn-lt"/>
-              <a:cs typeface="+mn-lt"/>
-            </a:endParaRPr>
-          </a:p>
-          <a:p>
-            <a:r>
-              <a:rPr lang="pt-BR" dirty="0">
-                <a:ea typeface="+mn-lt"/>
-                <a:cs typeface="+mn-lt"/>
-              </a:rPr>
-              <a:t>PARBERRY, I. </a:t>
-            </a:r>
-            <a:r>
-              <a:rPr lang="pt-BR" b="1" dirty="0" err="1">
-                <a:ea typeface="+mn-lt"/>
-                <a:cs typeface="+mn-lt"/>
-              </a:rPr>
-              <a:t>An</a:t>
-            </a:r>
-            <a:r>
-              <a:rPr lang="pt-BR" b="1" dirty="0">
-                <a:ea typeface="+mn-lt"/>
-                <a:cs typeface="+mn-lt"/>
-              </a:rPr>
-              <a:t> </a:t>
-            </a:r>
-            <a:r>
-              <a:rPr lang="pt-BR" b="1" dirty="0" err="1">
-                <a:ea typeface="+mn-lt"/>
-                <a:cs typeface="+mn-lt"/>
-              </a:rPr>
-              <a:t>efficient</a:t>
-            </a:r>
-            <a:r>
-              <a:rPr lang="pt-BR" b="1" dirty="0">
-                <a:ea typeface="+mn-lt"/>
-                <a:cs typeface="+mn-lt"/>
-              </a:rPr>
-              <a:t> </a:t>
-            </a:r>
-            <a:r>
-              <a:rPr lang="pt-BR" b="1" dirty="0" err="1">
-                <a:ea typeface="+mn-lt"/>
-                <a:cs typeface="+mn-lt"/>
-              </a:rPr>
-              <a:t>algorithm</a:t>
-            </a:r>
-            <a:r>
-              <a:rPr lang="pt-BR" b="1" dirty="0">
-                <a:ea typeface="+mn-lt"/>
-                <a:cs typeface="+mn-lt"/>
-              </a:rPr>
-              <a:t> for </a:t>
-            </a:r>
-            <a:r>
-              <a:rPr lang="pt-BR" b="1" dirty="0" err="1">
-                <a:ea typeface="+mn-lt"/>
-                <a:cs typeface="+mn-lt"/>
-              </a:rPr>
-              <a:t>the</a:t>
-            </a:r>
-            <a:r>
-              <a:rPr lang="pt-BR" b="1" dirty="0">
-                <a:ea typeface="+mn-lt"/>
-                <a:cs typeface="+mn-lt"/>
-              </a:rPr>
-              <a:t> </a:t>
-            </a:r>
-            <a:r>
-              <a:rPr lang="pt-BR" b="1" dirty="0" err="1">
-                <a:ea typeface="+mn-lt"/>
-                <a:cs typeface="+mn-lt"/>
-              </a:rPr>
-              <a:t>Knight’s</a:t>
-            </a:r>
-            <a:r>
-              <a:rPr lang="pt-BR" b="1" dirty="0">
-                <a:ea typeface="+mn-lt"/>
-                <a:cs typeface="+mn-lt"/>
-              </a:rPr>
-              <a:t> tour problem</a:t>
-            </a:r>
-            <a:r>
-              <a:rPr lang="pt-BR" dirty="0">
-                <a:ea typeface="+mn-lt"/>
-                <a:cs typeface="+mn-lt"/>
-              </a:rPr>
-              <a:t>. Disponível em: &lt;https://core.ac.uk/download/</a:t>
-            </a:r>
-            <a:r>
-              <a:rPr lang="pt-BR" dirty="0" err="1">
-                <a:ea typeface="+mn-lt"/>
-                <a:cs typeface="+mn-lt"/>
-              </a:rPr>
-              <a:t>pdf</a:t>
-            </a:r>
-            <a:r>
-              <a:rPr lang="pt-BR" dirty="0">
-                <a:ea typeface="+mn-lt"/>
-                <a:cs typeface="+mn-lt"/>
-              </a:rPr>
-              <a:t>/81964499.pdf&gt;. Acesso em: 14 maio. 2024.</a:t>
-            </a:r>
-            <a:endParaRPr lang="pt-BR" dirty="0"/>
-          </a:p>
-          <a:p>
-            <a:endParaRPr lang="pt-BR"/>
-          </a:p>
-          <a:p>
-            <a:endParaRPr lang="pt-BR" dirty="0"/>
-          </a:p>
-          <a:p>
-            <a:endParaRPr lang="pt-BR" dirty="0"/>
-          </a:p>
-          <a:p>
-            <a:endParaRPr lang="pt-BR" dirty="0"/>
-          </a:p>
-          <a:p>
-            <a:endParaRPr lang="pt-BR" dirty="0"/>
-          </a:p>
-          <a:p>
-            <a:endParaRPr lang="pt-BR" dirty="0"/>
-          </a:p>
-        </p:txBody>
-      </p:sp>
-      <p:sp>
-        <p:nvSpPr>
-          <p:cNvPr id="4" name="Espaço Reservado para Data 3">
-            <a:extLst>
-              <a:ext uri="{FF2B5EF4-FFF2-40B4-BE49-F238E27FC236}">
-                <a16:creationId xmlns:a16="http://schemas.microsoft.com/office/drawing/2014/main" id="{E575A558-438B-6388-C74A-CB3D2C97D3F8}"/>
-              </a:ext>
-            </a:extLst>
-          </p:cNvPr>
-          <p:cNvSpPr>
-            <a:spLocks noGrp="1"/>
-          </p:cNvSpPr>
-          <p:nvPr>
-            <p:ph type="dt" sz="half" idx="10"/>
-          </p:nvPr>
-        </p:nvSpPr>
-        <p:spPr/>
-        <p:txBody>
-          <a:bodyPr/>
-          <a:lstStyle/>
-          <a:p>
-            <a:fld id="{5C0E8BC3-A60E-4E31-8AE4-2BE08893AD21}" type="datetime1">
-              <a:rPr lang="en-US" smtClean="0"/>
-              <a:t>5/13/2024</a:t>
+          <a:bodyPr/>
+          <a:lstStyle/>
+          <a:p>
+            <a:fld id="{600B55D1-AAB4-439A-AA15-8D66337FF1B5}" type="datetime1">
+              <a:t>5/18/2024</a:t>
             </a:fld>
             <a:endParaRPr lang="en-US" dirty="0"/>
           </a:p>
@@ -6473,10 +6577,10 @@
       </p:sp>
       <p:sp>
         <p:nvSpPr>
-          <p:cNvPr id="5" name="Espaço Reservado para Rodapé 4">
-            <a:extLst>
-              <a:ext uri="{FF2B5EF4-FFF2-40B4-BE49-F238E27FC236}">
-                <a16:creationId xmlns:a16="http://schemas.microsoft.com/office/drawing/2014/main" id="{5792529F-47F6-73F8-4E0C-FA5B71473D22}"/>
+          <p:cNvPr id="5" name="Footer Placeholder 4">
+            <a:extLst>
+              <a:ext uri="{FF2B5EF4-FFF2-40B4-BE49-F238E27FC236}">
+                <a16:creationId xmlns:a16="http://schemas.microsoft.com/office/drawing/2014/main" id="{F95B5ECA-A6EF-09A9-68C4-101DF641DB34}"/>
               </a:ext>
             </a:extLst>
           </p:cNvPr>
@@ -6493,20 +6597,19 @@
           <a:lstStyle/>
           <a:p>
             <a:r>
-              <a:rPr lang="en-US"/>
+              <a:rPr lang="en-US" dirty="0"/>
               <a:t>
               </a:t>
             </a:r>
-            <a:endParaRPr lang="en-US" dirty="0"/>
-          </a:p>
-        </p:txBody>
-      </p:sp>
-      <p:sp>
-        <p:nvSpPr>
-          <p:cNvPr id="6" name="Espaço Reservado para Número de Slide 5">
-            <a:extLst>
-              <a:ext uri="{FF2B5EF4-FFF2-40B4-BE49-F238E27FC236}">
-                <a16:creationId xmlns:a16="http://schemas.microsoft.com/office/drawing/2014/main" id="{6590052F-4EE3-8698-0A10-CB8C4E35A1E4}"/>
+          </a:p>
+        </p:txBody>
+      </p:sp>
+      <p:sp>
+        <p:nvSpPr>
+          <p:cNvPr id="6" name="Slide Number Placeholder 5">
+            <a:extLst>
+              <a:ext uri="{FF2B5EF4-FFF2-40B4-BE49-F238E27FC236}">
+                <a16:creationId xmlns:a16="http://schemas.microsoft.com/office/drawing/2014/main" id="{379DD70F-6BA0-0332-6D71-201FF5415E41}"/>
               </a:ext>
             </a:extLst>
           </p:cNvPr>
@@ -6523,7 +6626,7 @@
           <a:lstStyle/>
           <a:p>
             <a:fld id="{E30AF5A0-43BB-4336-8627-9123B9144D80}" type="slidenum">
-              <a:rPr lang="en-US" smtClean="0"/>
+              <a:rPr lang="en-US" dirty="0"/>
               <a:t>5</a:t>
             </a:fld>
             <a:endParaRPr lang="en-US" dirty="0"/>
@@ -6533,7 +6636,7 @@
     </p:spTree>
     <p:extLst>
       <p:ext uri="{BB962C8B-B14F-4D97-AF65-F5344CB8AC3E}">
-        <p14:creationId xmlns:p14="http://schemas.microsoft.com/office/powerpoint/2010/main" val="2097304172"/>
+        <p14:creationId xmlns:p14="http://schemas.microsoft.com/office/powerpoint/2010/main" val="1909084433"/>
       </p:ext>
     </p:extLst>
   </p:cSld>
@@ -6562,6 +6665,692 @@
       </p:grpSpPr>
       <p:sp>
         <p:nvSpPr>
+          <p:cNvPr id="2" name="Title 1">
+            <a:extLst>
+              <a:ext uri="{FF2B5EF4-FFF2-40B4-BE49-F238E27FC236}">
+                <a16:creationId xmlns:a16="http://schemas.microsoft.com/office/drawing/2014/main" id="{0A2C4E7D-CED6-5F13-9F2E-A401CBAB91DA}"/>
+              </a:ext>
+            </a:extLst>
+          </p:cNvPr>
+          <p:cNvSpPr>
+            <a:spLocks noGrp="1"/>
+          </p:cNvSpPr>
+          <p:nvPr>
+            <p:ph type="title"/>
+          </p:nvPr>
+        </p:nvSpPr>
+        <p:spPr/>
+        <p:txBody>
+          <a:bodyPr/>
+          <a:lstStyle/>
+          <a:p>
+            <a:endParaRPr lang="en-US"/>
+          </a:p>
+        </p:txBody>
+      </p:sp>
+      <p:pic>
+        <p:nvPicPr>
+          <p:cNvPr id="7" name="Content Placeholder 6" descr="A computer screen shot of a program&#10;&#10;Description automatically generated">
+            <a:extLst>
+              <a:ext uri="{FF2B5EF4-FFF2-40B4-BE49-F238E27FC236}">
+                <a16:creationId xmlns:a16="http://schemas.microsoft.com/office/drawing/2014/main" id="{BF68005B-EE7C-3D5E-4B58-4E5E71FC63D9}"/>
+              </a:ext>
+            </a:extLst>
+          </p:cNvPr>
+          <p:cNvPicPr>
+            <a:picLocks noGrp="1" noChangeAspect="1"/>
+          </p:cNvPicPr>
+          <p:nvPr>
+            <p:ph idx="1"/>
+          </p:nvPr>
+        </p:nvPicPr>
+        <p:blipFill>
+          <a:blip r:embed="rId2"/>
+          <a:stretch>
+            <a:fillRect/>
+          </a:stretch>
+        </p:blipFill>
+        <p:spPr>
+          <a:xfrm>
+            <a:off x="2492818" y="2293126"/>
+            <a:ext cx="7106899" cy="3636088"/>
+          </a:xfrm>
+        </p:spPr>
+      </p:pic>
+      <p:sp>
+        <p:nvSpPr>
+          <p:cNvPr id="4" name="Date Placeholder 3">
+            <a:extLst>
+              <a:ext uri="{FF2B5EF4-FFF2-40B4-BE49-F238E27FC236}">
+                <a16:creationId xmlns:a16="http://schemas.microsoft.com/office/drawing/2014/main" id="{2DF92516-28C0-5630-5DD1-C3B4F2CA33A8}"/>
+              </a:ext>
+            </a:extLst>
+          </p:cNvPr>
+          <p:cNvSpPr>
+            <a:spLocks noGrp="1"/>
+          </p:cNvSpPr>
+          <p:nvPr>
+            <p:ph type="dt" sz="half" idx="10"/>
+          </p:nvPr>
+        </p:nvSpPr>
+        <p:spPr/>
+        <p:txBody>
+          <a:bodyPr/>
+          <a:lstStyle/>
+          <a:p>
+            <a:fld id="{38DD7202-AB81-4A16-9FE6-1ED55389250D}" type="datetime1">
+              <a:t>5/18/2024</a:t>
+            </a:fld>
+            <a:endParaRPr lang="en-US" dirty="0"/>
+          </a:p>
+        </p:txBody>
+      </p:sp>
+      <p:sp>
+        <p:nvSpPr>
+          <p:cNvPr id="5" name="Footer Placeholder 4">
+            <a:extLst>
+              <a:ext uri="{FF2B5EF4-FFF2-40B4-BE49-F238E27FC236}">
+                <a16:creationId xmlns:a16="http://schemas.microsoft.com/office/drawing/2014/main" id="{3EA9CC5B-AB45-8319-3A1E-070257F65706}"/>
+              </a:ext>
+            </a:extLst>
+          </p:cNvPr>
+          <p:cNvSpPr>
+            <a:spLocks noGrp="1"/>
+          </p:cNvSpPr>
+          <p:nvPr>
+            <p:ph type="ftr" sz="quarter" idx="11"/>
+          </p:nvPr>
+        </p:nvSpPr>
+        <p:spPr/>
+        <p:txBody>
+          <a:bodyPr/>
+          <a:lstStyle/>
+          <a:p>
+            <a:r>
+              <a:rPr lang="en-US" dirty="0"/>
+              <a:t>
+              </a:t>
+            </a:r>
+          </a:p>
+        </p:txBody>
+      </p:sp>
+      <p:sp>
+        <p:nvSpPr>
+          <p:cNvPr id="6" name="Slide Number Placeholder 5">
+            <a:extLst>
+              <a:ext uri="{FF2B5EF4-FFF2-40B4-BE49-F238E27FC236}">
+                <a16:creationId xmlns:a16="http://schemas.microsoft.com/office/drawing/2014/main" id="{C13EAFEC-7A0B-CEBF-FAE7-4F1FB97CC8CE}"/>
+              </a:ext>
+            </a:extLst>
+          </p:cNvPr>
+          <p:cNvSpPr>
+            <a:spLocks noGrp="1"/>
+          </p:cNvSpPr>
+          <p:nvPr>
+            <p:ph type="sldNum" sz="quarter" idx="12"/>
+          </p:nvPr>
+        </p:nvSpPr>
+        <p:spPr/>
+        <p:txBody>
+          <a:bodyPr/>
+          <a:lstStyle/>
+          <a:p>
+            <a:fld id="{E30AF5A0-43BB-4336-8627-9123B9144D80}" type="slidenum">
+              <a:rPr lang="en-US" dirty="0"/>
+              <a:t>6</a:t>
+            </a:fld>
+            <a:endParaRPr lang="en-US" dirty="0"/>
+          </a:p>
+        </p:txBody>
+      </p:sp>
+    </p:spTree>
+    <p:extLst>
+      <p:ext uri="{BB962C8B-B14F-4D97-AF65-F5344CB8AC3E}">
+        <p14:creationId xmlns:p14="http://schemas.microsoft.com/office/powerpoint/2010/main" val="4112802808"/>
+      </p:ext>
+    </p:extLst>
+  </p:cSld>
+  <p:clrMapOvr>
+    <a:masterClrMapping/>
+  </p:clrMapOvr>
+</p:sld>
+</file>
+
+<file path=ppt/slides/slide7.xml><?xml version="1.0" encoding="utf-8"?>
+<p:sld xmlns:a="http://schemas.openxmlformats.org/drawingml/2006/main" xmlns:r="http://schemas.openxmlformats.org/officeDocument/2006/relationships" xmlns:p="http://schemas.openxmlformats.org/presentationml/2006/main">
+  <p:cSld>
+    <p:spTree>
+      <p:nvGrpSpPr>
+        <p:cNvPr id="1" name=""/>
+        <p:cNvGrpSpPr/>
+        <p:nvPr/>
+      </p:nvGrpSpPr>
+      <p:grpSpPr>
+        <a:xfrm>
+          <a:off x="0" y="0"/>
+          <a:ext cx="0" cy="0"/>
+          <a:chOff x="0" y="0"/>
+          <a:chExt cx="0" cy="0"/>
+        </a:xfrm>
+      </p:grpSpPr>
+      <p:sp>
+        <p:nvSpPr>
+          <p:cNvPr id="2" name="Title 1">
+            <a:extLst>
+              <a:ext uri="{FF2B5EF4-FFF2-40B4-BE49-F238E27FC236}">
+                <a16:creationId xmlns:a16="http://schemas.microsoft.com/office/drawing/2014/main" id="{1ADB7616-59C3-BD58-B04C-B4580228C0E8}"/>
+              </a:ext>
+            </a:extLst>
+          </p:cNvPr>
+          <p:cNvSpPr>
+            <a:spLocks noGrp="1"/>
+          </p:cNvSpPr>
+          <p:nvPr>
+            <p:ph type="title"/>
+          </p:nvPr>
+        </p:nvSpPr>
+        <p:spPr/>
+        <p:txBody>
+          <a:bodyPr/>
+          <a:lstStyle/>
+          <a:p>
+            <a:endParaRPr lang="en-US"/>
+          </a:p>
+        </p:txBody>
+      </p:sp>
+      <p:pic>
+        <p:nvPicPr>
+          <p:cNvPr id="9" name="Content Placeholder 8" descr="A screenshot of a computer program&#10;&#10;Description automatically generated">
+            <a:extLst>
+              <a:ext uri="{FF2B5EF4-FFF2-40B4-BE49-F238E27FC236}">
+                <a16:creationId xmlns:a16="http://schemas.microsoft.com/office/drawing/2014/main" id="{6B3D4CF9-E4D9-CE70-77E7-5B5CC17A207F}"/>
+              </a:ext>
+            </a:extLst>
+          </p:cNvPr>
+          <p:cNvPicPr>
+            <a:picLocks noGrp="1" noChangeAspect="1"/>
+          </p:cNvPicPr>
+          <p:nvPr>
+            <p:ph idx="1"/>
+          </p:nvPr>
+        </p:nvPicPr>
+        <p:blipFill>
+          <a:blip r:embed="rId2"/>
+          <a:stretch>
+            <a:fillRect/>
+          </a:stretch>
+        </p:blipFill>
+        <p:spPr>
+          <a:xfrm>
+            <a:off x="2775961" y="2293126"/>
+            <a:ext cx="6540612" cy="3636088"/>
+          </a:xfrm>
+        </p:spPr>
+      </p:pic>
+      <p:sp>
+        <p:nvSpPr>
+          <p:cNvPr id="4" name="Date Placeholder 3">
+            <a:extLst>
+              <a:ext uri="{FF2B5EF4-FFF2-40B4-BE49-F238E27FC236}">
+                <a16:creationId xmlns:a16="http://schemas.microsoft.com/office/drawing/2014/main" id="{BAA2B98C-DD79-960E-B747-0D2E20F9E8CF}"/>
+              </a:ext>
+            </a:extLst>
+          </p:cNvPr>
+          <p:cNvSpPr>
+            <a:spLocks noGrp="1"/>
+          </p:cNvSpPr>
+          <p:nvPr>
+            <p:ph type="dt" sz="half" idx="10"/>
+          </p:nvPr>
+        </p:nvSpPr>
+        <p:spPr/>
+        <p:txBody>
+          <a:bodyPr/>
+          <a:lstStyle/>
+          <a:p>
+            <a:fld id="{4F6F534F-A42D-4BEA-A2D1-1B5E5A9AC4B5}" type="datetime1">
+              <a:t>5/18/2024</a:t>
+            </a:fld>
+            <a:endParaRPr lang="en-US" dirty="0"/>
+          </a:p>
+        </p:txBody>
+      </p:sp>
+      <p:sp>
+        <p:nvSpPr>
+          <p:cNvPr id="5" name="Footer Placeholder 4">
+            <a:extLst>
+              <a:ext uri="{FF2B5EF4-FFF2-40B4-BE49-F238E27FC236}">
+                <a16:creationId xmlns:a16="http://schemas.microsoft.com/office/drawing/2014/main" id="{FAA5189C-D1AF-C55E-7BC2-4B01365F3FE0}"/>
+              </a:ext>
+            </a:extLst>
+          </p:cNvPr>
+          <p:cNvSpPr>
+            <a:spLocks noGrp="1"/>
+          </p:cNvSpPr>
+          <p:nvPr>
+            <p:ph type="ftr" sz="quarter" idx="11"/>
+          </p:nvPr>
+        </p:nvSpPr>
+        <p:spPr/>
+        <p:txBody>
+          <a:bodyPr/>
+          <a:lstStyle/>
+          <a:p>
+            <a:r>
+              <a:rPr lang="en-US" dirty="0"/>
+              <a:t>
+              </a:t>
+            </a:r>
+          </a:p>
+        </p:txBody>
+      </p:sp>
+      <p:sp>
+        <p:nvSpPr>
+          <p:cNvPr id="6" name="Slide Number Placeholder 5">
+            <a:extLst>
+              <a:ext uri="{FF2B5EF4-FFF2-40B4-BE49-F238E27FC236}">
+                <a16:creationId xmlns:a16="http://schemas.microsoft.com/office/drawing/2014/main" id="{A0EA0BEB-2FCA-8AD4-E573-98F584F78CA3}"/>
+              </a:ext>
+            </a:extLst>
+          </p:cNvPr>
+          <p:cNvSpPr>
+            <a:spLocks noGrp="1"/>
+          </p:cNvSpPr>
+          <p:nvPr>
+            <p:ph type="sldNum" sz="quarter" idx="12"/>
+          </p:nvPr>
+        </p:nvSpPr>
+        <p:spPr/>
+        <p:txBody>
+          <a:bodyPr/>
+          <a:lstStyle/>
+          <a:p>
+            <a:fld id="{E30AF5A0-43BB-4336-8627-9123B9144D80}" type="slidenum">
+              <a:rPr lang="en-US" dirty="0"/>
+              <a:t>7</a:t>
+            </a:fld>
+            <a:endParaRPr lang="en-US" dirty="0"/>
+          </a:p>
+        </p:txBody>
+      </p:sp>
+    </p:spTree>
+    <p:extLst>
+      <p:ext uri="{BB962C8B-B14F-4D97-AF65-F5344CB8AC3E}">
+        <p14:creationId xmlns:p14="http://schemas.microsoft.com/office/powerpoint/2010/main" val="2620471646"/>
+      </p:ext>
+    </p:extLst>
+  </p:cSld>
+  <p:clrMapOvr>
+    <a:masterClrMapping/>
+  </p:clrMapOvr>
+</p:sld>
+</file>
+
+<file path=ppt/slides/slide8.xml><?xml version="1.0" encoding="utf-8"?>
+<p:sld xmlns:a="http://schemas.openxmlformats.org/drawingml/2006/main" xmlns:r="http://schemas.openxmlformats.org/officeDocument/2006/relationships" xmlns:p="http://schemas.openxmlformats.org/presentationml/2006/main">
+  <p:cSld>
+    <p:spTree>
+      <p:nvGrpSpPr>
+        <p:cNvPr id="1" name=""/>
+        <p:cNvGrpSpPr/>
+        <p:nvPr/>
+      </p:nvGrpSpPr>
+      <p:grpSpPr>
+        <a:xfrm>
+          <a:off x="0" y="0"/>
+          <a:ext cx="0" cy="0"/>
+          <a:chOff x="0" y="0"/>
+          <a:chExt cx="0" cy="0"/>
+        </a:xfrm>
+      </p:grpSpPr>
+      <p:sp>
+        <p:nvSpPr>
+          <p:cNvPr id="2" name="Título 1">
+            <a:extLst>
+              <a:ext uri="{FF2B5EF4-FFF2-40B4-BE49-F238E27FC236}">
+                <a16:creationId xmlns:a16="http://schemas.microsoft.com/office/drawing/2014/main" id="{4E319447-D02E-7C4B-241A-4A96C7ABC44D}"/>
+              </a:ext>
+            </a:extLst>
+          </p:cNvPr>
+          <p:cNvSpPr>
+            <a:spLocks noGrp="1"/>
+          </p:cNvSpPr>
+          <p:nvPr>
+            <p:ph type="title"/>
+          </p:nvPr>
+        </p:nvSpPr>
+        <p:spPr/>
+        <p:txBody>
+          <a:bodyPr/>
+          <a:lstStyle/>
+          <a:p>
+            <a:r>
+              <a:rPr lang="en-US" dirty="0" err="1"/>
+              <a:t>Referências</a:t>
+            </a:r>
+            <a:r>
+              <a:rPr lang="en-US" dirty="0"/>
+              <a:t> </a:t>
+            </a:r>
+            <a:r>
+              <a:rPr lang="en-US" dirty="0" err="1"/>
+              <a:t>bibliográficas</a:t>
+            </a:r>
+            <a:endParaRPr lang="pt-BR" dirty="0"/>
+          </a:p>
+        </p:txBody>
+      </p:sp>
+      <p:sp>
+        <p:nvSpPr>
+          <p:cNvPr id="3" name="Espaço Reservado para Conteúdo 2">
+            <a:extLst>
+              <a:ext uri="{FF2B5EF4-FFF2-40B4-BE49-F238E27FC236}">
+                <a16:creationId xmlns:a16="http://schemas.microsoft.com/office/drawing/2014/main" id="{DF5ABD57-ADCB-25E7-5CDB-095C18654DD9}"/>
+              </a:ext>
+            </a:extLst>
+          </p:cNvPr>
+          <p:cNvSpPr>
+            <a:spLocks noGrp="1"/>
+          </p:cNvSpPr>
+          <p:nvPr>
+            <p:ph idx="1"/>
+          </p:nvPr>
+        </p:nvSpPr>
+        <p:spPr/>
+        <p:txBody>
+          <a:bodyPr vert="horz" lIns="91440" tIns="45720" rIns="91440" bIns="45720" rtlCol="0" anchor="t">
+            <a:normAutofit/>
+          </a:bodyPr>
+          <a:lstStyle/>
+          <a:p>
+            <a:r>
+              <a:rPr lang="pt-BR" dirty="0">
+                <a:ea typeface="+mn-lt"/>
+                <a:cs typeface="+mn-lt"/>
+              </a:rPr>
+              <a:t>WIKIPEDIA CONTRIBUTORS. </a:t>
+            </a:r>
+            <a:r>
+              <a:rPr lang="pt-BR" b="1" err="1">
+                <a:ea typeface="+mn-lt"/>
+                <a:cs typeface="+mn-lt"/>
+              </a:rPr>
+              <a:t>Knight’s</a:t>
+            </a:r>
+            <a:r>
+              <a:rPr lang="pt-BR" b="1" dirty="0">
+                <a:ea typeface="+mn-lt"/>
+                <a:cs typeface="+mn-lt"/>
+              </a:rPr>
+              <a:t> tour</a:t>
+            </a:r>
+            <a:r>
+              <a:rPr lang="pt-BR" dirty="0">
+                <a:ea typeface="+mn-lt"/>
+                <a:cs typeface="+mn-lt"/>
+              </a:rPr>
+              <a:t>. Disponível em: &lt;https://en.wikipedia.org/w/</a:t>
+            </a:r>
+            <a:r>
+              <a:rPr lang="pt-BR" err="1">
+                <a:ea typeface="+mn-lt"/>
+                <a:cs typeface="+mn-lt"/>
+              </a:rPr>
+              <a:t>index.php?title</a:t>
+            </a:r>
+            <a:r>
+              <a:rPr lang="pt-BR" dirty="0">
+                <a:ea typeface="+mn-lt"/>
+                <a:cs typeface="+mn-lt"/>
+              </a:rPr>
+              <a:t>=Knight%27s_tour&amp;oldid=1220995933&gt;.</a:t>
+            </a:r>
+            <a:endParaRPr lang="en-US" dirty="0">
+              <a:ea typeface="+mn-lt"/>
+              <a:cs typeface="+mn-lt"/>
+            </a:endParaRPr>
+          </a:p>
+          <a:p>
+            <a:r>
+              <a:rPr lang="pt-BR" dirty="0">
+                <a:ea typeface="+mn-lt"/>
+                <a:cs typeface="+mn-lt"/>
+              </a:rPr>
+              <a:t>PARBERRY, I. </a:t>
+            </a:r>
+            <a:r>
+              <a:rPr lang="pt-BR" b="1" dirty="0" err="1">
+                <a:ea typeface="+mn-lt"/>
+                <a:cs typeface="+mn-lt"/>
+              </a:rPr>
+              <a:t>An</a:t>
+            </a:r>
+            <a:r>
+              <a:rPr lang="pt-BR" b="1" dirty="0">
+                <a:ea typeface="+mn-lt"/>
+                <a:cs typeface="+mn-lt"/>
+              </a:rPr>
+              <a:t> </a:t>
+            </a:r>
+            <a:r>
+              <a:rPr lang="pt-BR" b="1" dirty="0" err="1">
+                <a:ea typeface="+mn-lt"/>
+                <a:cs typeface="+mn-lt"/>
+              </a:rPr>
+              <a:t>efficient</a:t>
+            </a:r>
+            <a:r>
+              <a:rPr lang="pt-BR" b="1" dirty="0">
+                <a:ea typeface="+mn-lt"/>
+                <a:cs typeface="+mn-lt"/>
+              </a:rPr>
+              <a:t> </a:t>
+            </a:r>
+            <a:r>
+              <a:rPr lang="pt-BR" b="1" dirty="0" err="1">
+                <a:ea typeface="+mn-lt"/>
+                <a:cs typeface="+mn-lt"/>
+              </a:rPr>
+              <a:t>algorithm</a:t>
+            </a:r>
+            <a:r>
+              <a:rPr lang="pt-BR" b="1" dirty="0">
+                <a:ea typeface="+mn-lt"/>
+                <a:cs typeface="+mn-lt"/>
+              </a:rPr>
+              <a:t> for </a:t>
+            </a:r>
+            <a:r>
+              <a:rPr lang="pt-BR" b="1" dirty="0" err="1">
+                <a:ea typeface="+mn-lt"/>
+                <a:cs typeface="+mn-lt"/>
+              </a:rPr>
+              <a:t>the</a:t>
+            </a:r>
+            <a:r>
+              <a:rPr lang="pt-BR" b="1" dirty="0">
+                <a:ea typeface="+mn-lt"/>
+                <a:cs typeface="+mn-lt"/>
+              </a:rPr>
+              <a:t> </a:t>
+            </a:r>
+            <a:r>
+              <a:rPr lang="pt-BR" b="1" dirty="0" err="1">
+                <a:ea typeface="+mn-lt"/>
+                <a:cs typeface="+mn-lt"/>
+              </a:rPr>
+              <a:t>Knight’s</a:t>
+            </a:r>
+            <a:r>
+              <a:rPr lang="pt-BR" b="1" dirty="0">
+                <a:ea typeface="+mn-lt"/>
+                <a:cs typeface="+mn-lt"/>
+              </a:rPr>
+              <a:t> tour problem</a:t>
+            </a:r>
+            <a:r>
+              <a:rPr lang="pt-BR" dirty="0">
+                <a:ea typeface="+mn-lt"/>
+                <a:cs typeface="+mn-lt"/>
+              </a:rPr>
+              <a:t>. Disponível em: &lt;https://core.ac.uk/download/</a:t>
+            </a:r>
+            <a:r>
+              <a:rPr lang="pt-BR" dirty="0" err="1">
+                <a:ea typeface="+mn-lt"/>
+                <a:cs typeface="+mn-lt"/>
+              </a:rPr>
+              <a:t>pdf</a:t>
+            </a:r>
+            <a:r>
+              <a:rPr lang="pt-BR" dirty="0">
+                <a:ea typeface="+mn-lt"/>
+                <a:cs typeface="+mn-lt"/>
+              </a:rPr>
+              <a:t>/81964499.pdf&gt;. Acesso em: 14 maio. 2024.</a:t>
+            </a:r>
+            <a:endParaRPr lang="pt-BR" dirty="0"/>
+          </a:p>
+          <a:p>
+            <a:endParaRPr lang="pt-BR"/>
+          </a:p>
+          <a:p>
+            <a:endParaRPr lang="pt-BR" dirty="0"/>
+          </a:p>
+          <a:p>
+            <a:endParaRPr lang="pt-BR" dirty="0"/>
+          </a:p>
+          <a:p>
+            <a:endParaRPr lang="pt-BR" dirty="0"/>
+          </a:p>
+          <a:p>
+            <a:endParaRPr lang="pt-BR" dirty="0"/>
+          </a:p>
+          <a:p>
+            <a:endParaRPr lang="pt-BR" dirty="0"/>
+          </a:p>
+        </p:txBody>
+      </p:sp>
+      <p:sp>
+        <p:nvSpPr>
+          <p:cNvPr id="4" name="Espaço Reservado para Data 3">
+            <a:extLst>
+              <a:ext uri="{FF2B5EF4-FFF2-40B4-BE49-F238E27FC236}">
+                <a16:creationId xmlns:a16="http://schemas.microsoft.com/office/drawing/2014/main" id="{E575A558-438B-6388-C74A-CB3D2C97D3F8}"/>
+              </a:ext>
+            </a:extLst>
+          </p:cNvPr>
+          <p:cNvSpPr>
+            <a:spLocks noGrp="1"/>
+          </p:cNvSpPr>
+          <p:nvPr>
+            <p:ph type="dt" sz="half" idx="10"/>
+          </p:nvPr>
+        </p:nvSpPr>
+        <p:spPr/>
+        <p:txBody>
+          <a:bodyPr/>
+          <a:lstStyle/>
+          <a:p>
+            <a:fld id="{5C0E8BC3-A60E-4E31-8AE4-2BE08893AD21}" type="datetime1">
+              <a:rPr lang="en-US" smtClean="0"/>
+              <a:t>5/18/2024</a:t>
+            </a:fld>
+            <a:endParaRPr lang="en-US" dirty="0"/>
+          </a:p>
+        </p:txBody>
+      </p:sp>
+      <p:sp>
+        <p:nvSpPr>
+          <p:cNvPr id="5" name="Espaço Reservado para Rodapé 4">
+            <a:extLst>
+              <a:ext uri="{FF2B5EF4-FFF2-40B4-BE49-F238E27FC236}">
+                <a16:creationId xmlns:a16="http://schemas.microsoft.com/office/drawing/2014/main" id="{5792529F-47F6-73F8-4E0C-FA5B71473D22}"/>
+              </a:ext>
+            </a:extLst>
+          </p:cNvPr>
+          <p:cNvSpPr>
+            <a:spLocks noGrp="1"/>
+          </p:cNvSpPr>
+          <p:nvPr>
+            <p:ph type="ftr" sz="quarter" idx="11"/>
+          </p:nvPr>
+        </p:nvSpPr>
+        <p:spPr/>
+        <p:txBody>
+          <a:bodyPr/>
+          <a:lstStyle/>
+          <a:p>
+            <a:r>
+              <a:rPr lang="en-US"/>
+              <a:t>
+              </a:t>
+            </a:r>
+            <a:endParaRPr lang="en-US" dirty="0"/>
+          </a:p>
+        </p:txBody>
+      </p:sp>
+      <p:sp>
+        <p:nvSpPr>
+          <p:cNvPr id="6" name="Espaço Reservado para Número de Slide 5">
+            <a:extLst>
+              <a:ext uri="{FF2B5EF4-FFF2-40B4-BE49-F238E27FC236}">
+                <a16:creationId xmlns:a16="http://schemas.microsoft.com/office/drawing/2014/main" id="{6590052F-4EE3-8698-0A10-CB8C4E35A1E4}"/>
+              </a:ext>
+            </a:extLst>
+          </p:cNvPr>
+          <p:cNvSpPr>
+            <a:spLocks noGrp="1"/>
+          </p:cNvSpPr>
+          <p:nvPr>
+            <p:ph type="sldNum" sz="quarter" idx="12"/>
+          </p:nvPr>
+        </p:nvSpPr>
+        <p:spPr/>
+        <p:txBody>
+          <a:bodyPr/>
+          <a:lstStyle/>
+          <a:p>
+            <a:fld id="{E30AF5A0-43BB-4336-8627-9123B9144D80}" type="slidenum">
+              <a:rPr lang="en-US" smtClean="0"/>
+              <a:t>8</a:t>
+            </a:fld>
+            <a:endParaRPr lang="en-US" dirty="0"/>
+          </a:p>
+        </p:txBody>
+      </p:sp>
+    </p:spTree>
+    <p:extLst>
+      <p:ext uri="{BB962C8B-B14F-4D97-AF65-F5344CB8AC3E}">
+        <p14:creationId xmlns:p14="http://schemas.microsoft.com/office/powerpoint/2010/main" val="2097304172"/>
+      </p:ext>
+    </p:extLst>
+  </p:cSld>
+  <p:clrMapOvr>
+    <a:masterClrMapping/>
+  </p:clrMapOvr>
+</p:sld>
+</file>
+
+<file path=ppt/slides/slide9.xml><?xml version="1.0" encoding="utf-8"?>
+<p:sld xmlns:a="http://schemas.openxmlformats.org/drawingml/2006/main" xmlns:r="http://schemas.openxmlformats.org/officeDocument/2006/relationships" xmlns:p="http://schemas.openxmlformats.org/presentationml/2006/main">
+  <p:cSld>
+    <p:spTree>
+      <p:nvGrpSpPr>
+        <p:cNvPr id="1" name=""/>
+        <p:cNvGrpSpPr/>
+        <p:nvPr/>
+      </p:nvGrpSpPr>
+      <p:grpSpPr>
+        <a:xfrm>
+          <a:off x="0" y="0"/>
+          <a:ext cx="0" cy="0"/>
+          <a:chOff x="0" y="0"/>
+          <a:chExt cx="0" cy="0"/>
+        </a:xfrm>
+      </p:grpSpPr>
+      <p:sp>
+        <p:nvSpPr>
           <p:cNvPr id="2" name="Título 1">
             <a:extLst>
               <a:ext uri="{FF2B5EF4-FFF2-40B4-BE49-F238E27FC236}">
@@ -6618,7 +7407,7 @@
           <a:p>
             <a:fld id="{8ADC9E49-246E-484A-926C-3041536DB8F7}" type="datetime1">
               <a:rPr lang="en-US" smtClean="0"/>
-              <a:t>5/13/2024</a:t>
+              <a:t>5/18/2024</a:t>
             </a:fld>
             <a:endParaRPr lang="en-US" dirty="0"/>
           </a:p>
@@ -6677,7 +7466,7 @@
           <a:p>
             <a:fld id="{196A61CA-0502-4EE4-9724-96EA822543E5}" type="slidenum">
               <a:rPr lang="en-US" smtClean="0"/>
-              <a:t>6</a:t>
+              <a:t>9</a:t>
             </a:fld>
             <a:endParaRPr lang="en-US" dirty="0"/>
           </a:p>
